--- a/docs/flag_nutrient_logic.pptx
+++ b/docs/flag_nutrient_logic.pptx
@@ -6,6 +6,7 @@
   </p:sldMasterIdLst>
   <p:sldIdLst>
     <p:sldId id="256" r:id="rId2"/>
+    <p:sldId id="258" r:id="rId3"/>
   </p:sldIdLst>
   <p:sldSz cx="12192000" cy="6858000"/>
   <p:notesSz cx="6858000" cy="9144000"/>
@@ -259,9 +260,9 @@
           <a:p>
             <a:fld id="{1132FF4E-8DFA-4E15-A352-BB4F35F983A4}" type="datetimeFigureOut">
               <a:rPr lang="en-US" smtClean="0"/>
-              <a:t>1/14/2021</a:t>
+              <a:t>1/21/2021</a:t>
             </a:fld>
-            <a:endParaRPr lang="en-US"/>
+            <a:endParaRPr lang="en-US" dirty="0"/>
           </a:p>
         </p:txBody>
       </p:sp>
@@ -286,7 +287,7 @@
           <a:bodyPr/>
           <a:lstStyle/>
           <a:p>
-            <a:endParaRPr lang="en-US"/>
+            <a:endParaRPr lang="en-US" dirty="0"/>
           </a:p>
         </p:txBody>
       </p:sp>
@@ -315,7 +316,7 @@
               <a:rPr lang="en-US" smtClean="0"/>
               <a:t>‹#›</a:t>
             </a:fld>
-            <a:endParaRPr lang="en-US"/>
+            <a:endParaRPr lang="en-US" dirty="0"/>
           </a:p>
         </p:txBody>
       </p:sp>
@@ -457,9 +458,9 @@
           <a:p>
             <a:fld id="{1132FF4E-8DFA-4E15-A352-BB4F35F983A4}" type="datetimeFigureOut">
               <a:rPr lang="en-US" smtClean="0"/>
-              <a:t>1/14/2021</a:t>
+              <a:t>1/21/2021</a:t>
             </a:fld>
-            <a:endParaRPr lang="en-US"/>
+            <a:endParaRPr lang="en-US" dirty="0"/>
           </a:p>
         </p:txBody>
       </p:sp>
@@ -484,7 +485,7 @@
           <a:bodyPr/>
           <a:lstStyle/>
           <a:p>
-            <a:endParaRPr lang="en-US"/>
+            <a:endParaRPr lang="en-US" dirty="0"/>
           </a:p>
         </p:txBody>
       </p:sp>
@@ -513,7 +514,7 @@
               <a:rPr lang="en-US" smtClean="0"/>
               <a:t>‹#›</a:t>
             </a:fld>
-            <a:endParaRPr lang="en-US"/>
+            <a:endParaRPr lang="en-US" dirty="0"/>
           </a:p>
         </p:txBody>
       </p:sp>
@@ -665,9 +666,9 @@
           <a:p>
             <a:fld id="{1132FF4E-8DFA-4E15-A352-BB4F35F983A4}" type="datetimeFigureOut">
               <a:rPr lang="en-US" smtClean="0"/>
-              <a:t>1/14/2021</a:t>
+              <a:t>1/21/2021</a:t>
             </a:fld>
-            <a:endParaRPr lang="en-US"/>
+            <a:endParaRPr lang="en-US" dirty="0"/>
           </a:p>
         </p:txBody>
       </p:sp>
@@ -692,7 +693,7 @@
           <a:bodyPr/>
           <a:lstStyle/>
           <a:p>
-            <a:endParaRPr lang="en-US"/>
+            <a:endParaRPr lang="en-US" dirty="0"/>
           </a:p>
         </p:txBody>
       </p:sp>
@@ -721,7 +722,7 @@
               <a:rPr lang="en-US" smtClean="0"/>
               <a:t>‹#›</a:t>
             </a:fld>
-            <a:endParaRPr lang="en-US"/>
+            <a:endParaRPr lang="en-US" dirty="0"/>
           </a:p>
         </p:txBody>
       </p:sp>
@@ -863,9 +864,9 @@
           <a:p>
             <a:fld id="{1132FF4E-8DFA-4E15-A352-BB4F35F983A4}" type="datetimeFigureOut">
               <a:rPr lang="en-US" smtClean="0"/>
-              <a:t>1/14/2021</a:t>
+              <a:t>1/21/2021</a:t>
             </a:fld>
-            <a:endParaRPr lang="en-US"/>
+            <a:endParaRPr lang="en-US" dirty="0"/>
           </a:p>
         </p:txBody>
       </p:sp>
@@ -890,7 +891,7 @@
           <a:bodyPr/>
           <a:lstStyle/>
           <a:p>
-            <a:endParaRPr lang="en-US"/>
+            <a:endParaRPr lang="en-US" dirty="0"/>
           </a:p>
         </p:txBody>
       </p:sp>
@@ -919,7 +920,7 @@
               <a:rPr lang="en-US" smtClean="0"/>
               <a:t>‹#›</a:t>
             </a:fld>
-            <a:endParaRPr lang="en-US"/>
+            <a:endParaRPr lang="en-US" dirty="0"/>
           </a:p>
         </p:txBody>
       </p:sp>
@@ -1138,9 +1139,9 @@
           <a:p>
             <a:fld id="{1132FF4E-8DFA-4E15-A352-BB4F35F983A4}" type="datetimeFigureOut">
               <a:rPr lang="en-US" smtClean="0"/>
-              <a:t>1/14/2021</a:t>
+              <a:t>1/21/2021</a:t>
             </a:fld>
-            <a:endParaRPr lang="en-US"/>
+            <a:endParaRPr lang="en-US" dirty="0"/>
           </a:p>
         </p:txBody>
       </p:sp>
@@ -1165,7 +1166,7 @@
           <a:bodyPr/>
           <a:lstStyle/>
           <a:p>
-            <a:endParaRPr lang="en-US"/>
+            <a:endParaRPr lang="en-US" dirty="0"/>
           </a:p>
         </p:txBody>
       </p:sp>
@@ -1194,7 +1195,7 @@
               <a:rPr lang="en-US" smtClean="0"/>
               <a:t>‹#›</a:t>
             </a:fld>
-            <a:endParaRPr lang="en-US"/>
+            <a:endParaRPr lang="en-US" dirty="0"/>
           </a:p>
         </p:txBody>
       </p:sp>
@@ -1403,9 +1404,9 @@
           <a:p>
             <a:fld id="{1132FF4E-8DFA-4E15-A352-BB4F35F983A4}" type="datetimeFigureOut">
               <a:rPr lang="en-US" smtClean="0"/>
-              <a:t>1/14/2021</a:t>
+              <a:t>1/21/2021</a:t>
             </a:fld>
-            <a:endParaRPr lang="en-US"/>
+            <a:endParaRPr lang="en-US" dirty="0"/>
           </a:p>
         </p:txBody>
       </p:sp>
@@ -1430,7 +1431,7 @@
           <a:bodyPr/>
           <a:lstStyle/>
           <a:p>
-            <a:endParaRPr lang="en-US"/>
+            <a:endParaRPr lang="en-US" dirty="0"/>
           </a:p>
         </p:txBody>
       </p:sp>
@@ -1459,7 +1460,7 @@
               <a:rPr lang="en-US" smtClean="0"/>
               <a:t>‹#›</a:t>
             </a:fld>
-            <a:endParaRPr lang="en-US"/>
+            <a:endParaRPr lang="en-US" dirty="0"/>
           </a:p>
         </p:txBody>
       </p:sp>
@@ -1815,9 +1816,9 @@
           <a:p>
             <a:fld id="{1132FF4E-8DFA-4E15-A352-BB4F35F983A4}" type="datetimeFigureOut">
               <a:rPr lang="en-US" smtClean="0"/>
-              <a:t>1/14/2021</a:t>
+              <a:t>1/21/2021</a:t>
             </a:fld>
-            <a:endParaRPr lang="en-US"/>
+            <a:endParaRPr lang="en-US" dirty="0"/>
           </a:p>
         </p:txBody>
       </p:sp>
@@ -1842,7 +1843,7 @@
           <a:bodyPr/>
           <a:lstStyle/>
           <a:p>
-            <a:endParaRPr lang="en-US"/>
+            <a:endParaRPr lang="en-US" dirty="0"/>
           </a:p>
         </p:txBody>
       </p:sp>
@@ -1871,7 +1872,7 @@
               <a:rPr lang="en-US" smtClean="0"/>
               <a:t>‹#›</a:t>
             </a:fld>
-            <a:endParaRPr lang="en-US"/>
+            <a:endParaRPr lang="en-US" dirty="0"/>
           </a:p>
         </p:txBody>
       </p:sp>
@@ -1956,9 +1957,9 @@
           <a:p>
             <a:fld id="{1132FF4E-8DFA-4E15-A352-BB4F35F983A4}" type="datetimeFigureOut">
               <a:rPr lang="en-US" smtClean="0"/>
-              <a:t>1/14/2021</a:t>
+              <a:t>1/21/2021</a:t>
             </a:fld>
-            <a:endParaRPr lang="en-US"/>
+            <a:endParaRPr lang="en-US" dirty="0"/>
           </a:p>
         </p:txBody>
       </p:sp>
@@ -1983,7 +1984,7 @@
           <a:bodyPr/>
           <a:lstStyle/>
           <a:p>
-            <a:endParaRPr lang="en-US"/>
+            <a:endParaRPr lang="en-US" dirty="0"/>
           </a:p>
         </p:txBody>
       </p:sp>
@@ -2012,7 +2013,7 @@
               <a:rPr lang="en-US" smtClean="0"/>
               <a:t>‹#›</a:t>
             </a:fld>
-            <a:endParaRPr lang="en-US"/>
+            <a:endParaRPr lang="en-US" dirty="0"/>
           </a:p>
         </p:txBody>
       </p:sp>
@@ -2069,9 +2070,9 @@
           <a:p>
             <a:fld id="{1132FF4E-8DFA-4E15-A352-BB4F35F983A4}" type="datetimeFigureOut">
               <a:rPr lang="en-US" smtClean="0"/>
-              <a:t>1/14/2021</a:t>
+              <a:t>1/21/2021</a:t>
             </a:fld>
-            <a:endParaRPr lang="en-US"/>
+            <a:endParaRPr lang="en-US" dirty="0"/>
           </a:p>
         </p:txBody>
       </p:sp>
@@ -2096,7 +2097,7 @@
           <a:bodyPr/>
           <a:lstStyle/>
           <a:p>
-            <a:endParaRPr lang="en-US"/>
+            <a:endParaRPr lang="en-US" dirty="0"/>
           </a:p>
         </p:txBody>
       </p:sp>
@@ -2125,7 +2126,7 @@
               <a:rPr lang="en-US" smtClean="0"/>
               <a:t>‹#›</a:t>
             </a:fld>
-            <a:endParaRPr lang="en-US"/>
+            <a:endParaRPr lang="en-US" dirty="0"/>
           </a:p>
         </p:txBody>
       </p:sp>
@@ -2380,9 +2381,9 @@
           <a:p>
             <a:fld id="{1132FF4E-8DFA-4E15-A352-BB4F35F983A4}" type="datetimeFigureOut">
               <a:rPr lang="en-US" smtClean="0"/>
-              <a:t>1/14/2021</a:t>
+              <a:t>1/21/2021</a:t>
             </a:fld>
-            <a:endParaRPr lang="en-US"/>
+            <a:endParaRPr lang="en-US" dirty="0"/>
           </a:p>
         </p:txBody>
       </p:sp>
@@ -2407,7 +2408,7 @@
           <a:bodyPr/>
           <a:lstStyle/>
           <a:p>
-            <a:endParaRPr lang="en-US"/>
+            <a:endParaRPr lang="en-US" dirty="0"/>
           </a:p>
         </p:txBody>
       </p:sp>
@@ -2436,7 +2437,7 @@
               <a:rPr lang="en-US" smtClean="0"/>
               <a:t>‹#›</a:t>
             </a:fld>
-            <a:endParaRPr lang="en-US"/>
+            <a:endParaRPr lang="en-US" dirty="0"/>
           </a:p>
         </p:txBody>
       </p:sp>
@@ -2570,7 +2571,7 @@
             </a:lvl9pPr>
           </a:lstStyle>
           <a:p>
-            <a:endParaRPr lang="en-US"/>
+            <a:endParaRPr lang="en-US" dirty="0"/>
           </a:p>
         </p:txBody>
       </p:sp>
@@ -2668,9 +2669,9 @@
           <a:p>
             <a:fld id="{1132FF4E-8DFA-4E15-A352-BB4F35F983A4}" type="datetimeFigureOut">
               <a:rPr lang="en-US" smtClean="0"/>
-              <a:t>1/14/2021</a:t>
+              <a:t>1/21/2021</a:t>
             </a:fld>
-            <a:endParaRPr lang="en-US"/>
+            <a:endParaRPr lang="en-US" dirty="0"/>
           </a:p>
         </p:txBody>
       </p:sp>
@@ -2695,7 +2696,7 @@
           <a:bodyPr/>
           <a:lstStyle/>
           <a:p>
-            <a:endParaRPr lang="en-US"/>
+            <a:endParaRPr lang="en-US" dirty="0"/>
           </a:p>
         </p:txBody>
       </p:sp>
@@ -2724,7 +2725,7 @@
               <a:rPr lang="en-US" smtClean="0"/>
               <a:t>‹#›</a:t>
             </a:fld>
-            <a:endParaRPr lang="en-US"/>
+            <a:endParaRPr lang="en-US" dirty="0"/>
           </a:p>
         </p:txBody>
       </p:sp>
@@ -2909,9 +2910,9 @@
           <a:p>
             <a:fld id="{1132FF4E-8DFA-4E15-A352-BB4F35F983A4}" type="datetimeFigureOut">
               <a:rPr lang="en-US" smtClean="0"/>
-              <a:t>1/14/2021</a:t>
+              <a:t>1/21/2021</a:t>
             </a:fld>
-            <a:endParaRPr lang="en-US"/>
+            <a:endParaRPr lang="en-US" dirty="0"/>
           </a:p>
         </p:txBody>
       </p:sp>
@@ -2954,7 +2955,7 @@
             </a:lvl1pPr>
           </a:lstStyle>
           <a:p>
-            <a:endParaRPr lang="en-US"/>
+            <a:endParaRPr lang="en-US" dirty="0"/>
           </a:p>
         </p:txBody>
       </p:sp>
@@ -3001,7 +3002,7 @@
               <a:rPr lang="en-US" smtClean="0"/>
               <a:t>‹#›</a:t>
             </a:fld>
-            <a:endParaRPr lang="en-US"/>
+            <a:endParaRPr lang="en-US" dirty="0"/>
           </a:p>
         </p:txBody>
       </p:sp>
@@ -18254,6 +18255,4784 @@
 </p:sld>
 </file>
 
+<file path=ppt/slides/slide2.xml><?xml version="1.0" encoding="utf-8"?>
+<p:sld xmlns:a="http://schemas.openxmlformats.org/drawingml/2006/main" xmlns:r="http://schemas.openxmlformats.org/officeDocument/2006/relationships" xmlns:p="http://schemas.openxmlformats.org/presentationml/2006/main">
+  <p:cSld>
+    <p:spTree>
+      <p:nvGrpSpPr>
+        <p:cNvPr id="1" name=""/>
+        <p:cNvGrpSpPr/>
+        <p:nvPr/>
+      </p:nvGrpSpPr>
+      <p:grpSpPr>
+        <a:xfrm>
+          <a:off x="0" y="0"/>
+          <a:ext cx="0" cy="0"/>
+          <a:chOff x="0" y="0"/>
+          <a:chExt cx="0" cy="0"/>
+        </a:xfrm>
+      </p:grpSpPr>
+      <p:sp>
+        <p:nvSpPr>
+          <p:cNvPr id="27" name="TextBox 26">
+            <a:extLst>
+              <a:ext uri="{FF2B5EF4-FFF2-40B4-BE49-F238E27FC236}">
+                <a16:creationId xmlns:a16="http://schemas.microsoft.com/office/drawing/2014/main" id="{EE15E81B-12DE-4DCF-A184-4219C27CFE98}"/>
+              </a:ext>
+            </a:extLst>
+          </p:cNvPr>
+          <p:cNvSpPr txBox="1"/>
+          <p:nvPr/>
+        </p:nvSpPr>
+        <p:spPr>
+          <a:xfrm>
+            <a:off x="1501297" y="2579006"/>
+            <a:ext cx="1723549" cy="261610"/>
+          </a:xfrm>
+          <a:custGeom>
+            <a:avLst/>
+            <a:gdLst>
+              <a:gd name="connsiteX0" fmla="*/ 0 w 1723549"/>
+              <a:gd name="connsiteY0" fmla="*/ 0 h 261610"/>
+              <a:gd name="connsiteX1" fmla="*/ 574516 w 1723549"/>
+              <a:gd name="connsiteY1" fmla="*/ 0 h 261610"/>
+              <a:gd name="connsiteX2" fmla="*/ 1097326 w 1723549"/>
+              <a:gd name="connsiteY2" fmla="*/ 0 h 261610"/>
+              <a:gd name="connsiteX3" fmla="*/ 1723549 w 1723549"/>
+              <a:gd name="connsiteY3" fmla="*/ 0 h 261610"/>
+              <a:gd name="connsiteX4" fmla="*/ 1723549 w 1723549"/>
+              <a:gd name="connsiteY4" fmla="*/ 261610 h 261610"/>
+              <a:gd name="connsiteX5" fmla="*/ 1200739 w 1723549"/>
+              <a:gd name="connsiteY5" fmla="*/ 261610 h 261610"/>
+              <a:gd name="connsiteX6" fmla="*/ 643458 w 1723549"/>
+              <a:gd name="connsiteY6" fmla="*/ 261610 h 261610"/>
+              <a:gd name="connsiteX7" fmla="*/ 0 w 1723549"/>
+              <a:gd name="connsiteY7" fmla="*/ 261610 h 261610"/>
+              <a:gd name="connsiteX8" fmla="*/ 0 w 1723549"/>
+              <a:gd name="connsiteY8" fmla="*/ 0 h 261610"/>
+            </a:gdLst>
+            <a:ahLst/>
+            <a:cxnLst>
+              <a:cxn ang="0">
+                <a:pos x="connsiteX0" y="connsiteY0"/>
+              </a:cxn>
+              <a:cxn ang="0">
+                <a:pos x="connsiteX1" y="connsiteY1"/>
+              </a:cxn>
+              <a:cxn ang="0">
+                <a:pos x="connsiteX2" y="connsiteY2"/>
+              </a:cxn>
+              <a:cxn ang="0">
+                <a:pos x="connsiteX3" y="connsiteY3"/>
+              </a:cxn>
+              <a:cxn ang="0">
+                <a:pos x="connsiteX4" y="connsiteY4"/>
+              </a:cxn>
+              <a:cxn ang="0">
+                <a:pos x="connsiteX5" y="connsiteY5"/>
+              </a:cxn>
+              <a:cxn ang="0">
+                <a:pos x="connsiteX6" y="connsiteY6"/>
+              </a:cxn>
+              <a:cxn ang="0">
+                <a:pos x="connsiteX7" y="connsiteY7"/>
+              </a:cxn>
+              <a:cxn ang="0">
+                <a:pos x="connsiteX8" y="connsiteY8"/>
+              </a:cxn>
+            </a:cxnLst>
+            <a:rect l="l" t="t" r="r" b="b"/>
+            <a:pathLst>
+              <a:path w="1723549" h="261610" fill="none" extrusionOk="0">
+                <a:moveTo>
+                  <a:pt x="0" y="0"/>
+                </a:moveTo>
+                <a:cubicBezTo>
+                  <a:pt x="198007" y="-2879"/>
+                  <a:pt x="412352" y="16492"/>
+                  <a:pt x="574516" y="0"/>
+                </a:cubicBezTo>
+                <a:cubicBezTo>
+                  <a:pt x="736680" y="-16492"/>
+                  <a:pt x="910905" y="18202"/>
+                  <a:pt x="1097326" y="0"/>
+                </a:cubicBezTo>
+                <a:cubicBezTo>
+                  <a:pt x="1283747" y="-18202"/>
+                  <a:pt x="1495213" y="-15642"/>
+                  <a:pt x="1723549" y="0"/>
+                </a:cubicBezTo>
+                <a:cubicBezTo>
+                  <a:pt x="1715651" y="106211"/>
+                  <a:pt x="1725387" y="187562"/>
+                  <a:pt x="1723549" y="261610"/>
+                </a:cubicBezTo>
+                <a:cubicBezTo>
+                  <a:pt x="1540378" y="246821"/>
+                  <a:pt x="1404959" y="273720"/>
+                  <a:pt x="1200739" y="261610"/>
+                </a:cubicBezTo>
+                <a:cubicBezTo>
+                  <a:pt x="996519" y="249501"/>
+                  <a:pt x="866878" y="262939"/>
+                  <a:pt x="643458" y="261610"/>
+                </a:cubicBezTo>
+                <a:cubicBezTo>
+                  <a:pt x="420038" y="260281"/>
+                  <a:pt x="225499" y="244103"/>
+                  <a:pt x="0" y="261610"/>
+                </a:cubicBezTo>
+                <a:cubicBezTo>
+                  <a:pt x="-9089" y="173252"/>
+                  <a:pt x="12703" y="75484"/>
+                  <a:pt x="0" y="0"/>
+                </a:cubicBezTo>
+                <a:close/>
+              </a:path>
+              <a:path w="1723549" h="261610" stroke="0" extrusionOk="0">
+                <a:moveTo>
+                  <a:pt x="0" y="0"/>
+                </a:moveTo>
+                <a:cubicBezTo>
+                  <a:pt x="197300" y="15737"/>
+                  <a:pt x="415974" y="-1181"/>
+                  <a:pt x="591752" y="0"/>
+                </a:cubicBezTo>
+                <a:cubicBezTo>
+                  <a:pt x="767530" y="1181"/>
+                  <a:pt x="988464" y="2786"/>
+                  <a:pt x="1183504" y="0"/>
+                </a:cubicBezTo>
+                <a:cubicBezTo>
+                  <a:pt x="1378544" y="-2786"/>
+                  <a:pt x="1567913" y="-19522"/>
+                  <a:pt x="1723549" y="0"/>
+                </a:cubicBezTo>
+                <a:cubicBezTo>
+                  <a:pt x="1712696" y="111403"/>
+                  <a:pt x="1717134" y="158519"/>
+                  <a:pt x="1723549" y="261610"/>
+                </a:cubicBezTo>
+                <a:cubicBezTo>
+                  <a:pt x="1524366" y="270847"/>
+                  <a:pt x="1405137" y="281555"/>
+                  <a:pt x="1131797" y="261610"/>
+                </a:cubicBezTo>
+                <a:cubicBezTo>
+                  <a:pt x="858457" y="241665"/>
+                  <a:pt x="777677" y="263404"/>
+                  <a:pt x="574516" y="261610"/>
+                </a:cubicBezTo>
+                <a:cubicBezTo>
+                  <a:pt x="371355" y="259816"/>
+                  <a:pt x="196577" y="239611"/>
+                  <a:pt x="0" y="261610"/>
+                </a:cubicBezTo>
+                <a:cubicBezTo>
+                  <a:pt x="-4498" y="140062"/>
+                  <a:pt x="10653" y="116420"/>
+                  <a:pt x="0" y="0"/>
+                </a:cubicBezTo>
+                <a:close/>
+              </a:path>
+            </a:pathLst>
+          </a:custGeom>
+          <a:ln>
+            <a:extLst>
+              <a:ext uri="{C807C97D-BFC1-408E-A445-0C87EB9F89A2}">
+                <ask:lineSketchStyleProps xmlns:ask="http://schemas.microsoft.com/office/drawing/2018/sketchyshapes" sd="604385693">
+                  <a:prstGeom prst="rect">
+                    <a:avLst/>
+                  </a:prstGeom>
+                  <ask:type>
+                    <ask:lineSketchFreehand/>
+                  </ask:type>
+                </ask:lineSketchStyleProps>
+              </a:ext>
+            </a:extLst>
+          </a:ln>
+        </p:spPr>
+        <p:style>
+          <a:lnRef idx="1">
+            <a:schemeClr val="accent1"/>
+          </a:lnRef>
+          <a:fillRef idx="2">
+            <a:schemeClr val="accent1"/>
+          </a:fillRef>
+          <a:effectRef idx="1">
+            <a:schemeClr val="accent1"/>
+          </a:effectRef>
+          <a:fontRef idx="minor">
+            <a:schemeClr val="dk1"/>
+          </a:fontRef>
+        </p:style>
+        <p:txBody>
+          <a:bodyPr wrap="none" rtlCol="0">
+            <a:spAutoFit/>
+          </a:bodyPr>
+          <a:lstStyle/>
+          <a:p>
+            <a:r>
+              <a:rPr lang="en-GB" sz="1100" dirty="0">
+                <a:latin typeface="Consolas" panose="020B0609020204030204" pitchFamily="49" charset="0"/>
+                <a:cs typeface="Arial" panose="020B0604020202020204" pitchFamily="34" charset="0"/>
+              </a:rPr>
+              <a:t>if flag.direct_alias</a:t>
+            </a:r>
+            <a:endParaRPr lang="en-US" sz="1100" dirty="0">
+              <a:latin typeface="Consolas" panose="020B0609020204030204" pitchFamily="49" charset="0"/>
+              <a:cs typeface="Arial" panose="020B0604020202020204" pitchFamily="34" charset="0"/>
+            </a:endParaRPr>
+          </a:p>
+        </p:txBody>
+      </p:sp>
+      <p:sp>
+        <p:nvSpPr>
+          <p:cNvPr id="33" name="TextBox 32">
+            <a:extLst>
+              <a:ext uri="{FF2B5EF4-FFF2-40B4-BE49-F238E27FC236}">
+                <a16:creationId xmlns:a16="http://schemas.microsoft.com/office/drawing/2014/main" id="{555E3247-64AB-4633-A6EC-74AD8F7FC1D3}"/>
+              </a:ext>
+            </a:extLst>
+          </p:cNvPr>
+          <p:cNvSpPr txBox="1"/>
+          <p:nvPr/>
+        </p:nvSpPr>
+        <p:spPr>
+          <a:xfrm>
+            <a:off x="1171748" y="1365262"/>
+            <a:ext cx="2339102" cy="261610"/>
+          </a:xfrm>
+          <a:custGeom>
+            <a:avLst/>
+            <a:gdLst>
+              <a:gd name="connsiteX0" fmla="*/ 0 w 2339102"/>
+              <a:gd name="connsiteY0" fmla="*/ 0 h 261610"/>
+              <a:gd name="connsiteX1" fmla="*/ 631558 w 2339102"/>
+              <a:gd name="connsiteY1" fmla="*/ 0 h 261610"/>
+              <a:gd name="connsiteX2" fmla="*/ 1263115 w 2339102"/>
+              <a:gd name="connsiteY2" fmla="*/ 0 h 261610"/>
+              <a:gd name="connsiteX3" fmla="*/ 2339102 w 2339102"/>
+              <a:gd name="connsiteY3" fmla="*/ 0 h 261610"/>
+              <a:gd name="connsiteX4" fmla="*/ 2339102 w 2339102"/>
+              <a:gd name="connsiteY4" fmla="*/ 261610 h 261610"/>
+              <a:gd name="connsiteX5" fmla="*/ 1801109 w 2339102"/>
+              <a:gd name="connsiteY5" fmla="*/ 261610 h 261610"/>
+              <a:gd name="connsiteX6" fmla="*/ 1169551 w 2339102"/>
+              <a:gd name="connsiteY6" fmla="*/ 261610 h 261610"/>
+              <a:gd name="connsiteX7" fmla="*/ 584776 w 2339102"/>
+              <a:gd name="connsiteY7" fmla="*/ 261610 h 261610"/>
+              <a:gd name="connsiteX8" fmla="*/ 0 w 2339102"/>
+              <a:gd name="connsiteY8" fmla="*/ 261610 h 261610"/>
+              <a:gd name="connsiteX9" fmla="*/ 0 w 2339102"/>
+              <a:gd name="connsiteY9" fmla="*/ 0 h 261610"/>
+            </a:gdLst>
+            <a:ahLst/>
+            <a:cxnLst>
+              <a:cxn ang="0">
+                <a:pos x="connsiteX0" y="connsiteY0"/>
+              </a:cxn>
+              <a:cxn ang="0">
+                <a:pos x="connsiteX1" y="connsiteY1"/>
+              </a:cxn>
+              <a:cxn ang="0">
+                <a:pos x="connsiteX2" y="connsiteY2"/>
+              </a:cxn>
+              <a:cxn ang="0">
+                <a:pos x="connsiteX3" y="connsiteY3"/>
+              </a:cxn>
+              <a:cxn ang="0">
+                <a:pos x="connsiteX4" y="connsiteY4"/>
+              </a:cxn>
+              <a:cxn ang="0">
+                <a:pos x="connsiteX5" y="connsiteY5"/>
+              </a:cxn>
+              <a:cxn ang="0">
+                <a:pos x="connsiteX6" y="connsiteY6"/>
+              </a:cxn>
+              <a:cxn ang="0">
+                <a:pos x="connsiteX7" y="connsiteY7"/>
+              </a:cxn>
+              <a:cxn ang="0">
+                <a:pos x="connsiteX8" y="connsiteY8"/>
+              </a:cxn>
+              <a:cxn ang="0">
+                <a:pos x="connsiteX9" y="connsiteY9"/>
+              </a:cxn>
+            </a:cxnLst>
+            <a:rect l="l" t="t" r="r" b="b"/>
+            <a:pathLst>
+              <a:path w="2339102" h="261610" fill="none" extrusionOk="0">
+                <a:moveTo>
+                  <a:pt x="0" y="0"/>
+                </a:moveTo>
+                <a:cubicBezTo>
+                  <a:pt x="258388" y="13230"/>
+                  <a:pt x="422645" y="15194"/>
+                  <a:pt x="631558" y="0"/>
+                </a:cubicBezTo>
+                <a:cubicBezTo>
+                  <a:pt x="840471" y="-15194"/>
+                  <a:pt x="1070069" y="10531"/>
+                  <a:pt x="1263115" y="0"/>
+                </a:cubicBezTo>
+                <a:cubicBezTo>
+                  <a:pt x="1456161" y="-10531"/>
+                  <a:pt x="1811940" y="32131"/>
+                  <a:pt x="2339102" y="0"/>
+                </a:cubicBezTo>
+                <a:cubicBezTo>
+                  <a:pt x="2347716" y="57228"/>
+                  <a:pt x="2340076" y="206214"/>
+                  <a:pt x="2339102" y="261610"/>
+                </a:cubicBezTo>
+                <a:cubicBezTo>
+                  <a:pt x="2167580" y="235121"/>
+                  <a:pt x="2027579" y="286817"/>
+                  <a:pt x="1801109" y="261610"/>
+                </a:cubicBezTo>
+                <a:cubicBezTo>
+                  <a:pt x="1574639" y="236403"/>
+                  <a:pt x="1397736" y="246231"/>
+                  <a:pt x="1169551" y="261610"/>
+                </a:cubicBezTo>
+                <a:cubicBezTo>
+                  <a:pt x="941366" y="276989"/>
+                  <a:pt x="766677" y="265113"/>
+                  <a:pt x="584776" y="261610"/>
+                </a:cubicBezTo>
+                <a:cubicBezTo>
+                  <a:pt x="402875" y="258107"/>
+                  <a:pt x="193400" y="250661"/>
+                  <a:pt x="0" y="261610"/>
+                </a:cubicBezTo>
+                <a:cubicBezTo>
+                  <a:pt x="433" y="173317"/>
+                  <a:pt x="-8644" y="92882"/>
+                  <a:pt x="0" y="0"/>
+                </a:cubicBezTo>
+                <a:close/>
+              </a:path>
+              <a:path w="2339102" h="261610" stroke="0" extrusionOk="0">
+                <a:moveTo>
+                  <a:pt x="0" y="0"/>
+                </a:moveTo>
+                <a:cubicBezTo>
+                  <a:pt x="265075" y="-17354"/>
+                  <a:pt x="349060" y="15420"/>
+                  <a:pt x="608167" y="0"/>
+                </a:cubicBezTo>
+                <a:cubicBezTo>
+                  <a:pt x="867274" y="-15420"/>
+                  <a:pt x="952327" y="-15171"/>
+                  <a:pt x="1216333" y="0"/>
+                </a:cubicBezTo>
+                <a:cubicBezTo>
+                  <a:pt x="1480339" y="15171"/>
+                  <a:pt x="1544409" y="19481"/>
+                  <a:pt x="1801109" y="0"/>
+                </a:cubicBezTo>
+                <a:cubicBezTo>
+                  <a:pt x="2057809" y="-19481"/>
+                  <a:pt x="2089923" y="25034"/>
+                  <a:pt x="2339102" y="0"/>
+                </a:cubicBezTo>
+                <a:cubicBezTo>
+                  <a:pt x="2341471" y="110679"/>
+                  <a:pt x="2348069" y="185380"/>
+                  <a:pt x="2339102" y="261610"/>
+                </a:cubicBezTo>
+                <a:cubicBezTo>
+                  <a:pt x="2158165" y="238353"/>
+                  <a:pt x="1953517" y="234006"/>
+                  <a:pt x="1730935" y="261610"/>
+                </a:cubicBezTo>
+                <a:cubicBezTo>
+                  <a:pt x="1508353" y="289214"/>
+                  <a:pt x="1385228" y="234040"/>
+                  <a:pt x="1099378" y="261610"/>
+                </a:cubicBezTo>
+                <a:cubicBezTo>
+                  <a:pt x="813528" y="289180"/>
+                  <a:pt x="337180" y="225045"/>
+                  <a:pt x="0" y="261610"/>
+                </a:cubicBezTo>
+                <a:cubicBezTo>
+                  <a:pt x="-5465" y="164330"/>
+                  <a:pt x="-9830" y="57557"/>
+                  <a:pt x="0" y="0"/>
+                </a:cubicBezTo>
+                <a:close/>
+              </a:path>
+            </a:pathLst>
+          </a:custGeom>
+          <a:ln>
+            <a:extLst>
+              <a:ext uri="{C807C97D-BFC1-408E-A445-0C87EB9F89A2}">
+                <ask:lineSketchStyleProps xmlns:ask="http://schemas.microsoft.com/office/drawing/2018/sketchyshapes" sd="604385693">
+                  <a:prstGeom prst="rect">
+                    <a:avLst/>
+                  </a:prstGeom>
+                  <ask:type>
+                    <ask:lineSketchFreehand/>
+                  </ask:type>
+                </ask:lineSketchStyleProps>
+              </a:ext>
+            </a:extLst>
+          </a:ln>
+        </p:spPr>
+        <p:style>
+          <a:lnRef idx="1">
+            <a:schemeClr val="accent1"/>
+          </a:lnRef>
+          <a:fillRef idx="2">
+            <a:schemeClr val="accent1"/>
+          </a:fillRef>
+          <a:effectRef idx="1">
+            <a:schemeClr val="accent1"/>
+          </a:effectRef>
+          <a:fontRef idx="minor">
+            <a:schemeClr val="dk1"/>
+          </a:fontRef>
+        </p:style>
+        <p:txBody>
+          <a:bodyPr wrap="none" rtlCol="0">
+            <a:spAutoFit/>
+          </a:bodyPr>
+          <a:lstStyle/>
+          <a:p>
+            <a:r>
+              <a:rPr lang="en-GB" sz="1100" dirty="0" err="1">
+                <a:latin typeface="Consolas" panose="020B0609020204030204" pitchFamily="49" charset="0"/>
+                <a:cs typeface="Arial" panose="020B0604020202020204" pitchFamily="34" charset="0"/>
+              </a:rPr>
+              <a:t>flag.value</a:t>
+            </a:r>
+            <a:r>
+              <a:rPr lang="en-GB" sz="1100" dirty="0">
+                <a:latin typeface="Consolas" panose="020B0609020204030204" pitchFamily="49" charset="0"/>
+                <a:cs typeface="Arial" panose="020B0604020202020204" pitchFamily="34" charset="0"/>
+              </a:rPr>
+              <a:t> -&gt; Optional[bool]</a:t>
+            </a:r>
+            <a:endParaRPr lang="en-US" sz="1100" dirty="0">
+              <a:latin typeface="Consolas" panose="020B0609020204030204" pitchFamily="49" charset="0"/>
+              <a:cs typeface="Arial" panose="020B0604020202020204" pitchFamily="34" charset="0"/>
+            </a:endParaRPr>
+          </a:p>
+        </p:txBody>
+      </p:sp>
+      <p:cxnSp>
+        <p:nvCxnSpPr>
+          <p:cNvPr id="36" name="Connector: Elbow 35">
+            <a:extLst>
+              <a:ext uri="{FF2B5EF4-FFF2-40B4-BE49-F238E27FC236}">
+                <a16:creationId xmlns:a16="http://schemas.microsoft.com/office/drawing/2014/main" id="{ABEE9CEF-B7EB-4354-BA76-5F12FA17A852}"/>
+              </a:ext>
+            </a:extLst>
+          </p:cNvPr>
+          <p:cNvCxnSpPr>
+            <a:cxnSpLocks/>
+            <a:stCxn id="33" idx="2"/>
+            <a:endCxn id="27" idx="0"/>
+          </p:cNvCxnSpPr>
+          <p:nvPr/>
+        </p:nvCxnSpPr>
+        <p:spPr>
+          <a:xfrm rot="16200000" flipH="1">
+            <a:off x="1876118" y="2092052"/>
+            <a:ext cx="952134" cy="21773"/>
+          </a:xfrm>
+          <a:prstGeom prst="bentConnector3">
+            <a:avLst>
+              <a:gd name="adj1" fmla="val 50000"/>
+            </a:avLst>
+          </a:prstGeom>
+          <a:ln>
+            <a:solidFill>
+              <a:schemeClr val="tx1"/>
+            </a:solidFill>
+            <a:tailEnd type="triangle"/>
+          </a:ln>
+        </p:spPr>
+        <p:style>
+          <a:lnRef idx="1">
+            <a:schemeClr val="accent1"/>
+          </a:lnRef>
+          <a:fillRef idx="0">
+            <a:schemeClr val="accent1"/>
+          </a:fillRef>
+          <a:effectRef idx="0">
+            <a:schemeClr val="accent1"/>
+          </a:effectRef>
+          <a:fontRef idx="minor">
+            <a:schemeClr val="tx1"/>
+          </a:fontRef>
+        </p:style>
+      </p:cxnSp>
+      <p:sp>
+        <p:nvSpPr>
+          <p:cNvPr id="54" name="TextBox 53">
+            <a:extLst>
+              <a:ext uri="{FF2B5EF4-FFF2-40B4-BE49-F238E27FC236}">
+                <a16:creationId xmlns:a16="http://schemas.microsoft.com/office/drawing/2014/main" id="{44C69CB1-FB89-4D7D-BB80-36CB0B3C7BB6}"/>
+              </a:ext>
+            </a:extLst>
+          </p:cNvPr>
+          <p:cNvSpPr txBox="1"/>
+          <p:nvPr/>
+        </p:nvSpPr>
+        <p:spPr>
+          <a:xfrm>
+            <a:off x="3572206" y="2333037"/>
+            <a:ext cx="492443" cy="261610"/>
+          </a:xfrm>
+          <a:custGeom>
+            <a:avLst/>
+            <a:gdLst>
+              <a:gd name="connsiteX0" fmla="*/ 0 w 492443"/>
+              <a:gd name="connsiteY0" fmla="*/ 0 h 261610"/>
+              <a:gd name="connsiteX1" fmla="*/ 492443 w 492443"/>
+              <a:gd name="connsiteY1" fmla="*/ 0 h 261610"/>
+              <a:gd name="connsiteX2" fmla="*/ 492443 w 492443"/>
+              <a:gd name="connsiteY2" fmla="*/ 261610 h 261610"/>
+              <a:gd name="connsiteX3" fmla="*/ 0 w 492443"/>
+              <a:gd name="connsiteY3" fmla="*/ 261610 h 261610"/>
+              <a:gd name="connsiteX4" fmla="*/ 0 w 492443"/>
+              <a:gd name="connsiteY4" fmla="*/ 0 h 261610"/>
+            </a:gdLst>
+            <a:ahLst/>
+            <a:cxnLst>
+              <a:cxn ang="0">
+                <a:pos x="connsiteX0" y="connsiteY0"/>
+              </a:cxn>
+              <a:cxn ang="0">
+                <a:pos x="connsiteX1" y="connsiteY1"/>
+              </a:cxn>
+              <a:cxn ang="0">
+                <a:pos x="connsiteX2" y="connsiteY2"/>
+              </a:cxn>
+              <a:cxn ang="0">
+                <a:pos x="connsiteX3" y="connsiteY3"/>
+              </a:cxn>
+              <a:cxn ang="0">
+                <a:pos x="connsiteX4" y="connsiteY4"/>
+              </a:cxn>
+            </a:cxnLst>
+            <a:rect l="l" t="t" r="r" b="b"/>
+            <a:pathLst>
+              <a:path w="492443" h="261610" fill="none" extrusionOk="0">
+                <a:moveTo>
+                  <a:pt x="0" y="0"/>
+                </a:moveTo>
+                <a:cubicBezTo>
+                  <a:pt x="205625" y="-4668"/>
+                  <a:pt x="369105" y="-21150"/>
+                  <a:pt x="492443" y="0"/>
+                </a:cubicBezTo>
+                <a:cubicBezTo>
+                  <a:pt x="487441" y="71296"/>
+                  <a:pt x="496941" y="200031"/>
+                  <a:pt x="492443" y="261610"/>
+                </a:cubicBezTo>
+                <a:cubicBezTo>
+                  <a:pt x="296076" y="252465"/>
+                  <a:pt x="245084" y="249696"/>
+                  <a:pt x="0" y="261610"/>
+                </a:cubicBezTo>
+                <a:cubicBezTo>
+                  <a:pt x="-3624" y="203911"/>
+                  <a:pt x="-12185" y="108281"/>
+                  <a:pt x="0" y="0"/>
+                </a:cubicBezTo>
+                <a:close/>
+              </a:path>
+              <a:path w="492443" h="261610" stroke="0" extrusionOk="0">
+                <a:moveTo>
+                  <a:pt x="0" y="0"/>
+                </a:moveTo>
+                <a:cubicBezTo>
+                  <a:pt x="211560" y="24227"/>
+                  <a:pt x="303661" y="18289"/>
+                  <a:pt x="492443" y="0"/>
+                </a:cubicBezTo>
+                <a:cubicBezTo>
+                  <a:pt x="487079" y="87863"/>
+                  <a:pt x="491119" y="148952"/>
+                  <a:pt x="492443" y="261610"/>
+                </a:cubicBezTo>
+                <a:cubicBezTo>
+                  <a:pt x="264939" y="256276"/>
+                  <a:pt x="150825" y="276960"/>
+                  <a:pt x="0" y="261610"/>
+                </a:cubicBezTo>
+                <a:cubicBezTo>
+                  <a:pt x="9527" y="155382"/>
+                  <a:pt x="-1226" y="73360"/>
+                  <a:pt x="0" y="0"/>
+                </a:cubicBezTo>
+                <a:close/>
+              </a:path>
+            </a:pathLst>
+          </a:custGeom>
+          <a:ln>
+            <a:extLst>
+              <a:ext uri="{C807C97D-BFC1-408E-A445-0C87EB9F89A2}">
+                <ask:lineSketchStyleProps xmlns:ask="http://schemas.microsoft.com/office/drawing/2018/sketchyshapes" sd="604385693">
+                  <a:prstGeom prst="rect">
+                    <a:avLst/>
+                  </a:prstGeom>
+                  <ask:type>
+                    <ask:lineSketchFreehand/>
+                  </ask:type>
+                </ask:lineSketchStyleProps>
+              </a:ext>
+            </a:extLst>
+          </a:ln>
+        </p:spPr>
+        <p:style>
+          <a:lnRef idx="1">
+            <a:schemeClr val="accent4"/>
+          </a:lnRef>
+          <a:fillRef idx="2">
+            <a:schemeClr val="accent4"/>
+          </a:fillRef>
+          <a:effectRef idx="1">
+            <a:schemeClr val="accent4"/>
+          </a:effectRef>
+          <a:fontRef idx="minor">
+            <a:schemeClr val="dk1"/>
+          </a:fontRef>
+        </p:style>
+        <p:txBody>
+          <a:bodyPr wrap="none" rtlCol="0">
+            <a:spAutoFit/>
+          </a:bodyPr>
+          <a:lstStyle/>
+          <a:p>
+            <a:r>
+              <a:rPr lang="en-GB" sz="1100" dirty="0">
+                <a:latin typeface="Consolas" panose="020B0609020204030204" pitchFamily="49" charset="0"/>
+                <a:cs typeface="Arial" panose="020B0604020202020204" pitchFamily="34" charset="0"/>
+              </a:rPr>
+              <a:t>True</a:t>
+            </a:r>
+            <a:endParaRPr lang="en-US" sz="1100" dirty="0">
+              <a:latin typeface="Consolas" panose="020B0609020204030204" pitchFamily="49" charset="0"/>
+              <a:cs typeface="Arial" panose="020B0604020202020204" pitchFamily="34" charset="0"/>
+            </a:endParaRPr>
+          </a:p>
+        </p:txBody>
+      </p:sp>
+      <p:sp>
+        <p:nvSpPr>
+          <p:cNvPr id="55" name="TextBox 54">
+            <a:extLst>
+              <a:ext uri="{FF2B5EF4-FFF2-40B4-BE49-F238E27FC236}">
+                <a16:creationId xmlns:a16="http://schemas.microsoft.com/office/drawing/2014/main" id="{BFAE1937-C706-4AD4-BC13-A13DD23ED4E9}"/>
+              </a:ext>
+            </a:extLst>
+          </p:cNvPr>
+          <p:cNvSpPr txBox="1"/>
+          <p:nvPr/>
+        </p:nvSpPr>
+        <p:spPr>
+          <a:xfrm>
+            <a:off x="3572206" y="2856258"/>
+            <a:ext cx="569387" cy="261610"/>
+          </a:xfrm>
+          <a:custGeom>
+            <a:avLst/>
+            <a:gdLst>
+              <a:gd name="connsiteX0" fmla="*/ 0 w 569387"/>
+              <a:gd name="connsiteY0" fmla="*/ 0 h 261610"/>
+              <a:gd name="connsiteX1" fmla="*/ 569387 w 569387"/>
+              <a:gd name="connsiteY1" fmla="*/ 0 h 261610"/>
+              <a:gd name="connsiteX2" fmla="*/ 569387 w 569387"/>
+              <a:gd name="connsiteY2" fmla="*/ 261610 h 261610"/>
+              <a:gd name="connsiteX3" fmla="*/ 0 w 569387"/>
+              <a:gd name="connsiteY3" fmla="*/ 261610 h 261610"/>
+              <a:gd name="connsiteX4" fmla="*/ 0 w 569387"/>
+              <a:gd name="connsiteY4" fmla="*/ 0 h 261610"/>
+            </a:gdLst>
+            <a:ahLst/>
+            <a:cxnLst>
+              <a:cxn ang="0">
+                <a:pos x="connsiteX0" y="connsiteY0"/>
+              </a:cxn>
+              <a:cxn ang="0">
+                <a:pos x="connsiteX1" y="connsiteY1"/>
+              </a:cxn>
+              <a:cxn ang="0">
+                <a:pos x="connsiteX2" y="connsiteY2"/>
+              </a:cxn>
+              <a:cxn ang="0">
+                <a:pos x="connsiteX3" y="connsiteY3"/>
+              </a:cxn>
+              <a:cxn ang="0">
+                <a:pos x="connsiteX4" y="connsiteY4"/>
+              </a:cxn>
+            </a:cxnLst>
+            <a:rect l="l" t="t" r="r" b="b"/>
+            <a:pathLst>
+              <a:path w="569387" h="261610" fill="none" extrusionOk="0">
+                <a:moveTo>
+                  <a:pt x="0" y="0"/>
+                </a:moveTo>
+                <a:cubicBezTo>
+                  <a:pt x="153184" y="10469"/>
+                  <a:pt x="403169" y="8806"/>
+                  <a:pt x="569387" y="0"/>
+                </a:cubicBezTo>
+                <a:cubicBezTo>
+                  <a:pt x="564385" y="71296"/>
+                  <a:pt x="573885" y="200031"/>
+                  <a:pt x="569387" y="261610"/>
+                </a:cubicBezTo>
+                <a:cubicBezTo>
+                  <a:pt x="428328" y="235404"/>
+                  <a:pt x="186871" y="268954"/>
+                  <a:pt x="0" y="261610"/>
+                </a:cubicBezTo>
+                <a:cubicBezTo>
+                  <a:pt x="-3624" y="203911"/>
+                  <a:pt x="-12185" y="108281"/>
+                  <a:pt x="0" y="0"/>
+                </a:cubicBezTo>
+                <a:close/>
+              </a:path>
+              <a:path w="569387" h="261610" stroke="0" extrusionOk="0">
+                <a:moveTo>
+                  <a:pt x="0" y="0"/>
+                </a:moveTo>
+                <a:cubicBezTo>
+                  <a:pt x="140621" y="17200"/>
+                  <a:pt x="391011" y="-14776"/>
+                  <a:pt x="569387" y="0"/>
+                </a:cubicBezTo>
+                <a:cubicBezTo>
+                  <a:pt x="564023" y="87863"/>
+                  <a:pt x="568063" y="148952"/>
+                  <a:pt x="569387" y="261610"/>
+                </a:cubicBezTo>
+                <a:cubicBezTo>
+                  <a:pt x="410649" y="284742"/>
+                  <a:pt x="233099" y="285423"/>
+                  <a:pt x="0" y="261610"/>
+                </a:cubicBezTo>
+                <a:cubicBezTo>
+                  <a:pt x="9527" y="155382"/>
+                  <a:pt x="-1226" y="73360"/>
+                  <a:pt x="0" y="0"/>
+                </a:cubicBezTo>
+                <a:close/>
+              </a:path>
+            </a:pathLst>
+          </a:custGeom>
+          <a:ln>
+            <a:extLst>
+              <a:ext uri="{C807C97D-BFC1-408E-A445-0C87EB9F89A2}">
+                <ask:lineSketchStyleProps xmlns:ask="http://schemas.microsoft.com/office/drawing/2018/sketchyshapes" sd="604385693">
+                  <a:prstGeom prst="rect">
+                    <a:avLst/>
+                  </a:prstGeom>
+                  <ask:type>
+                    <ask:lineSketchFreehand/>
+                  </ask:type>
+                </ask:lineSketchStyleProps>
+              </a:ext>
+            </a:extLst>
+          </a:ln>
+        </p:spPr>
+        <p:style>
+          <a:lnRef idx="1">
+            <a:schemeClr val="accent4"/>
+          </a:lnRef>
+          <a:fillRef idx="2">
+            <a:schemeClr val="accent4"/>
+          </a:fillRef>
+          <a:effectRef idx="1">
+            <a:schemeClr val="accent4"/>
+          </a:effectRef>
+          <a:fontRef idx="minor">
+            <a:schemeClr val="dk1"/>
+          </a:fontRef>
+        </p:style>
+        <p:txBody>
+          <a:bodyPr wrap="none" rtlCol="0">
+            <a:spAutoFit/>
+          </a:bodyPr>
+          <a:lstStyle/>
+          <a:p>
+            <a:r>
+              <a:rPr lang="en-GB" sz="1100" dirty="0">
+                <a:latin typeface="Consolas" panose="020B0609020204030204" pitchFamily="49" charset="0"/>
+                <a:cs typeface="Arial" panose="020B0604020202020204" pitchFamily="34" charset="0"/>
+              </a:rPr>
+              <a:t>False</a:t>
+            </a:r>
+            <a:endParaRPr lang="en-US" sz="1100" dirty="0">
+              <a:latin typeface="Consolas" panose="020B0609020204030204" pitchFamily="49" charset="0"/>
+              <a:cs typeface="Arial" panose="020B0604020202020204" pitchFamily="34" charset="0"/>
+            </a:endParaRPr>
+          </a:p>
+        </p:txBody>
+      </p:sp>
+      <p:cxnSp>
+        <p:nvCxnSpPr>
+          <p:cNvPr id="56" name="Connector: Elbow 55">
+            <a:extLst>
+              <a:ext uri="{FF2B5EF4-FFF2-40B4-BE49-F238E27FC236}">
+                <a16:creationId xmlns:a16="http://schemas.microsoft.com/office/drawing/2014/main" id="{B783A1F3-5970-4FC4-9D40-9CA4D9B89FF8}"/>
+              </a:ext>
+            </a:extLst>
+          </p:cNvPr>
+          <p:cNvCxnSpPr>
+            <a:cxnSpLocks/>
+            <a:stCxn id="27" idx="3"/>
+            <a:endCxn id="54" idx="1"/>
+          </p:cNvCxnSpPr>
+          <p:nvPr/>
+        </p:nvCxnSpPr>
+        <p:spPr>
+          <a:xfrm flipV="1">
+            <a:off x="3224846" y="2463842"/>
+            <a:ext cx="347360" cy="245969"/>
+          </a:xfrm>
+          <a:prstGeom prst="bentConnector3">
+            <a:avLst>
+              <a:gd name="adj1" fmla="val 50000"/>
+            </a:avLst>
+          </a:prstGeom>
+          <a:ln>
+            <a:solidFill>
+              <a:schemeClr val="tx1"/>
+            </a:solidFill>
+            <a:tailEnd type="triangle"/>
+          </a:ln>
+        </p:spPr>
+        <p:style>
+          <a:lnRef idx="1">
+            <a:schemeClr val="accent1"/>
+          </a:lnRef>
+          <a:fillRef idx="0">
+            <a:schemeClr val="accent1"/>
+          </a:fillRef>
+          <a:effectRef idx="0">
+            <a:schemeClr val="accent1"/>
+          </a:effectRef>
+          <a:fontRef idx="minor">
+            <a:schemeClr val="tx1"/>
+          </a:fontRef>
+        </p:style>
+      </p:cxnSp>
+      <p:cxnSp>
+        <p:nvCxnSpPr>
+          <p:cNvPr id="57" name="Connector: Elbow 56">
+            <a:extLst>
+              <a:ext uri="{FF2B5EF4-FFF2-40B4-BE49-F238E27FC236}">
+                <a16:creationId xmlns:a16="http://schemas.microsoft.com/office/drawing/2014/main" id="{F9E044AD-91D9-4362-8DD1-BB30201F42F6}"/>
+              </a:ext>
+            </a:extLst>
+          </p:cNvPr>
+          <p:cNvCxnSpPr>
+            <a:cxnSpLocks/>
+            <a:stCxn id="27" idx="3"/>
+            <a:endCxn id="55" idx="1"/>
+          </p:cNvCxnSpPr>
+          <p:nvPr/>
+        </p:nvCxnSpPr>
+        <p:spPr>
+          <a:xfrm>
+            <a:off x="3224846" y="2709811"/>
+            <a:ext cx="347360" cy="277252"/>
+          </a:xfrm>
+          <a:prstGeom prst="bentConnector3">
+            <a:avLst>
+              <a:gd name="adj1" fmla="val 50000"/>
+            </a:avLst>
+          </a:prstGeom>
+          <a:ln>
+            <a:solidFill>
+              <a:schemeClr val="tx1"/>
+            </a:solidFill>
+            <a:tailEnd type="triangle"/>
+          </a:ln>
+        </p:spPr>
+        <p:style>
+          <a:lnRef idx="1">
+            <a:schemeClr val="accent1"/>
+          </a:lnRef>
+          <a:fillRef idx="0">
+            <a:schemeClr val="accent1"/>
+          </a:fillRef>
+          <a:effectRef idx="0">
+            <a:schemeClr val="accent1"/>
+          </a:effectRef>
+          <a:fontRef idx="minor">
+            <a:schemeClr val="tx1"/>
+          </a:fontRef>
+        </p:style>
+      </p:cxnSp>
+      <p:cxnSp>
+        <p:nvCxnSpPr>
+          <p:cNvPr id="58" name="Connector: Elbow 57">
+            <a:extLst>
+              <a:ext uri="{FF2B5EF4-FFF2-40B4-BE49-F238E27FC236}">
+                <a16:creationId xmlns:a16="http://schemas.microsoft.com/office/drawing/2014/main" id="{7F2CC05E-8A70-4A6C-BF14-70D31B51A68B}"/>
+              </a:ext>
+            </a:extLst>
+          </p:cNvPr>
+          <p:cNvCxnSpPr>
+            <a:cxnSpLocks/>
+            <a:stCxn id="54" idx="3"/>
+            <a:endCxn id="43" idx="1"/>
+          </p:cNvCxnSpPr>
+          <p:nvPr/>
+        </p:nvCxnSpPr>
+        <p:spPr>
+          <a:xfrm flipV="1">
+            <a:off x="4064649" y="1626872"/>
+            <a:ext cx="1000273" cy="836970"/>
+          </a:xfrm>
+          <a:prstGeom prst="bentConnector3">
+            <a:avLst>
+              <a:gd name="adj1" fmla="val 50000"/>
+            </a:avLst>
+          </a:prstGeom>
+          <a:ln>
+            <a:solidFill>
+              <a:schemeClr val="tx1"/>
+            </a:solidFill>
+            <a:tailEnd type="triangle"/>
+          </a:ln>
+        </p:spPr>
+        <p:style>
+          <a:lnRef idx="1">
+            <a:schemeClr val="accent1"/>
+          </a:lnRef>
+          <a:fillRef idx="0">
+            <a:schemeClr val="accent1"/>
+          </a:fillRef>
+          <a:effectRef idx="0">
+            <a:schemeClr val="accent1"/>
+          </a:effectRef>
+          <a:fontRef idx="minor">
+            <a:schemeClr val="tx1"/>
+          </a:fontRef>
+        </p:style>
+      </p:cxnSp>
+      <p:grpSp>
+        <p:nvGrpSpPr>
+          <p:cNvPr id="102" name="Group 101">
+            <a:extLst>
+              <a:ext uri="{FF2B5EF4-FFF2-40B4-BE49-F238E27FC236}">
+                <a16:creationId xmlns:a16="http://schemas.microsoft.com/office/drawing/2014/main" id="{B264D4FD-6E4C-4C41-9F7B-495FC5CB2288}"/>
+              </a:ext>
+            </a:extLst>
+          </p:cNvPr>
+          <p:cNvGrpSpPr/>
+          <p:nvPr/>
+        </p:nvGrpSpPr>
+        <p:grpSpPr>
+          <a:xfrm>
+            <a:off x="5064922" y="1277259"/>
+            <a:ext cx="4958614" cy="1840609"/>
+            <a:chOff x="4568534" y="319316"/>
+            <a:chExt cx="4958614" cy="1840609"/>
+          </a:xfrm>
+        </p:grpSpPr>
+        <p:sp>
+          <p:nvSpPr>
+            <p:cNvPr id="43" name="TextBox 42">
+              <a:extLst>
+                <a:ext uri="{FF2B5EF4-FFF2-40B4-BE49-F238E27FC236}">
+                  <a16:creationId xmlns:a16="http://schemas.microsoft.com/office/drawing/2014/main" id="{92AA517A-2848-49FC-A039-07F6800FC408}"/>
+                </a:ext>
+              </a:extLst>
+            </p:cNvPr>
+            <p:cNvSpPr txBox="1"/>
+            <p:nvPr/>
+          </p:nvSpPr>
+          <p:spPr>
+            <a:xfrm>
+              <a:off x="4568534" y="538124"/>
+              <a:ext cx="3239855" cy="261610"/>
+            </a:xfrm>
+            <a:custGeom>
+              <a:avLst/>
+              <a:gdLst>
+                <a:gd name="connsiteX0" fmla="*/ 0 w 3239855"/>
+                <a:gd name="connsiteY0" fmla="*/ 0 h 261610"/>
+                <a:gd name="connsiteX1" fmla="*/ 615572 w 3239855"/>
+                <a:gd name="connsiteY1" fmla="*/ 0 h 261610"/>
+                <a:gd name="connsiteX2" fmla="*/ 1328341 w 3239855"/>
+                <a:gd name="connsiteY2" fmla="*/ 0 h 261610"/>
+                <a:gd name="connsiteX3" fmla="*/ 1911514 w 3239855"/>
+                <a:gd name="connsiteY3" fmla="*/ 0 h 261610"/>
+                <a:gd name="connsiteX4" fmla="*/ 2559485 w 3239855"/>
+                <a:gd name="connsiteY4" fmla="*/ 0 h 261610"/>
+                <a:gd name="connsiteX5" fmla="*/ 3239855 w 3239855"/>
+                <a:gd name="connsiteY5" fmla="*/ 0 h 261610"/>
+                <a:gd name="connsiteX6" fmla="*/ 3239855 w 3239855"/>
+                <a:gd name="connsiteY6" fmla="*/ 261610 h 261610"/>
+                <a:gd name="connsiteX7" fmla="*/ 2624283 w 3239855"/>
+                <a:gd name="connsiteY7" fmla="*/ 261610 h 261610"/>
+                <a:gd name="connsiteX8" fmla="*/ 2041109 w 3239855"/>
+                <a:gd name="connsiteY8" fmla="*/ 261610 h 261610"/>
+                <a:gd name="connsiteX9" fmla="*/ 1328341 w 3239855"/>
+                <a:gd name="connsiteY9" fmla="*/ 261610 h 261610"/>
+                <a:gd name="connsiteX10" fmla="*/ 712768 w 3239855"/>
+                <a:gd name="connsiteY10" fmla="*/ 261610 h 261610"/>
+                <a:gd name="connsiteX11" fmla="*/ 0 w 3239855"/>
+                <a:gd name="connsiteY11" fmla="*/ 261610 h 261610"/>
+                <a:gd name="connsiteX12" fmla="*/ 0 w 3239855"/>
+                <a:gd name="connsiteY12" fmla="*/ 0 h 261610"/>
+              </a:gdLst>
+              <a:ahLst/>
+              <a:cxnLst>
+                <a:cxn ang="0">
+                  <a:pos x="connsiteX0" y="connsiteY0"/>
+                </a:cxn>
+                <a:cxn ang="0">
+                  <a:pos x="connsiteX1" y="connsiteY1"/>
+                </a:cxn>
+                <a:cxn ang="0">
+                  <a:pos x="connsiteX2" y="connsiteY2"/>
+                </a:cxn>
+                <a:cxn ang="0">
+                  <a:pos x="connsiteX3" y="connsiteY3"/>
+                </a:cxn>
+                <a:cxn ang="0">
+                  <a:pos x="connsiteX4" y="connsiteY4"/>
+                </a:cxn>
+                <a:cxn ang="0">
+                  <a:pos x="connsiteX5" y="connsiteY5"/>
+                </a:cxn>
+                <a:cxn ang="0">
+                  <a:pos x="connsiteX6" y="connsiteY6"/>
+                </a:cxn>
+                <a:cxn ang="0">
+                  <a:pos x="connsiteX7" y="connsiteY7"/>
+                </a:cxn>
+                <a:cxn ang="0">
+                  <a:pos x="connsiteX8" y="connsiteY8"/>
+                </a:cxn>
+                <a:cxn ang="0">
+                  <a:pos x="connsiteX9" y="connsiteY9"/>
+                </a:cxn>
+                <a:cxn ang="0">
+                  <a:pos x="connsiteX10" y="connsiteY10"/>
+                </a:cxn>
+                <a:cxn ang="0">
+                  <a:pos x="connsiteX11" y="connsiteY11"/>
+                </a:cxn>
+                <a:cxn ang="0">
+                  <a:pos x="connsiteX12" y="connsiteY12"/>
+                </a:cxn>
+              </a:cxnLst>
+              <a:rect l="l" t="t" r="r" b="b"/>
+              <a:pathLst>
+                <a:path w="3239855" h="261610" fill="none" extrusionOk="0">
+                  <a:moveTo>
+                    <a:pt x="0" y="0"/>
+                  </a:moveTo>
+                  <a:cubicBezTo>
+                    <a:pt x="287332" y="8206"/>
+                    <a:pt x="435913" y="28828"/>
+                    <a:pt x="615572" y="0"/>
+                  </a:cubicBezTo>
+                  <a:cubicBezTo>
+                    <a:pt x="795231" y="-28828"/>
+                    <a:pt x="1118311" y="27238"/>
+                    <a:pt x="1328341" y="0"/>
+                  </a:cubicBezTo>
+                  <a:cubicBezTo>
+                    <a:pt x="1538371" y="-27238"/>
+                    <a:pt x="1734489" y="17446"/>
+                    <a:pt x="1911514" y="0"/>
+                  </a:cubicBezTo>
+                  <a:cubicBezTo>
+                    <a:pt x="2088539" y="-17446"/>
+                    <a:pt x="2421275" y="17303"/>
+                    <a:pt x="2559485" y="0"/>
+                  </a:cubicBezTo>
+                  <a:cubicBezTo>
+                    <a:pt x="2697695" y="-17303"/>
+                    <a:pt x="3003800" y="30984"/>
+                    <a:pt x="3239855" y="0"/>
+                  </a:cubicBezTo>
+                  <a:cubicBezTo>
+                    <a:pt x="3230700" y="127853"/>
+                    <a:pt x="3246081" y="193855"/>
+                    <a:pt x="3239855" y="261610"/>
+                  </a:cubicBezTo>
+                  <a:cubicBezTo>
+                    <a:pt x="3073789" y="231282"/>
+                    <a:pt x="2802449" y="272160"/>
+                    <a:pt x="2624283" y="261610"/>
+                  </a:cubicBezTo>
+                  <a:cubicBezTo>
+                    <a:pt x="2446117" y="251060"/>
+                    <a:pt x="2210687" y="263931"/>
+                    <a:pt x="2041109" y="261610"/>
+                  </a:cubicBezTo>
+                  <a:cubicBezTo>
+                    <a:pt x="1871531" y="259289"/>
+                    <a:pt x="1484168" y="236569"/>
+                    <a:pt x="1328341" y="261610"/>
+                  </a:cubicBezTo>
+                  <a:cubicBezTo>
+                    <a:pt x="1172514" y="286651"/>
+                    <a:pt x="877633" y="242757"/>
+                    <a:pt x="712768" y="261610"/>
+                  </a:cubicBezTo>
+                  <a:cubicBezTo>
+                    <a:pt x="547903" y="280463"/>
+                    <a:pt x="325260" y="295924"/>
+                    <a:pt x="0" y="261610"/>
+                  </a:cubicBezTo>
+                  <a:cubicBezTo>
+                    <a:pt x="1817" y="153783"/>
+                    <a:pt x="-12542" y="91169"/>
+                    <a:pt x="0" y="0"/>
+                  </a:cubicBezTo>
+                  <a:close/>
+                </a:path>
+                <a:path w="3239855" h="261610" stroke="0" extrusionOk="0">
+                  <a:moveTo>
+                    <a:pt x="0" y="0"/>
+                  </a:moveTo>
+                  <a:cubicBezTo>
+                    <a:pt x="239323" y="-12465"/>
+                    <a:pt x="515563" y="9232"/>
+                    <a:pt x="680370" y="0"/>
+                  </a:cubicBezTo>
+                  <a:cubicBezTo>
+                    <a:pt x="845177" y="-9232"/>
+                    <a:pt x="1196537" y="23580"/>
+                    <a:pt x="1360739" y="0"/>
+                  </a:cubicBezTo>
+                  <a:cubicBezTo>
+                    <a:pt x="1524941" y="-23580"/>
+                    <a:pt x="1720692" y="11077"/>
+                    <a:pt x="2008710" y="0"/>
+                  </a:cubicBezTo>
+                  <a:cubicBezTo>
+                    <a:pt x="2296728" y="-11077"/>
+                    <a:pt x="2678530" y="-58537"/>
+                    <a:pt x="3239855" y="0"/>
+                  </a:cubicBezTo>
+                  <a:cubicBezTo>
+                    <a:pt x="3242224" y="110679"/>
+                    <a:pt x="3248822" y="185380"/>
+                    <a:pt x="3239855" y="261610"/>
+                  </a:cubicBezTo>
+                  <a:cubicBezTo>
+                    <a:pt x="2921535" y="277243"/>
+                    <a:pt x="2877575" y="277730"/>
+                    <a:pt x="2559485" y="261610"/>
+                  </a:cubicBezTo>
+                  <a:cubicBezTo>
+                    <a:pt x="2241395" y="245491"/>
+                    <a:pt x="2057710" y="284216"/>
+                    <a:pt x="1846717" y="261610"/>
+                  </a:cubicBezTo>
+                  <a:cubicBezTo>
+                    <a:pt x="1635724" y="239004"/>
+                    <a:pt x="1380614" y="241237"/>
+                    <a:pt x="1133949" y="261610"/>
+                  </a:cubicBezTo>
+                  <a:cubicBezTo>
+                    <a:pt x="887284" y="281983"/>
+                    <a:pt x="397280" y="229057"/>
+                    <a:pt x="0" y="261610"/>
+                  </a:cubicBezTo>
+                  <a:cubicBezTo>
+                    <a:pt x="11542" y="151688"/>
+                    <a:pt x="-3624" y="125428"/>
+                    <a:pt x="0" y="0"/>
+                  </a:cubicBezTo>
+                  <a:close/>
+                </a:path>
+              </a:pathLst>
+            </a:custGeom>
+            <a:ln>
+              <a:extLst>
+                <a:ext uri="{C807C97D-BFC1-408E-A445-0C87EB9F89A2}">
+                  <ask:lineSketchStyleProps xmlns:ask="http://schemas.microsoft.com/office/drawing/2018/sketchyshapes" sd="604385693">
+                    <a:prstGeom prst="rect">
+                      <a:avLst/>
+                    </a:prstGeom>
+                    <ask:type>
+                      <ask:lineSketchFreehand/>
+                    </ask:type>
+                  </ask:lineSketchStyleProps>
+                </a:ext>
+              </a:extLst>
+            </a:ln>
+          </p:spPr>
+          <p:style>
+            <a:lnRef idx="1">
+              <a:schemeClr val="accent1"/>
+            </a:lnRef>
+            <a:fillRef idx="2">
+              <a:schemeClr val="accent1"/>
+            </a:fillRef>
+            <a:effectRef idx="1">
+              <a:schemeClr val="accent1"/>
+            </a:effectRef>
+            <a:fontRef idx="minor">
+              <a:schemeClr val="dk1"/>
+            </a:fontRef>
+          </p:style>
+          <p:txBody>
+            <a:bodyPr wrap="square" rtlCol="0">
+              <a:spAutoFit/>
+            </a:bodyPr>
+            <a:lstStyle/>
+            <a:p>
+              <a:r>
+                <a:rPr lang="en-GB" sz="1100" dirty="0">
+                  <a:latin typeface="Consolas" panose="020B0609020204030204" pitchFamily="49" charset="0"/>
+                  <a:cs typeface="Arial" panose="020B0604020202020204" pitchFamily="34" charset="0"/>
+                </a:rPr>
+                <a:t>for nutrient_relation in flag:</a:t>
+              </a:r>
+            </a:p>
+          </p:txBody>
+        </p:sp>
+        <p:sp>
+          <p:nvSpPr>
+            <p:cNvPr id="49" name="TextBox 48">
+              <a:extLst>
+                <a:ext uri="{FF2B5EF4-FFF2-40B4-BE49-F238E27FC236}">
+                  <a16:creationId xmlns:a16="http://schemas.microsoft.com/office/drawing/2014/main" id="{F9CECC7D-7F05-40FA-BF76-2D31E0BB45A6}"/>
+                </a:ext>
+              </a:extLst>
+            </p:cNvPr>
+            <p:cNvSpPr txBox="1"/>
+            <p:nvPr/>
+          </p:nvSpPr>
+          <p:spPr>
+            <a:xfrm>
+              <a:off x="5007622" y="810162"/>
+              <a:ext cx="2492990" cy="261610"/>
+            </a:xfrm>
+            <a:custGeom>
+              <a:avLst/>
+              <a:gdLst>
+                <a:gd name="connsiteX0" fmla="*/ 0 w 2492990"/>
+                <a:gd name="connsiteY0" fmla="*/ 0 h 261610"/>
+                <a:gd name="connsiteX1" fmla="*/ 673107 w 2492990"/>
+                <a:gd name="connsiteY1" fmla="*/ 0 h 261610"/>
+                <a:gd name="connsiteX2" fmla="*/ 1346215 w 2492990"/>
+                <a:gd name="connsiteY2" fmla="*/ 0 h 261610"/>
+                <a:gd name="connsiteX3" fmla="*/ 2492990 w 2492990"/>
+                <a:gd name="connsiteY3" fmla="*/ 0 h 261610"/>
+                <a:gd name="connsiteX4" fmla="*/ 2492990 w 2492990"/>
+                <a:gd name="connsiteY4" fmla="*/ 261610 h 261610"/>
+                <a:gd name="connsiteX5" fmla="*/ 1919602 w 2492990"/>
+                <a:gd name="connsiteY5" fmla="*/ 261610 h 261610"/>
+                <a:gd name="connsiteX6" fmla="*/ 1246495 w 2492990"/>
+                <a:gd name="connsiteY6" fmla="*/ 261610 h 261610"/>
+                <a:gd name="connsiteX7" fmla="*/ 623248 w 2492990"/>
+                <a:gd name="connsiteY7" fmla="*/ 261610 h 261610"/>
+                <a:gd name="connsiteX8" fmla="*/ 0 w 2492990"/>
+                <a:gd name="connsiteY8" fmla="*/ 261610 h 261610"/>
+                <a:gd name="connsiteX9" fmla="*/ 0 w 2492990"/>
+                <a:gd name="connsiteY9" fmla="*/ 0 h 261610"/>
+              </a:gdLst>
+              <a:ahLst/>
+              <a:cxnLst>
+                <a:cxn ang="0">
+                  <a:pos x="connsiteX0" y="connsiteY0"/>
+                </a:cxn>
+                <a:cxn ang="0">
+                  <a:pos x="connsiteX1" y="connsiteY1"/>
+                </a:cxn>
+                <a:cxn ang="0">
+                  <a:pos x="connsiteX2" y="connsiteY2"/>
+                </a:cxn>
+                <a:cxn ang="0">
+                  <a:pos x="connsiteX3" y="connsiteY3"/>
+                </a:cxn>
+                <a:cxn ang="0">
+                  <a:pos x="connsiteX4" y="connsiteY4"/>
+                </a:cxn>
+                <a:cxn ang="0">
+                  <a:pos x="connsiteX5" y="connsiteY5"/>
+                </a:cxn>
+                <a:cxn ang="0">
+                  <a:pos x="connsiteX6" y="connsiteY6"/>
+                </a:cxn>
+                <a:cxn ang="0">
+                  <a:pos x="connsiteX7" y="connsiteY7"/>
+                </a:cxn>
+                <a:cxn ang="0">
+                  <a:pos x="connsiteX8" y="connsiteY8"/>
+                </a:cxn>
+                <a:cxn ang="0">
+                  <a:pos x="connsiteX9" y="connsiteY9"/>
+                </a:cxn>
+              </a:cxnLst>
+              <a:rect l="l" t="t" r="r" b="b"/>
+              <a:pathLst>
+                <a:path w="2492990" h="261610" fill="none" extrusionOk="0">
+                  <a:moveTo>
+                    <a:pt x="0" y="0"/>
+                  </a:moveTo>
+                  <a:cubicBezTo>
+                    <a:pt x="183172" y="-26823"/>
+                    <a:pt x="453659" y="-5276"/>
+                    <a:pt x="673107" y="0"/>
+                  </a:cubicBezTo>
+                  <a:cubicBezTo>
+                    <a:pt x="892555" y="5276"/>
+                    <a:pt x="1088763" y="12891"/>
+                    <a:pt x="1346215" y="0"/>
+                  </a:cubicBezTo>
+                  <a:cubicBezTo>
+                    <a:pt x="1603667" y="-12891"/>
+                    <a:pt x="1982746" y="11886"/>
+                    <a:pt x="2492990" y="0"/>
+                  </a:cubicBezTo>
+                  <a:cubicBezTo>
+                    <a:pt x="2501604" y="57228"/>
+                    <a:pt x="2493964" y="206214"/>
+                    <a:pt x="2492990" y="261610"/>
+                  </a:cubicBezTo>
+                  <a:cubicBezTo>
+                    <a:pt x="2353977" y="263362"/>
+                    <a:pt x="2078183" y="280911"/>
+                    <a:pt x="1919602" y="261610"/>
+                  </a:cubicBezTo>
+                  <a:cubicBezTo>
+                    <a:pt x="1761021" y="242309"/>
+                    <a:pt x="1519328" y="262418"/>
+                    <a:pt x="1246495" y="261610"/>
+                  </a:cubicBezTo>
+                  <a:cubicBezTo>
+                    <a:pt x="973662" y="260802"/>
+                    <a:pt x="793836" y="249121"/>
+                    <a:pt x="623248" y="261610"/>
+                  </a:cubicBezTo>
+                  <a:cubicBezTo>
+                    <a:pt x="452660" y="274099"/>
+                    <a:pt x="203805" y="277740"/>
+                    <a:pt x="0" y="261610"/>
+                  </a:cubicBezTo>
+                  <a:cubicBezTo>
+                    <a:pt x="433" y="173317"/>
+                    <a:pt x="-8644" y="92882"/>
+                    <a:pt x="0" y="0"/>
+                  </a:cubicBezTo>
+                  <a:close/>
+                </a:path>
+                <a:path w="2492990" h="261610" stroke="0" extrusionOk="0">
+                  <a:moveTo>
+                    <a:pt x="0" y="0"/>
+                  </a:moveTo>
+                  <a:cubicBezTo>
+                    <a:pt x="291872" y="31151"/>
+                    <a:pt x="497785" y="-16410"/>
+                    <a:pt x="648177" y="0"/>
+                  </a:cubicBezTo>
+                  <a:cubicBezTo>
+                    <a:pt x="798569" y="16410"/>
+                    <a:pt x="994675" y="4792"/>
+                    <a:pt x="1296355" y="0"/>
+                  </a:cubicBezTo>
+                  <a:cubicBezTo>
+                    <a:pt x="1598035" y="-4792"/>
+                    <a:pt x="1687309" y="24336"/>
+                    <a:pt x="1919602" y="0"/>
+                  </a:cubicBezTo>
+                  <a:cubicBezTo>
+                    <a:pt x="2151895" y="-24336"/>
+                    <a:pt x="2255836" y="27338"/>
+                    <a:pt x="2492990" y="0"/>
+                  </a:cubicBezTo>
+                  <a:cubicBezTo>
+                    <a:pt x="2495359" y="110679"/>
+                    <a:pt x="2501957" y="185380"/>
+                    <a:pt x="2492990" y="261610"/>
+                  </a:cubicBezTo>
+                  <a:cubicBezTo>
+                    <a:pt x="2331755" y="246691"/>
+                    <a:pt x="2010473" y="249366"/>
+                    <a:pt x="1844813" y="261610"/>
+                  </a:cubicBezTo>
+                  <a:cubicBezTo>
+                    <a:pt x="1679153" y="273854"/>
+                    <a:pt x="1445141" y="248459"/>
+                    <a:pt x="1171705" y="261610"/>
+                  </a:cubicBezTo>
+                  <a:cubicBezTo>
+                    <a:pt x="898269" y="274761"/>
+                    <a:pt x="345138" y="257436"/>
+                    <a:pt x="0" y="261610"/>
+                  </a:cubicBezTo>
+                  <a:cubicBezTo>
+                    <a:pt x="-5465" y="164330"/>
+                    <a:pt x="-9830" y="57557"/>
+                    <a:pt x="0" y="0"/>
+                  </a:cubicBezTo>
+                  <a:close/>
+                </a:path>
+              </a:pathLst>
+            </a:custGeom>
+            <a:ln>
+              <a:extLst>
+                <a:ext uri="{C807C97D-BFC1-408E-A445-0C87EB9F89A2}">
+                  <ask:lineSketchStyleProps xmlns:ask="http://schemas.microsoft.com/office/drawing/2018/sketchyshapes" sd="604385693">
+                    <a:prstGeom prst="rect">
+                      <a:avLst/>
+                    </a:prstGeom>
+                    <ask:type>
+                      <ask:lineSketchFreehand/>
+                    </ask:type>
+                  </ask:lineSketchStyleProps>
+                </a:ext>
+              </a:extLst>
+            </a:ln>
+          </p:spPr>
+          <p:style>
+            <a:lnRef idx="1">
+              <a:schemeClr val="dk1"/>
+            </a:lnRef>
+            <a:fillRef idx="2">
+              <a:schemeClr val="dk1"/>
+            </a:fillRef>
+            <a:effectRef idx="1">
+              <a:schemeClr val="dk1"/>
+            </a:effectRef>
+            <a:fontRef idx="minor">
+              <a:schemeClr val="dk1"/>
+            </a:fontRef>
+          </p:style>
+          <p:txBody>
+            <a:bodyPr wrap="none" rtlCol="0">
+              <a:spAutoFit/>
+            </a:bodyPr>
+            <a:lstStyle/>
+            <a:p>
+              <a:r>
+                <a:rPr lang="en-GB" sz="1100" dirty="0">
+                  <a:latin typeface="Consolas" panose="020B0609020204030204" pitchFamily="49" charset="0"/>
+                  <a:cs typeface="Arial" panose="020B0604020202020204" pitchFamily="34" charset="0"/>
+                </a:rPr>
+                <a:t># nutrient matches implication</a:t>
+              </a:r>
+            </a:p>
+          </p:txBody>
+        </p:sp>
+        <p:sp>
+          <p:nvSpPr>
+            <p:cNvPr id="52" name="TextBox 51">
+              <a:extLst>
+                <a:ext uri="{FF2B5EF4-FFF2-40B4-BE49-F238E27FC236}">
+                  <a16:creationId xmlns:a16="http://schemas.microsoft.com/office/drawing/2014/main" id="{9EAE856E-C35C-4438-B901-E10A6D428B2C}"/>
+                </a:ext>
+              </a:extLst>
+            </p:cNvPr>
+            <p:cNvSpPr txBox="1"/>
+            <p:nvPr/>
+          </p:nvSpPr>
+          <p:spPr>
+            <a:xfrm>
+              <a:off x="5007622" y="1092628"/>
+              <a:ext cx="2646878" cy="261610"/>
+            </a:xfrm>
+            <a:custGeom>
+              <a:avLst/>
+              <a:gdLst>
+                <a:gd name="connsiteX0" fmla="*/ 0 w 2646878"/>
+                <a:gd name="connsiteY0" fmla="*/ 0 h 261610"/>
+                <a:gd name="connsiteX1" fmla="*/ 714657 w 2646878"/>
+                <a:gd name="connsiteY1" fmla="*/ 0 h 261610"/>
+                <a:gd name="connsiteX2" fmla="*/ 1429314 w 2646878"/>
+                <a:gd name="connsiteY2" fmla="*/ 0 h 261610"/>
+                <a:gd name="connsiteX3" fmla="*/ 2646878 w 2646878"/>
+                <a:gd name="connsiteY3" fmla="*/ 0 h 261610"/>
+                <a:gd name="connsiteX4" fmla="*/ 2646878 w 2646878"/>
+                <a:gd name="connsiteY4" fmla="*/ 261610 h 261610"/>
+                <a:gd name="connsiteX5" fmla="*/ 2038096 w 2646878"/>
+                <a:gd name="connsiteY5" fmla="*/ 261610 h 261610"/>
+                <a:gd name="connsiteX6" fmla="*/ 1323439 w 2646878"/>
+                <a:gd name="connsiteY6" fmla="*/ 261610 h 261610"/>
+                <a:gd name="connsiteX7" fmla="*/ 661720 w 2646878"/>
+                <a:gd name="connsiteY7" fmla="*/ 261610 h 261610"/>
+                <a:gd name="connsiteX8" fmla="*/ 0 w 2646878"/>
+                <a:gd name="connsiteY8" fmla="*/ 261610 h 261610"/>
+                <a:gd name="connsiteX9" fmla="*/ 0 w 2646878"/>
+                <a:gd name="connsiteY9" fmla="*/ 0 h 261610"/>
+              </a:gdLst>
+              <a:ahLst/>
+              <a:cxnLst>
+                <a:cxn ang="0">
+                  <a:pos x="connsiteX0" y="connsiteY0"/>
+                </a:cxn>
+                <a:cxn ang="0">
+                  <a:pos x="connsiteX1" y="connsiteY1"/>
+                </a:cxn>
+                <a:cxn ang="0">
+                  <a:pos x="connsiteX2" y="connsiteY2"/>
+                </a:cxn>
+                <a:cxn ang="0">
+                  <a:pos x="connsiteX3" y="connsiteY3"/>
+                </a:cxn>
+                <a:cxn ang="0">
+                  <a:pos x="connsiteX4" y="connsiteY4"/>
+                </a:cxn>
+                <a:cxn ang="0">
+                  <a:pos x="connsiteX5" y="connsiteY5"/>
+                </a:cxn>
+                <a:cxn ang="0">
+                  <a:pos x="connsiteX6" y="connsiteY6"/>
+                </a:cxn>
+                <a:cxn ang="0">
+                  <a:pos x="connsiteX7" y="connsiteY7"/>
+                </a:cxn>
+                <a:cxn ang="0">
+                  <a:pos x="connsiteX8" y="connsiteY8"/>
+                </a:cxn>
+                <a:cxn ang="0">
+                  <a:pos x="connsiteX9" y="connsiteY9"/>
+                </a:cxn>
+              </a:cxnLst>
+              <a:rect l="l" t="t" r="r" b="b"/>
+              <a:pathLst>
+                <a:path w="2646878" h="261610" fill="none" extrusionOk="0">
+                  <a:moveTo>
+                    <a:pt x="0" y="0"/>
+                  </a:moveTo>
+                  <a:cubicBezTo>
+                    <a:pt x="276354" y="11601"/>
+                    <a:pt x="544243" y="-27943"/>
+                    <a:pt x="714657" y="0"/>
+                  </a:cubicBezTo>
+                  <a:cubicBezTo>
+                    <a:pt x="885071" y="27943"/>
+                    <a:pt x="1234764" y="10789"/>
+                    <a:pt x="1429314" y="0"/>
+                  </a:cubicBezTo>
+                  <a:cubicBezTo>
+                    <a:pt x="1623864" y="-10789"/>
+                    <a:pt x="2126400" y="3013"/>
+                    <a:pt x="2646878" y="0"/>
+                  </a:cubicBezTo>
+                  <a:cubicBezTo>
+                    <a:pt x="2655492" y="57228"/>
+                    <a:pt x="2647852" y="206214"/>
+                    <a:pt x="2646878" y="261610"/>
+                  </a:cubicBezTo>
+                  <a:cubicBezTo>
+                    <a:pt x="2384768" y="265723"/>
+                    <a:pt x="2287243" y="290421"/>
+                    <a:pt x="2038096" y="261610"/>
+                  </a:cubicBezTo>
+                  <a:cubicBezTo>
+                    <a:pt x="1788949" y="232799"/>
+                    <a:pt x="1512233" y="242062"/>
+                    <a:pt x="1323439" y="261610"/>
+                  </a:cubicBezTo>
+                  <a:cubicBezTo>
+                    <a:pt x="1134645" y="281158"/>
+                    <a:pt x="968792" y="287015"/>
+                    <a:pt x="661720" y="261610"/>
+                  </a:cubicBezTo>
+                  <a:cubicBezTo>
+                    <a:pt x="354648" y="236205"/>
+                    <a:pt x="260598" y="294075"/>
+                    <a:pt x="0" y="261610"/>
+                  </a:cubicBezTo>
+                  <a:cubicBezTo>
+                    <a:pt x="433" y="173317"/>
+                    <a:pt x="-8644" y="92882"/>
+                    <a:pt x="0" y="0"/>
+                  </a:cubicBezTo>
+                  <a:close/>
+                </a:path>
+                <a:path w="2646878" h="261610" stroke="0" extrusionOk="0">
+                  <a:moveTo>
+                    <a:pt x="0" y="0"/>
+                  </a:moveTo>
+                  <a:cubicBezTo>
+                    <a:pt x="336089" y="31948"/>
+                    <a:pt x="479779" y="18763"/>
+                    <a:pt x="688188" y="0"/>
+                  </a:cubicBezTo>
+                  <a:cubicBezTo>
+                    <a:pt x="896597" y="-18763"/>
+                    <a:pt x="1048690" y="-14853"/>
+                    <a:pt x="1376377" y="0"/>
+                  </a:cubicBezTo>
+                  <a:cubicBezTo>
+                    <a:pt x="1704064" y="14853"/>
+                    <a:pt x="1861592" y="-31234"/>
+                    <a:pt x="2038096" y="0"/>
+                  </a:cubicBezTo>
+                  <a:cubicBezTo>
+                    <a:pt x="2214600" y="31234"/>
+                    <a:pt x="2506714" y="27236"/>
+                    <a:pt x="2646878" y="0"/>
+                  </a:cubicBezTo>
+                  <a:cubicBezTo>
+                    <a:pt x="2649247" y="110679"/>
+                    <a:pt x="2655845" y="185380"/>
+                    <a:pt x="2646878" y="261610"/>
+                  </a:cubicBezTo>
+                  <a:cubicBezTo>
+                    <a:pt x="2494085" y="252010"/>
+                    <a:pt x="2271333" y="268188"/>
+                    <a:pt x="1958690" y="261610"/>
+                  </a:cubicBezTo>
+                  <a:cubicBezTo>
+                    <a:pt x="1646047" y="255032"/>
+                    <a:pt x="1576347" y="287645"/>
+                    <a:pt x="1244033" y="261610"/>
+                  </a:cubicBezTo>
+                  <a:cubicBezTo>
+                    <a:pt x="911719" y="235575"/>
+                    <a:pt x="408262" y="310391"/>
+                    <a:pt x="0" y="261610"/>
+                  </a:cubicBezTo>
+                  <a:cubicBezTo>
+                    <a:pt x="-5465" y="164330"/>
+                    <a:pt x="-9830" y="57557"/>
+                    <a:pt x="0" y="0"/>
+                  </a:cubicBezTo>
+                  <a:close/>
+                </a:path>
+              </a:pathLst>
+            </a:custGeom>
+            <a:ln>
+              <a:extLst>
+                <a:ext uri="{C807C97D-BFC1-408E-A445-0C87EB9F89A2}">
+                  <ask:lineSketchStyleProps xmlns:ask="http://schemas.microsoft.com/office/drawing/2018/sketchyshapes" sd="604385693">
+                    <a:prstGeom prst="rect">
+                      <a:avLst/>
+                    </a:prstGeom>
+                    <ask:type>
+                      <ask:lineSketchFreehand/>
+                    </ask:type>
+                  </ask:lineSketchStyleProps>
+                </a:ext>
+              </a:extLst>
+            </a:ln>
+          </p:spPr>
+          <p:style>
+            <a:lnRef idx="1">
+              <a:schemeClr val="dk1"/>
+            </a:lnRef>
+            <a:fillRef idx="2">
+              <a:schemeClr val="dk1"/>
+            </a:fillRef>
+            <a:effectRef idx="1">
+              <a:schemeClr val="dk1"/>
+            </a:effectRef>
+            <a:fontRef idx="minor">
+              <a:schemeClr val="dk1"/>
+            </a:fontRef>
+          </p:style>
+          <p:txBody>
+            <a:bodyPr wrap="none" rtlCol="0">
+              <a:spAutoFit/>
+            </a:bodyPr>
+            <a:lstStyle/>
+            <a:p>
+              <a:r>
+                <a:rPr lang="en-GB" sz="1100" dirty="0">
+                  <a:latin typeface="Consolas" panose="020B0609020204030204" pitchFamily="49" charset="0"/>
+                  <a:cs typeface="Arial" panose="020B0604020202020204" pitchFamily="34" charset="0"/>
+                </a:rPr>
+                <a:t># nutrient violates implication</a:t>
+              </a:r>
+            </a:p>
+          </p:txBody>
+        </p:sp>
+        <p:sp>
+          <p:nvSpPr>
+            <p:cNvPr id="53" name="TextBox 52">
+              <a:extLst>
+                <a:ext uri="{FF2B5EF4-FFF2-40B4-BE49-F238E27FC236}">
+                  <a16:creationId xmlns:a16="http://schemas.microsoft.com/office/drawing/2014/main" id="{85C4D4E5-2A67-4511-8221-FD38A48B0D14}"/>
+                </a:ext>
+              </a:extLst>
+            </p:cNvPr>
+            <p:cNvSpPr txBox="1"/>
+            <p:nvPr/>
+          </p:nvSpPr>
+          <p:spPr>
+            <a:xfrm>
+              <a:off x="5007622" y="1375094"/>
+              <a:ext cx="2800767" cy="261610"/>
+            </a:xfrm>
+            <a:custGeom>
+              <a:avLst/>
+              <a:gdLst>
+                <a:gd name="connsiteX0" fmla="*/ 0 w 2800767"/>
+                <a:gd name="connsiteY0" fmla="*/ 0 h 261610"/>
+                <a:gd name="connsiteX1" fmla="*/ 532146 w 2800767"/>
+                <a:gd name="connsiteY1" fmla="*/ 0 h 261610"/>
+                <a:gd name="connsiteX2" fmla="*/ 1148314 w 2800767"/>
+                <a:gd name="connsiteY2" fmla="*/ 0 h 261610"/>
+                <a:gd name="connsiteX3" fmla="*/ 1652453 w 2800767"/>
+                <a:gd name="connsiteY3" fmla="*/ 0 h 261610"/>
+                <a:gd name="connsiteX4" fmla="*/ 2212606 w 2800767"/>
+                <a:gd name="connsiteY4" fmla="*/ 0 h 261610"/>
+                <a:gd name="connsiteX5" fmla="*/ 2800767 w 2800767"/>
+                <a:gd name="connsiteY5" fmla="*/ 0 h 261610"/>
+                <a:gd name="connsiteX6" fmla="*/ 2800767 w 2800767"/>
+                <a:gd name="connsiteY6" fmla="*/ 261610 h 261610"/>
+                <a:gd name="connsiteX7" fmla="*/ 2268621 w 2800767"/>
+                <a:gd name="connsiteY7" fmla="*/ 261610 h 261610"/>
+                <a:gd name="connsiteX8" fmla="*/ 1764483 w 2800767"/>
+                <a:gd name="connsiteY8" fmla="*/ 261610 h 261610"/>
+                <a:gd name="connsiteX9" fmla="*/ 1148314 w 2800767"/>
+                <a:gd name="connsiteY9" fmla="*/ 261610 h 261610"/>
+                <a:gd name="connsiteX10" fmla="*/ 616169 w 2800767"/>
+                <a:gd name="connsiteY10" fmla="*/ 261610 h 261610"/>
+                <a:gd name="connsiteX11" fmla="*/ 0 w 2800767"/>
+                <a:gd name="connsiteY11" fmla="*/ 261610 h 261610"/>
+                <a:gd name="connsiteX12" fmla="*/ 0 w 2800767"/>
+                <a:gd name="connsiteY12" fmla="*/ 0 h 261610"/>
+              </a:gdLst>
+              <a:ahLst/>
+              <a:cxnLst>
+                <a:cxn ang="0">
+                  <a:pos x="connsiteX0" y="connsiteY0"/>
+                </a:cxn>
+                <a:cxn ang="0">
+                  <a:pos x="connsiteX1" y="connsiteY1"/>
+                </a:cxn>
+                <a:cxn ang="0">
+                  <a:pos x="connsiteX2" y="connsiteY2"/>
+                </a:cxn>
+                <a:cxn ang="0">
+                  <a:pos x="connsiteX3" y="connsiteY3"/>
+                </a:cxn>
+                <a:cxn ang="0">
+                  <a:pos x="connsiteX4" y="connsiteY4"/>
+                </a:cxn>
+                <a:cxn ang="0">
+                  <a:pos x="connsiteX5" y="connsiteY5"/>
+                </a:cxn>
+                <a:cxn ang="0">
+                  <a:pos x="connsiteX6" y="connsiteY6"/>
+                </a:cxn>
+                <a:cxn ang="0">
+                  <a:pos x="connsiteX7" y="connsiteY7"/>
+                </a:cxn>
+                <a:cxn ang="0">
+                  <a:pos x="connsiteX8" y="connsiteY8"/>
+                </a:cxn>
+                <a:cxn ang="0">
+                  <a:pos x="connsiteX9" y="connsiteY9"/>
+                </a:cxn>
+                <a:cxn ang="0">
+                  <a:pos x="connsiteX10" y="connsiteY10"/>
+                </a:cxn>
+                <a:cxn ang="0">
+                  <a:pos x="connsiteX11" y="connsiteY11"/>
+                </a:cxn>
+                <a:cxn ang="0">
+                  <a:pos x="connsiteX12" y="connsiteY12"/>
+                </a:cxn>
+              </a:cxnLst>
+              <a:rect l="l" t="t" r="r" b="b"/>
+              <a:pathLst>
+                <a:path w="2800767" h="261610" fill="none" extrusionOk="0">
+                  <a:moveTo>
+                    <a:pt x="0" y="0"/>
+                  </a:moveTo>
+                  <a:cubicBezTo>
+                    <a:pt x="146805" y="5945"/>
+                    <a:pt x="338777" y="-3065"/>
+                    <a:pt x="532146" y="0"/>
+                  </a:cubicBezTo>
+                  <a:cubicBezTo>
+                    <a:pt x="725515" y="3065"/>
+                    <a:pt x="968547" y="17380"/>
+                    <a:pt x="1148314" y="0"/>
+                  </a:cubicBezTo>
+                  <a:cubicBezTo>
+                    <a:pt x="1328081" y="-17380"/>
+                    <a:pt x="1421429" y="9032"/>
+                    <a:pt x="1652453" y="0"/>
+                  </a:cubicBezTo>
+                  <a:cubicBezTo>
+                    <a:pt x="1883477" y="-9032"/>
+                    <a:pt x="2061344" y="-6909"/>
+                    <a:pt x="2212606" y="0"/>
+                  </a:cubicBezTo>
+                  <a:cubicBezTo>
+                    <a:pt x="2363868" y="6909"/>
+                    <a:pt x="2545477" y="-25390"/>
+                    <a:pt x="2800767" y="0"/>
+                  </a:cubicBezTo>
+                  <a:cubicBezTo>
+                    <a:pt x="2791612" y="127853"/>
+                    <a:pt x="2806993" y="193855"/>
+                    <a:pt x="2800767" y="261610"/>
+                  </a:cubicBezTo>
+                  <a:cubicBezTo>
+                    <a:pt x="2569391" y="236304"/>
+                    <a:pt x="2505088" y="242932"/>
+                    <a:pt x="2268621" y="261610"/>
+                  </a:cubicBezTo>
+                  <a:cubicBezTo>
+                    <a:pt x="2032154" y="280288"/>
+                    <a:pt x="1969067" y="286231"/>
+                    <a:pt x="1764483" y="261610"/>
+                  </a:cubicBezTo>
+                  <a:cubicBezTo>
+                    <a:pt x="1559899" y="236989"/>
+                    <a:pt x="1444422" y="250717"/>
+                    <a:pt x="1148314" y="261610"/>
+                  </a:cubicBezTo>
+                  <a:cubicBezTo>
+                    <a:pt x="852206" y="272503"/>
+                    <a:pt x="749279" y="241883"/>
+                    <a:pt x="616169" y="261610"/>
+                  </a:cubicBezTo>
+                  <a:cubicBezTo>
+                    <a:pt x="483060" y="281337"/>
+                    <a:pt x="261702" y="251959"/>
+                    <a:pt x="0" y="261610"/>
+                  </a:cubicBezTo>
+                  <a:cubicBezTo>
+                    <a:pt x="1817" y="153783"/>
+                    <a:pt x="-12542" y="91169"/>
+                    <a:pt x="0" y="0"/>
+                  </a:cubicBezTo>
+                  <a:close/>
+                </a:path>
+                <a:path w="2800767" h="261610" stroke="0" extrusionOk="0">
+                  <a:moveTo>
+                    <a:pt x="0" y="0"/>
+                  </a:moveTo>
+                  <a:cubicBezTo>
+                    <a:pt x="159767" y="4071"/>
+                    <a:pt x="378877" y="-8891"/>
+                    <a:pt x="588161" y="0"/>
+                  </a:cubicBezTo>
+                  <a:cubicBezTo>
+                    <a:pt x="797445" y="8891"/>
+                    <a:pt x="963791" y="-7082"/>
+                    <a:pt x="1176322" y="0"/>
+                  </a:cubicBezTo>
+                  <a:cubicBezTo>
+                    <a:pt x="1388853" y="7082"/>
+                    <a:pt x="1488619" y="-20920"/>
+                    <a:pt x="1736476" y="0"/>
+                  </a:cubicBezTo>
+                  <a:cubicBezTo>
+                    <a:pt x="1984333" y="20920"/>
+                    <a:pt x="2397233" y="-9153"/>
+                    <a:pt x="2800767" y="0"/>
+                  </a:cubicBezTo>
+                  <a:cubicBezTo>
+                    <a:pt x="2803136" y="110679"/>
+                    <a:pt x="2809734" y="185380"/>
+                    <a:pt x="2800767" y="261610"/>
+                  </a:cubicBezTo>
+                  <a:cubicBezTo>
+                    <a:pt x="2606956" y="254016"/>
+                    <a:pt x="2414673" y="236868"/>
+                    <a:pt x="2212606" y="261610"/>
+                  </a:cubicBezTo>
+                  <a:cubicBezTo>
+                    <a:pt x="2010539" y="286352"/>
+                    <a:pt x="1821832" y="283792"/>
+                    <a:pt x="1596437" y="261610"/>
+                  </a:cubicBezTo>
+                  <a:cubicBezTo>
+                    <a:pt x="1371042" y="239428"/>
+                    <a:pt x="1159939" y="292384"/>
+                    <a:pt x="980268" y="261610"/>
+                  </a:cubicBezTo>
+                  <a:cubicBezTo>
+                    <a:pt x="800597" y="230836"/>
+                    <a:pt x="409767" y="237310"/>
+                    <a:pt x="0" y="261610"/>
+                  </a:cubicBezTo>
+                  <a:cubicBezTo>
+                    <a:pt x="11542" y="151688"/>
+                    <a:pt x="-3624" y="125428"/>
+                    <a:pt x="0" y="0"/>
+                  </a:cubicBezTo>
+                  <a:close/>
+                </a:path>
+              </a:pathLst>
+            </a:custGeom>
+            <a:ln>
+              <a:extLst>
+                <a:ext uri="{C807C97D-BFC1-408E-A445-0C87EB9F89A2}">
+                  <ask:lineSketchStyleProps xmlns:ask="http://schemas.microsoft.com/office/drawing/2018/sketchyshapes" sd="604385693">
+                    <a:prstGeom prst="rect">
+                      <a:avLst/>
+                    </a:prstGeom>
+                    <ask:type>
+                      <ask:lineSketchFreehand/>
+                    </ask:type>
+                  </ask:lineSketchStyleProps>
+                </a:ext>
+              </a:extLst>
+            </a:ln>
+          </p:spPr>
+          <p:style>
+            <a:lnRef idx="1">
+              <a:schemeClr val="dk1"/>
+            </a:lnRef>
+            <a:fillRef idx="2">
+              <a:schemeClr val="dk1"/>
+            </a:fillRef>
+            <a:effectRef idx="1">
+              <a:schemeClr val="dk1"/>
+            </a:effectRef>
+            <a:fontRef idx="minor">
+              <a:schemeClr val="dk1"/>
+            </a:fontRef>
+          </p:style>
+          <p:txBody>
+            <a:bodyPr wrap="none" rtlCol="0">
+              <a:spAutoFit/>
+            </a:bodyPr>
+            <a:lstStyle/>
+            <a:p>
+              <a:r>
+                <a:rPr lang="en-GB" sz="1100" dirty="0">
+                  <a:latin typeface="Consolas" panose="020B0609020204030204" pitchFamily="49" charset="0"/>
+                  <a:cs typeface="Arial" panose="020B0604020202020204" pitchFamily="34" charset="0"/>
+                </a:rPr>
+                <a:t># nutrient insufficiently defined</a:t>
+              </a:r>
+            </a:p>
+          </p:txBody>
+        </p:sp>
+        <p:sp>
+          <p:nvSpPr>
+            <p:cNvPr id="63" name="TextBox 62">
+              <a:extLst>
+                <a:ext uri="{FF2B5EF4-FFF2-40B4-BE49-F238E27FC236}">
+                  <a16:creationId xmlns:a16="http://schemas.microsoft.com/office/drawing/2014/main" id="{8202D2A2-A76F-40F9-8832-B7F9EA36ABE2}"/>
+                </a:ext>
+              </a:extLst>
+            </p:cNvPr>
+            <p:cNvSpPr txBox="1"/>
+            <p:nvPr/>
+          </p:nvSpPr>
+          <p:spPr>
+            <a:xfrm>
+              <a:off x="8419152" y="1297972"/>
+              <a:ext cx="1107996" cy="261610"/>
+            </a:xfrm>
+            <a:custGeom>
+              <a:avLst/>
+              <a:gdLst>
+                <a:gd name="connsiteX0" fmla="*/ 0 w 1107996"/>
+                <a:gd name="connsiteY0" fmla="*/ 0 h 261610"/>
+                <a:gd name="connsiteX1" fmla="*/ 565078 w 1107996"/>
+                <a:gd name="connsiteY1" fmla="*/ 0 h 261610"/>
+                <a:gd name="connsiteX2" fmla="*/ 1107996 w 1107996"/>
+                <a:gd name="connsiteY2" fmla="*/ 0 h 261610"/>
+                <a:gd name="connsiteX3" fmla="*/ 1107996 w 1107996"/>
+                <a:gd name="connsiteY3" fmla="*/ 261610 h 261610"/>
+                <a:gd name="connsiteX4" fmla="*/ 531838 w 1107996"/>
+                <a:gd name="connsiteY4" fmla="*/ 261610 h 261610"/>
+                <a:gd name="connsiteX5" fmla="*/ 0 w 1107996"/>
+                <a:gd name="connsiteY5" fmla="*/ 261610 h 261610"/>
+                <a:gd name="connsiteX6" fmla="*/ 0 w 1107996"/>
+                <a:gd name="connsiteY6" fmla="*/ 0 h 261610"/>
+              </a:gdLst>
+              <a:ahLst/>
+              <a:cxnLst>
+                <a:cxn ang="0">
+                  <a:pos x="connsiteX0" y="connsiteY0"/>
+                </a:cxn>
+                <a:cxn ang="0">
+                  <a:pos x="connsiteX1" y="connsiteY1"/>
+                </a:cxn>
+                <a:cxn ang="0">
+                  <a:pos x="connsiteX2" y="connsiteY2"/>
+                </a:cxn>
+                <a:cxn ang="0">
+                  <a:pos x="connsiteX3" y="connsiteY3"/>
+                </a:cxn>
+                <a:cxn ang="0">
+                  <a:pos x="connsiteX4" y="connsiteY4"/>
+                </a:cxn>
+                <a:cxn ang="0">
+                  <a:pos x="connsiteX5" y="connsiteY5"/>
+                </a:cxn>
+                <a:cxn ang="0">
+                  <a:pos x="connsiteX6" y="connsiteY6"/>
+                </a:cxn>
+              </a:cxnLst>
+              <a:rect l="l" t="t" r="r" b="b"/>
+              <a:pathLst>
+                <a:path w="1107996" h="261610" fill="none" extrusionOk="0">
+                  <a:moveTo>
+                    <a:pt x="0" y="0"/>
+                  </a:moveTo>
+                  <a:cubicBezTo>
+                    <a:pt x="173584" y="-4433"/>
+                    <a:pt x="422652" y="11212"/>
+                    <a:pt x="565078" y="0"/>
+                  </a:cubicBezTo>
+                  <a:cubicBezTo>
+                    <a:pt x="707504" y="-11212"/>
+                    <a:pt x="990477" y="5831"/>
+                    <a:pt x="1107996" y="0"/>
+                  </a:cubicBezTo>
+                  <a:cubicBezTo>
+                    <a:pt x="1118961" y="62573"/>
+                    <a:pt x="1096442" y="181913"/>
+                    <a:pt x="1107996" y="261610"/>
+                  </a:cubicBezTo>
+                  <a:cubicBezTo>
+                    <a:pt x="841024" y="236052"/>
+                    <a:pt x="700017" y="251118"/>
+                    <a:pt x="531838" y="261610"/>
+                  </a:cubicBezTo>
+                  <a:cubicBezTo>
+                    <a:pt x="363659" y="272102"/>
+                    <a:pt x="163480" y="280265"/>
+                    <a:pt x="0" y="261610"/>
+                  </a:cubicBezTo>
+                  <a:cubicBezTo>
+                    <a:pt x="-6848" y="141698"/>
+                    <a:pt x="-11298" y="119125"/>
+                    <a:pt x="0" y="0"/>
+                  </a:cubicBezTo>
+                  <a:close/>
+                </a:path>
+                <a:path w="1107996" h="261610" stroke="0" extrusionOk="0">
+                  <a:moveTo>
+                    <a:pt x="0" y="0"/>
+                  </a:moveTo>
+                  <a:cubicBezTo>
+                    <a:pt x="268293" y="4641"/>
+                    <a:pt x="422467" y="24874"/>
+                    <a:pt x="565078" y="0"/>
+                  </a:cubicBezTo>
+                  <a:cubicBezTo>
+                    <a:pt x="707689" y="-24874"/>
+                    <a:pt x="942005" y="3608"/>
+                    <a:pt x="1107996" y="0"/>
+                  </a:cubicBezTo>
+                  <a:cubicBezTo>
+                    <a:pt x="1107754" y="78825"/>
+                    <a:pt x="1114191" y="177794"/>
+                    <a:pt x="1107996" y="261610"/>
+                  </a:cubicBezTo>
+                  <a:cubicBezTo>
+                    <a:pt x="973532" y="275709"/>
+                    <a:pt x="779713" y="238448"/>
+                    <a:pt x="542918" y="261610"/>
+                  </a:cubicBezTo>
+                  <a:cubicBezTo>
+                    <a:pt x="306123" y="284772"/>
+                    <a:pt x="110339" y="243156"/>
+                    <a:pt x="0" y="261610"/>
+                  </a:cubicBezTo>
+                  <a:cubicBezTo>
+                    <a:pt x="6459" y="163173"/>
+                    <a:pt x="-4981" y="77674"/>
+                    <a:pt x="0" y="0"/>
+                  </a:cubicBezTo>
+                  <a:close/>
+                </a:path>
+              </a:pathLst>
+            </a:custGeom>
+            <a:ln>
+              <a:extLst>
+                <a:ext uri="{C807C97D-BFC1-408E-A445-0C87EB9F89A2}">
+                  <ask:lineSketchStyleProps xmlns:ask="http://schemas.microsoft.com/office/drawing/2018/sketchyshapes" sd="604385693">
+                    <a:prstGeom prst="rect">
+                      <a:avLst/>
+                    </a:prstGeom>
+                    <ask:type>
+                      <ask:lineSketchFreehand/>
+                    </ask:type>
+                  </ask:lineSketchStyleProps>
+                </a:ext>
+              </a:extLst>
+            </a:ln>
+          </p:spPr>
+          <p:style>
+            <a:lnRef idx="1">
+              <a:schemeClr val="accent2"/>
+            </a:lnRef>
+            <a:fillRef idx="2">
+              <a:schemeClr val="accent2"/>
+            </a:fillRef>
+            <a:effectRef idx="1">
+              <a:schemeClr val="accent2"/>
+            </a:effectRef>
+            <a:fontRef idx="minor">
+              <a:schemeClr val="dk1"/>
+            </a:fontRef>
+          </p:style>
+          <p:txBody>
+            <a:bodyPr wrap="none" rtlCol="0">
+              <a:spAutoFit/>
+            </a:bodyPr>
+            <a:lstStyle/>
+            <a:p>
+              <a:r>
+                <a:rPr lang="en-GB" sz="1100" dirty="0">
+                  <a:latin typeface="Consolas" panose="020B0609020204030204" pitchFamily="49" charset="0"/>
+                  <a:cs typeface="Arial" panose="020B0604020202020204" pitchFamily="34" charset="0"/>
+                </a:rPr>
+                <a:t>return False</a:t>
+              </a:r>
+            </a:p>
+          </p:txBody>
+        </p:sp>
+        <p:cxnSp>
+          <p:nvCxnSpPr>
+            <p:cNvPr id="64" name="Connector: Elbow 63">
+              <a:extLst>
+                <a:ext uri="{FF2B5EF4-FFF2-40B4-BE49-F238E27FC236}">
+                  <a16:creationId xmlns:a16="http://schemas.microsoft.com/office/drawing/2014/main" id="{F1BC0581-CCB9-462B-A95B-94BAEE737EA5}"/>
+                </a:ext>
+              </a:extLst>
+            </p:cNvPr>
+            <p:cNvCxnSpPr>
+              <a:cxnSpLocks/>
+              <a:stCxn id="52" idx="3"/>
+              <a:endCxn id="63" idx="1"/>
+            </p:cNvCxnSpPr>
+            <p:nvPr/>
+          </p:nvCxnSpPr>
+          <p:spPr>
+            <a:xfrm>
+              <a:off x="7654500" y="1223433"/>
+              <a:ext cx="764652" cy="205344"/>
+            </a:xfrm>
+            <a:prstGeom prst="bentConnector3">
+              <a:avLst>
+                <a:gd name="adj1" fmla="val 50000"/>
+              </a:avLst>
+            </a:prstGeom>
+            <a:ln>
+              <a:solidFill>
+                <a:schemeClr val="tx1"/>
+              </a:solidFill>
+              <a:tailEnd type="triangle"/>
+            </a:ln>
+          </p:spPr>
+          <p:style>
+            <a:lnRef idx="1">
+              <a:schemeClr val="accent1"/>
+            </a:lnRef>
+            <a:fillRef idx="0">
+              <a:schemeClr val="accent1"/>
+            </a:fillRef>
+            <a:effectRef idx="0">
+              <a:schemeClr val="accent1"/>
+            </a:effectRef>
+            <a:fontRef idx="minor">
+              <a:schemeClr val="tx1"/>
+            </a:fontRef>
+          </p:style>
+        </p:cxnSp>
+        <p:cxnSp>
+          <p:nvCxnSpPr>
+            <p:cNvPr id="70" name="Connector: Elbow 69">
+              <a:extLst>
+                <a:ext uri="{FF2B5EF4-FFF2-40B4-BE49-F238E27FC236}">
+                  <a16:creationId xmlns:a16="http://schemas.microsoft.com/office/drawing/2014/main" id="{4D6F4E8D-0CE3-4ABB-B4EE-CCE978FADF39}"/>
+                </a:ext>
+              </a:extLst>
+            </p:cNvPr>
+            <p:cNvCxnSpPr>
+              <a:cxnSpLocks/>
+              <a:stCxn id="53" idx="2"/>
+              <a:endCxn id="73" idx="1"/>
+            </p:cNvCxnSpPr>
+            <p:nvPr/>
+          </p:nvCxnSpPr>
+          <p:spPr>
+            <a:xfrm rot="16200000" flipH="1">
+              <a:off x="6491056" y="1553654"/>
+              <a:ext cx="302307" cy="468406"/>
+            </a:xfrm>
+            <a:prstGeom prst="bentConnector2">
+              <a:avLst/>
+            </a:prstGeom>
+            <a:ln>
+              <a:solidFill>
+                <a:schemeClr val="tx1"/>
+              </a:solidFill>
+              <a:tailEnd type="triangle"/>
+            </a:ln>
+          </p:spPr>
+          <p:style>
+            <a:lnRef idx="1">
+              <a:schemeClr val="accent1"/>
+            </a:lnRef>
+            <a:fillRef idx="0">
+              <a:schemeClr val="accent1"/>
+            </a:fillRef>
+            <a:effectRef idx="0">
+              <a:schemeClr val="accent1"/>
+            </a:effectRef>
+            <a:fontRef idx="minor">
+              <a:schemeClr val="tx1"/>
+            </a:fontRef>
+          </p:style>
+        </p:cxnSp>
+        <p:sp>
+          <p:nvSpPr>
+            <p:cNvPr id="73" name="TextBox 72">
+              <a:extLst>
+                <a:ext uri="{FF2B5EF4-FFF2-40B4-BE49-F238E27FC236}">
+                  <a16:creationId xmlns:a16="http://schemas.microsoft.com/office/drawing/2014/main" id="{1A5AD582-19C0-4F79-9CBD-506F97F9DA2C}"/>
+                </a:ext>
+              </a:extLst>
+            </p:cNvPr>
+            <p:cNvSpPr txBox="1"/>
+            <p:nvPr/>
+          </p:nvSpPr>
+          <p:spPr>
+            <a:xfrm>
+              <a:off x="6876412" y="1808206"/>
+              <a:ext cx="1031051" cy="261610"/>
+            </a:xfrm>
+            <a:custGeom>
+              <a:avLst/>
+              <a:gdLst>
+                <a:gd name="connsiteX0" fmla="*/ 0 w 1031051"/>
+                <a:gd name="connsiteY0" fmla="*/ 0 h 261610"/>
+                <a:gd name="connsiteX1" fmla="*/ 525836 w 1031051"/>
+                <a:gd name="connsiteY1" fmla="*/ 0 h 261610"/>
+                <a:gd name="connsiteX2" fmla="*/ 1031051 w 1031051"/>
+                <a:gd name="connsiteY2" fmla="*/ 0 h 261610"/>
+                <a:gd name="connsiteX3" fmla="*/ 1031051 w 1031051"/>
+                <a:gd name="connsiteY3" fmla="*/ 261610 h 261610"/>
+                <a:gd name="connsiteX4" fmla="*/ 494904 w 1031051"/>
+                <a:gd name="connsiteY4" fmla="*/ 261610 h 261610"/>
+                <a:gd name="connsiteX5" fmla="*/ 0 w 1031051"/>
+                <a:gd name="connsiteY5" fmla="*/ 261610 h 261610"/>
+                <a:gd name="connsiteX6" fmla="*/ 0 w 1031051"/>
+                <a:gd name="connsiteY6" fmla="*/ 0 h 261610"/>
+              </a:gdLst>
+              <a:ahLst/>
+              <a:cxnLst>
+                <a:cxn ang="0">
+                  <a:pos x="connsiteX0" y="connsiteY0"/>
+                </a:cxn>
+                <a:cxn ang="0">
+                  <a:pos x="connsiteX1" y="connsiteY1"/>
+                </a:cxn>
+                <a:cxn ang="0">
+                  <a:pos x="connsiteX2" y="connsiteY2"/>
+                </a:cxn>
+                <a:cxn ang="0">
+                  <a:pos x="connsiteX3" y="connsiteY3"/>
+                </a:cxn>
+                <a:cxn ang="0">
+                  <a:pos x="connsiteX4" y="connsiteY4"/>
+                </a:cxn>
+                <a:cxn ang="0">
+                  <a:pos x="connsiteX5" y="connsiteY5"/>
+                </a:cxn>
+                <a:cxn ang="0">
+                  <a:pos x="connsiteX6" y="connsiteY6"/>
+                </a:cxn>
+              </a:cxnLst>
+              <a:rect l="l" t="t" r="r" b="b"/>
+              <a:pathLst>
+                <a:path w="1031051" h="261610" fill="none" extrusionOk="0">
+                  <a:moveTo>
+                    <a:pt x="0" y="0"/>
+                  </a:moveTo>
+                  <a:cubicBezTo>
+                    <a:pt x="174641" y="-5578"/>
+                    <a:pt x="386716" y="-23247"/>
+                    <a:pt x="525836" y="0"/>
+                  </a:cubicBezTo>
+                  <a:cubicBezTo>
+                    <a:pt x="664956" y="23247"/>
+                    <a:pt x="878695" y="6341"/>
+                    <a:pt x="1031051" y="0"/>
+                  </a:cubicBezTo>
+                  <a:cubicBezTo>
+                    <a:pt x="1042016" y="62573"/>
+                    <a:pt x="1019497" y="181913"/>
+                    <a:pt x="1031051" y="261610"/>
+                  </a:cubicBezTo>
+                  <a:cubicBezTo>
+                    <a:pt x="849255" y="265127"/>
+                    <a:pt x="726237" y="282551"/>
+                    <a:pt x="494904" y="261610"/>
+                  </a:cubicBezTo>
+                  <a:cubicBezTo>
+                    <a:pt x="263571" y="240669"/>
+                    <a:pt x="236647" y="271030"/>
+                    <a:pt x="0" y="261610"/>
+                  </a:cubicBezTo>
+                  <a:cubicBezTo>
+                    <a:pt x="-6848" y="141698"/>
+                    <a:pt x="-11298" y="119125"/>
+                    <a:pt x="0" y="0"/>
+                  </a:cubicBezTo>
+                  <a:close/>
+                </a:path>
+                <a:path w="1031051" h="261610" stroke="0" extrusionOk="0">
+                  <a:moveTo>
+                    <a:pt x="0" y="0"/>
+                  </a:moveTo>
+                  <a:cubicBezTo>
+                    <a:pt x="244452" y="20949"/>
+                    <a:pt x="408511" y="-127"/>
+                    <a:pt x="525836" y="0"/>
+                  </a:cubicBezTo>
+                  <a:cubicBezTo>
+                    <a:pt x="643161" y="127"/>
+                    <a:pt x="875959" y="-14056"/>
+                    <a:pt x="1031051" y="0"/>
+                  </a:cubicBezTo>
+                  <a:cubicBezTo>
+                    <a:pt x="1030809" y="78825"/>
+                    <a:pt x="1037246" y="177794"/>
+                    <a:pt x="1031051" y="261610"/>
+                  </a:cubicBezTo>
+                  <a:cubicBezTo>
+                    <a:pt x="909143" y="278017"/>
+                    <a:pt x="663199" y="271664"/>
+                    <a:pt x="505215" y="261610"/>
+                  </a:cubicBezTo>
+                  <a:cubicBezTo>
+                    <a:pt x="347231" y="251556"/>
+                    <a:pt x="138866" y="257268"/>
+                    <a:pt x="0" y="261610"/>
+                  </a:cubicBezTo>
+                  <a:cubicBezTo>
+                    <a:pt x="6459" y="163173"/>
+                    <a:pt x="-4981" y="77674"/>
+                    <a:pt x="0" y="0"/>
+                  </a:cubicBezTo>
+                  <a:close/>
+                </a:path>
+              </a:pathLst>
+            </a:custGeom>
+            <a:ln>
+              <a:extLst>
+                <a:ext uri="{C807C97D-BFC1-408E-A445-0C87EB9F89A2}">
+                  <ask:lineSketchStyleProps xmlns:ask="http://schemas.microsoft.com/office/drawing/2018/sketchyshapes" sd="604385693">
+                    <a:prstGeom prst="rect">
+                      <a:avLst/>
+                    </a:prstGeom>
+                    <ask:type>
+                      <ask:lineSketchFreehand/>
+                    </ask:type>
+                  </ask:lineSketchStyleProps>
+                </a:ext>
+              </a:extLst>
+            </a:ln>
+          </p:spPr>
+          <p:style>
+            <a:lnRef idx="1">
+              <a:schemeClr val="accent2"/>
+            </a:lnRef>
+            <a:fillRef idx="2">
+              <a:schemeClr val="accent2"/>
+            </a:fillRef>
+            <a:effectRef idx="1">
+              <a:schemeClr val="accent2"/>
+            </a:effectRef>
+            <a:fontRef idx="minor">
+              <a:schemeClr val="dk1"/>
+            </a:fontRef>
+          </p:style>
+          <p:txBody>
+            <a:bodyPr wrap="none" rtlCol="0">
+              <a:spAutoFit/>
+            </a:bodyPr>
+            <a:lstStyle/>
+            <a:p>
+              <a:r>
+                <a:rPr lang="en-GB" sz="1100" dirty="0">
+                  <a:latin typeface="Consolas" panose="020B0609020204030204" pitchFamily="49" charset="0"/>
+                  <a:cs typeface="Arial" panose="020B0604020202020204" pitchFamily="34" charset="0"/>
+                </a:rPr>
+                <a:t>return None</a:t>
+              </a:r>
+            </a:p>
+          </p:txBody>
+        </p:sp>
+        <p:sp>
+          <p:nvSpPr>
+            <p:cNvPr id="77" name="TextBox 76">
+              <a:extLst>
+                <a:ext uri="{FF2B5EF4-FFF2-40B4-BE49-F238E27FC236}">
+                  <a16:creationId xmlns:a16="http://schemas.microsoft.com/office/drawing/2014/main" id="{2BC3DF70-5D27-46A7-8963-B82CC5D848D6}"/>
+                </a:ext>
+              </a:extLst>
+            </p:cNvPr>
+            <p:cNvSpPr txBox="1"/>
+            <p:nvPr/>
+          </p:nvSpPr>
+          <p:spPr>
+            <a:xfrm>
+              <a:off x="5205312" y="1898315"/>
+              <a:ext cx="800219" cy="261610"/>
+            </a:xfrm>
+            <a:custGeom>
+              <a:avLst/>
+              <a:gdLst>
+                <a:gd name="connsiteX0" fmla="*/ 0 w 800219"/>
+                <a:gd name="connsiteY0" fmla="*/ 0 h 261610"/>
+                <a:gd name="connsiteX1" fmla="*/ 408112 w 800219"/>
+                <a:gd name="connsiteY1" fmla="*/ 0 h 261610"/>
+                <a:gd name="connsiteX2" fmla="*/ 800219 w 800219"/>
+                <a:gd name="connsiteY2" fmla="*/ 0 h 261610"/>
+                <a:gd name="connsiteX3" fmla="*/ 800219 w 800219"/>
+                <a:gd name="connsiteY3" fmla="*/ 261610 h 261610"/>
+                <a:gd name="connsiteX4" fmla="*/ 384105 w 800219"/>
+                <a:gd name="connsiteY4" fmla="*/ 261610 h 261610"/>
+                <a:gd name="connsiteX5" fmla="*/ 0 w 800219"/>
+                <a:gd name="connsiteY5" fmla="*/ 261610 h 261610"/>
+                <a:gd name="connsiteX6" fmla="*/ 0 w 800219"/>
+                <a:gd name="connsiteY6" fmla="*/ 0 h 261610"/>
+              </a:gdLst>
+              <a:ahLst/>
+              <a:cxnLst>
+                <a:cxn ang="0">
+                  <a:pos x="connsiteX0" y="connsiteY0"/>
+                </a:cxn>
+                <a:cxn ang="0">
+                  <a:pos x="connsiteX1" y="connsiteY1"/>
+                </a:cxn>
+                <a:cxn ang="0">
+                  <a:pos x="connsiteX2" y="connsiteY2"/>
+                </a:cxn>
+                <a:cxn ang="0">
+                  <a:pos x="connsiteX3" y="connsiteY3"/>
+                </a:cxn>
+                <a:cxn ang="0">
+                  <a:pos x="connsiteX4" y="connsiteY4"/>
+                </a:cxn>
+                <a:cxn ang="0">
+                  <a:pos x="connsiteX5" y="connsiteY5"/>
+                </a:cxn>
+                <a:cxn ang="0">
+                  <a:pos x="connsiteX6" y="connsiteY6"/>
+                </a:cxn>
+              </a:cxnLst>
+              <a:rect l="l" t="t" r="r" b="b"/>
+              <a:pathLst>
+                <a:path w="800219" h="261610" fill="none" extrusionOk="0">
+                  <a:moveTo>
+                    <a:pt x="0" y="0"/>
+                  </a:moveTo>
+                  <a:cubicBezTo>
+                    <a:pt x="94295" y="-685"/>
+                    <a:pt x="249059" y="15779"/>
+                    <a:pt x="408112" y="0"/>
+                  </a:cubicBezTo>
+                  <a:cubicBezTo>
+                    <a:pt x="567165" y="-15779"/>
+                    <a:pt x="619490" y="-19025"/>
+                    <a:pt x="800219" y="0"/>
+                  </a:cubicBezTo>
+                  <a:cubicBezTo>
+                    <a:pt x="811184" y="62573"/>
+                    <a:pt x="788665" y="181913"/>
+                    <a:pt x="800219" y="261610"/>
+                  </a:cubicBezTo>
+                  <a:cubicBezTo>
+                    <a:pt x="663100" y="252969"/>
+                    <a:pt x="585813" y="251815"/>
+                    <a:pt x="384105" y="261610"/>
+                  </a:cubicBezTo>
+                  <a:cubicBezTo>
+                    <a:pt x="182397" y="271405"/>
+                    <a:pt x="157433" y="256792"/>
+                    <a:pt x="0" y="261610"/>
+                  </a:cubicBezTo>
+                  <a:cubicBezTo>
+                    <a:pt x="-6848" y="141698"/>
+                    <a:pt x="-11298" y="119125"/>
+                    <a:pt x="0" y="0"/>
+                  </a:cubicBezTo>
+                  <a:close/>
+                </a:path>
+                <a:path w="800219" h="261610" stroke="0" extrusionOk="0">
+                  <a:moveTo>
+                    <a:pt x="0" y="0"/>
+                  </a:moveTo>
+                  <a:cubicBezTo>
+                    <a:pt x="102329" y="2054"/>
+                    <a:pt x="282171" y="-12334"/>
+                    <a:pt x="408112" y="0"/>
+                  </a:cubicBezTo>
+                  <a:cubicBezTo>
+                    <a:pt x="534053" y="12334"/>
+                    <a:pt x="677243" y="4581"/>
+                    <a:pt x="800219" y="0"/>
+                  </a:cubicBezTo>
+                  <a:cubicBezTo>
+                    <a:pt x="799977" y="78825"/>
+                    <a:pt x="806414" y="177794"/>
+                    <a:pt x="800219" y="261610"/>
+                  </a:cubicBezTo>
+                  <a:cubicBezTo>
+                    <a:pt x="697153" y="262428"/>
+                    <a:pt x="505150" y="269265"/>
+                    <a:pt x="392107" y="261610"/>
+                  </a:cubicBezTo>
+                  <a:cubicBezTo>
+                    <a:pt x="279064" y="253955"/>
+                    <a:pt x="98885" y="251578"/>
+                    <a:pt x="0" y="261610"/>
+                  </a:cubicBezTo>
+                  <a:cubicBezTo>
+                    <a:pt x="6459" y="163173"/>
+                    <a:pt x="-4981" y="77674"/>
+                    <a:pt x="0" y="0"/>
+                  </a:cubicBezTo>
+                  <a:close/>
+                </a:path>
+              </a:pathLst>
+            </a:custGeom>
+            <a:ln>
+              <a:extLst>
+                <a:ext uri="{C807C97D-BFC1-408E-A445-0C87EB9F89A2}">
+                  <ask:lineSketchStyleProps xmlns:ask="http://schemas.microsoft.com/office/drawing/2018/sketchyshapes" sd="604385693">
+                    <a:prstGeom prst="rect">
+                      <a:avLst/>
+                    </a:prstGeom>
+                    <ask:type>
+                      <ask:lineSketchFreehand/>
+                    </ask:type>
+                  </ask:lineSketchStyleProps>
+                </a:ext>
+              </a:extLst>
+            </a:ln>
+          </p:spPr>
+          <p:style>
+            <a:lnRef idx="1">
+              <a:schemeClr val="accent1"/>
+            </a:lnRef>
+            <a:fillRef idx="2">
+              <a:schemeClr val="accent1"/>
+            </a:fillRef>
+            <a:effectRef idx="1">
+              <a:schemeClr val="accent1"/>
+            </a:effectRef>
+            <a:fontRef idx="minor">
+              <a:schemeClr val="dk1"/>
+            </a:fontRef>
+          </p:style>
+          <p:txBody>
+            <a:bodyPr wrap="none" rtlCol="0">
+              <a:spAutoFit/>
+            </a:bodyPr>
+            <a:lstStyle/>
+            <a:p>
+              <a:r>
+                <a:rPr lang="en-GB" sz="1100" dirty="0">
+                  <a:latin typeface="Consolas" panose="020B0609020204030204" pitchFamily="49" charset="0"/>
+                  <a:cs typeface="Arial" panose="020B0604020202020204" pitchFamily="34" charset="0"/>
+                </a:rPr>
+                <a:t>continue</a:t>
+              </a:r>
+            </a:p>
+          </p:txBody>
+        </p:sp>
+        <p:cxnSp>
+          <p:nvCxnSpPr>
+            <p:cNvPr id="78" name="Connector: Elbow 77">
+              <a:extLst>
+                <a:ext uri="{FF2B5EF4-FFF2-40B4-BE49-F238E27FC236}">
+                  <a16:creationId xmlns:a16="http://schemas.microsoft.com/office/drawing/2014/main" id="{0B7B5889-38F8-4557-8F2A-240F17CB2DAE}"/>
+                </a:ext>
+              </a:extLst>
+            </p:cNvPr>
+            <p:cNvCxnSpPr>
+              <a:cxnSpLocks/>
+              <a:stCxn id="49" idx="1"/>
+              <a:endCxn id="77" idx="1"/>
+            </p:cNvCxnSpPr>
+            <p:nvPr/>
+          </p:nvCxnSpPr>
+          <p:spPr>
+            <a:xfrm rot="10800000" flipH="1" flipV="1">
+              <a:off x="5007622" y="940966"/>
+              <a:ext cx="197690" cy="1088153"/>
+            </a:xfrm>
+            <a:prstGeom prst="bentConnector3">
+              <a:avLst>
+                <a:gd name="adj1" fmla="val -115636"/>
+              </a:avLst>
+            </a:prstGeom>
+            <a:ln>
+              <a:solidFill>
+                <a:schemeClr val="tx1"/>
+              </a:solidFill>
+              <a:tailEnd type="triangle"/>
+            </a:ln>
+          </p:spPr>
+          <p:style>
+            <a:lnRef idx="1">
+              <a:schemeClr val="accent1"/>
+            </a:lnRef>
+            <a:fillRef idx="0">
+              <a:schemeClr val="accent1"/>
+            </a:fillRef>
+            <a:effectRef idx="0">
+              <a:schemeClr val="accent1"/>
+            </a:effectRef>
+            <a:fontRef idx="minor">
+              <a:schemeClr val="tx1"/>
+            </a:fontRef>
+          </p:style>
+        </p:cxnSp>
+        <p:sp>
+          <p:nvSpPr>
+            <p:cNvPr id="81" name="TextBox 80">
+              <a:extLst>
+                <a:ext uri="{FF2B5EF4-FFF2-40B4-BE49-F238E27FC236}">
+                  <a16:creationId xmlns:a16="http://schemas.microsoft.com/office/drawing/2014/main" id="{C2A7AC9C-199D-4F0A-BCE1-3D043396E668}"/>
+                </a:ext>
+              </a:extLst>
+            </p:cNvPr>
+            <p:cNvSpPr txBox="1"/>
+            <p:nvPr/>
+          </p:nvSpPr>
+          <p:spPr>
+            <a:xfrm>
+              <a:off x="8419152" y="319316"/>
+              <a:ext cx="1031051" cy="261610"/>
+            </a:xfrm>
+            <a:custGeom>
+              <a:avLst/>
+              <a:gdLst>
+                <a:gd name="connsiteX0" fmla="*/ 0 w 1031051"/>
+                <a:gd name="connsiteY0" fmla="*/ 0 h 261610"/>
+                <a:gd name="connsiteX1" fmla="*/ 525836 w 1031051"/>
+                <a:gd name="connsiteY1" fmla="*/ 0 h 261610"/>
+                <a:gd name="connsiteX2" fmla="*/ 1031051 w 1031051"/>
+                <a:gd name="connsiteY2" fmla="*/ 0 h 261610"/>
+                <a:gd name="connsiteX3" fmla="*/ 1031051 w 1031051"/>
+                <a:gd name="connsiteY3" fmla="*/ 261610 h 261610"/>
+                <a:gd name="connsiteX4" fmla="*/ 494904 w 1031051"/>
+                <a:gd name="connsiteY4" fmla="*/ 261610 h 261610"/>
+                <a:gd name="connsiteX5" fmla="*/ 0 w 1031051"/>
+                <a:gd name="connsiteY5" fmla="*/ 261610 h 261610"/>
+                <a:gd name="connsiteX6" fmla="*/ 0 w 1031051"/>
+                <a:gd name="connsiteY6" fmla="*/ 0 h 261610"/>
+              </a:gdLst>
+              <a:ahLst/>
+              <a:cxnLst>
+                <a:cxn ang="0">
+                  <a:pos x="connsiteX0" y="connsiteY0"/>
+                </a:cxn>
+                <a:cxn ang="0">
+                  <a:pos x="connsiteX1" y="connsiteY1"/>
+                </a:cxn>
+                <a:cxn ang="0">
+                  <a:pos x="connsiteX2" y="connsiteY2"/>
+                </a:cxn>
+                <a:cxn ang="0">
+                  <a:pos x="connsiteX3" y="connsiteY3"/>
+                </a:cxn>
+                <a:cxn ang="0">
+                  <a:pos x="connsiteX4" y="connsiteY4"/>
+                </a:cxn>
+                <a:cxn ang="0">
+                  <a:pos x="connsiteX5" y="connsiteY5"/>
+                </a:cxn>
+                <a:cxn ang="0">
+                  <a:pos x="connsiteX6" y="connsiteY6"/>
+                </a:cxn>
+              </a:cxnLst>
+              <a:rect l="l" t="t" r="r" b="b"/>
+              <a:pathLst>
+                <a:path w="1031051" h="261610" fill="none" extrusionOk="0">
+                  <a:moveTo>
+                    <a:pt x="0" y="0"/>
+                  </a:moveTo>
+                  <a:cubicBezTo>
+                    <a:pt x="174641" y="-5578"/>
+                    <a:pt x="386716" y="-23247"/>
+                    <a:pt x="525836" y="0"/>
+                  </a:cubicBezTo>
+                  <a:cubicBezTo>
+                    <a:pt x="664956" y="23247"/>
+                    <a:pt x="878695" y="6341"/>
+                    <a:pt x="1031051" y="0"/>
+                  </a:cubicBezTo>
+                  <a:cubicBezTo>
+                    <a:pt x="1042016" y="62573"/>
+                    <a:pt x="1019497" y="181913"/>
+                    <a:pt x="1031051" y="261610"/>
+                  </a:cubicBezTo>
+                  <a:cubicBezTo>
+                    <a:pt x="849255" y="265127"/>
+                    <a:pt x="726237" y="282551"/>
+                    <a:pt x="494904" y="261610"/>
+                  </a:cubicBezTo>
+                  <a:cubicBezTo>
+                    <a:pt x="263571" y="240669"/>
+                    <a:pt x="236647" y="271030"/>
+                    <a:pt x="0" y="261610"/>
+                  </a:cubicBezTo>
+                  <a:cubicBezTo>
+                    <a:pt x="-6848" y="141698"/>
+                    <a:pt x="-11298" y="119125"/>
+                    <a:pt x="0" y="0"/>
+                  </a:cubicBezTo>
+                  <a:close/>
+                </a:path>
+                <a:path w="1031051" h="261610" stroke="0" extrusionOk="0">
+                  <a:moveTo>
+                    <a:pt x="0" y="0"/>
+                  </a:moveTo>
+                  <a:cubicBezTo>
+                    <a:pt x="244452" y="20949"/>
+                    <a:pt x="408511" y="-127"/>
+                    <a:pt x="525836" y="0"/>
+                  </a:cubicBezTo>
+                  <a:cubicBezTo>
+                    <a:pt x="643161" y="127"/>
+                    <a:pt x="875959" y="-14056"/>
+                    <a:pt x="1031051" y="0"/>
+                  </a:cubicBezTo>
+                  <a:cubicBezTo>
+                    <a:pt x="1030809" y="78825"/>
+                    <a:pt x="1037246" y="177794"/>
+                    <a:pt x="1031051" y="261610"/>
+                  </a:cubicBezTo>
+                  <a:cubicBezTo>
+                    <a:pt x="909143" y="278017"/>
+                    <a:pt x="663199" y="271664"/>
+                    <a:pt x="505215" y="261610"/>
+                  </a:cubicBezTo>
+                  <a:cubicBezTo>
+                    <a:pt x="347231" y="251556"/>
+                    <a:pt x="138866" y="257268"/>
+                    <a:pt x="0" y="261610"/>
+                  </a:cubicBezTo>
+                  <a:cubicBezTo>
+                    <a:pt x="6459" y="163173"/>
+                    <a:pt x="-4981" y="77674"/>
+                    <a:pt x="0" y="0"/>
+                  </a:cubicBezTo>
+                  <a:close/>
+                </a:path>
+              </a:pathLst>
+            </a:custGeom>
+            <a:ln>
+              <a:extLst>
+                <a:ext uri="{C807C97D-BFC1-408E-A445-0C87EB9F89A2}">
+                  <ask:lineSketchStyleProps xmlns:ask="http://schemas.microsoft.com/office/drawing/2018/sketchyshapes" sd="604385693">
+                    <a:prstGeom prst="rect">
+                      <a:avLst/>
+                    </a:prstGeom>
+                    <ask:type>
+                      <ask:lineSketchFreehand/>
+                    </ask:type>
+                  </ask:lineSketchStyleProps>
+                </a:ext>
+              </a:extLst>
+            </a:ln>
+          </p:spPr>
+          <p:style>
+            <a:lnRef idx="1">
+              <a:schemeClr val="accent2"/>
+            </a:lnRef>
+            <a:fillRef idx="2">
+              <a:schemeClr val="accent2"/>
+            </a:fillRef>
+            <a:effectRef idx="1">
+              <a:schemeClr val="accent2"/>
+            </a:effectRef>
+            <a:fontRef idx="minor">
+              <a:schemeClr val="dk1"/>
+            </a:fontRef>
+          </p:style>
+          <p:txBody>
+            <a:bodyPr wrap="none" rtlCol="0">
+              <a:spAutoFit/>
+            </a:bodyPr>
+            <a:lstStyle/>
+            <a:p>
+              <a:r>
+                <a:rPr lang="en-GB" sz="1100" dirty="0">
+                  <a:latin typeface="Consolas" panose="020B0609020204030204" pitchFamily="49" charset="0"/>
+                  <a:cs typeface="Arial" panose="020B0604020202020204" pitchFamily="34" charset="0"/>
+                </a:rPr>
+                <a:t>return True</a:t>
+              </a:r>
+            </a:p>
+          </p:txBody>
+        </p:sp>
+        <p:cxnSp>
+          <p:nvCxnSpPr>
+            <p:cNvPr id="90" name="Connector: Elbow 89">
+              <a:extLst>
+                <a:ext uri="{FF2B5EF4-FFF2-40B4-BE49-F238E27FC236}">
+                  <a16:creationId xmlns:a16="http://schemas.microsoft.com/office/drawing/2014/main" id="{17D41714-C038-4CBE-B1C3-1C32F45D5D7E}"/>
+                </a:ext>
+              </a:extLst>
+            </p:cNvPr>
+            <p:cNvCxnSpPr>
+              <a:cxnSpLocks/>
+              <a:stCxn id="77" idx="2"/>
+              <a:endCxn id="43" idx="1"/>
+            </p:cNvCxnSpPr>
+            <p:nvPr/>
+          </p:nvCxnSpPr>
+          <p:spPr>
+            <a:xfrm rot="5400000" flipH="1">
+              <a:off x="4341480" y="895983"/>
+              <a:ext cx="1490996" cy="1036888"/>
+            </a:xfrm>
+            <a:prstGeom prst="bentConnector4">
+              <a:avLst>
+                <a:gd name="adj1" fmla="val -15332"/>
+                <a:gd name="adj2" fmla="val 122047"/>
+              </a:avLst>
+            </a:prstGeom>
+            <a:ln>
+              <a:solidFill>
+                <a:schemeClr val="tx1"/>
+              </a:solidFill>
+              <a:prstDash val="dash"/>
+              <a:tailEnd type="triangle"/>
+            </a:ln>
+          </p:spPr>
+          <p:style>
+            <a:lnRef idx="1">
+              <a:schemeClr val="accent1"/>
+            </a:lnRef>
+            <a:fillRef idx="0">
+              <a:schemeClr val="accent1"/>
+            </a:fillRef>
+            <a:effectRef idx="0">
+              <a:schemeClr val="accent1"/>
+            </a:effectRef>
+            <a:fontRef idx="minor">
+              <a:schemeClr val="tx1"/>
+            </a:fontRef>
+          </p:style>
+        </p:cxnSp>
+        <p:cxnSp>
+          <p:nvCxnSpPr>
+            <p:cNvPr id="97" name="Connector: Elbow 96">
+              <a:extLst>
+                <a:ext uri="{FF2B5EF4-FFF2-40B4-BE49-F238E27FC236}">
+                  <a16:creationId xmlns:a16="http://schemas.microsoft.com/office/drawing/2014/main" id="{5FFC3796-9AE0-4491-8836-1233FA156C5A}"/>
+                </a:ext>
+              </a:extLst>
+            </p:cNvPr>
+            <p:cNvCxnSpPr>
+              <a:cxnSpLocks/>
+              <a:stCxn id="43" idx="3"/>
+              <a:endCxn id="81" idx="1"/>
+            </p:cNvCxnSpPr>
+            <p:nvPr/>
+          </p:nvCxnSpPr>
+          <p:spPr>
+            <a:xfrm flipV="1">
+              <a:off x="7808389" y="450121"/>
+              <a:ext cx="610763" cy="218808"/>
+            </a:xfrm>
+            <a:prstGeom prst="bentConnector3">
+              <a:avLst>
+                <a:gd name="adj1" fmla="val 50000"/>
+              </a:avLst>
+            </a:prstGeom>
+            <a:ln>
+              <a:solidFill>
+                <a:schemeClr val="tx1"/>
+              </a:solidFill>
+              <a:tailEnd type="triangle"/>
+            </a:ln>
+          </p:spPr>
+          <p:style>
+            <a:lnRef idx="1">
+              <a:schemeClr val="accent1"/>
+            </a:lnRef>
+            <a:fillRef idx="0">
+              <a:schemeClr val="accent1"/>
+            </a:fillRef>
+            <a:effectRef idx="0">
+              <a:schemeClr val="accent1"/>
+            </a:effectRef>
+            <a:fontRef idx="minor">
+              <a:schemeClr val="tx1"/>
+            </a:fontRef>
+          </p:style>
+        </p:cxnSp>
+      </p:grpSp>
+      <p:sp>
+        <p:nvSpPr>
+          <p:cNvPr id="104" name="TextBox 103">
+            <a:extLst>
+              <a:ext uri="{FF2B5EF4-FFF2-40B4-BE49-F238E27FC236}">
+                <a16:creationId xmlns:a16="http://schemas.microsoft.com/office/drawing/2014/main" id="{EFF48DA0-E009-4E85-B060-4181AFF17886}"/>
+              </a:ext>
+            </a:extLst>
+          </p:cNvPr>
+          <p:cNvSpPr txBox="1"/>
+          <p:nvPr/>
+        </p:nvSpPr>
+        <p:spPr>
+          <a:xfrm>
+            <a:off x="1585342" y="4011001"/>
+            <a:ext cx="3239855" cy="261610"/>
+          </a:xfrm>
+          <a:custGeom>
+            <a:avLst/>
+            <a:gdLst>
+              <a:gd name="connsiteX0" fmla="*/ 0 w 3239855"/>
+              <a:gd name="connsiteY0" fmla="*/ 0 h 261610"/>
+              <a:gd name="connsiteX1" fmla="*/ 615572 w 3239855"/>
+              <a:gd name="connsiteY1" fmla="*/ 0 h 261610"/>
+              <a:gd name="connsiteX2" fmla="*/ 1328341 w 3239855"/>
+              <a:gd name="connsiteY2" fmla="*/ 0 h 261610"/>
+              <a:gd name="connsiteX3" fmla="*/ 1911514 w 3239855"/>
+              <a:gd name="connsiteY3" fmla="*/ 0 h 261610"/>
+              <a:gd name="connsiteX4" fmla="*/ 2559485 w 3239855"/>
+              <a:gd name="connsiteY4" fmla="*/ 0 h 261610"/>
+              <a:gd name="connsiteX5" fmla="*/ 3239855 w 3239855"/>
+              <a:gd name="connsiteY5" fmla="*/ 0 h 261610"/>
+              <a:gd name="connsiteX6" fmla="*/ 3239855 w 3239855"/>
+              <a:gd name="connsiteY6" fmla="*/ 261610 h 261610"/>
+              <a:gd name="connsiteX7" fmla="*/ 2624283 w 3239855"/>
+              <a:gd name="connsiteY7" fmla="*/ 261610 h 261610"/>
+              <a:gd name="connsiteX8" fmla="*/ 2041109 w 3239855"/>
+              <a:gd name="connsiteY8" fmla="*/ 261610 h 261610"/>
+              <a:gd name="connsiteX9" fmla="*/ 1328341 w 3239855"/>
+              <a:gd name="connsiteY9" fmla="*/ 261610 h 261610"/>
+              <a:gd name="connsiteX10" fmla="*/ 712768 w 3239855"/>
+              <a:gd name="connsiteY10" fmla="*/ 261610 h 261610"/>
+              <a:gd name="connsiteX11" fmla="*/ 0 w 3239855"/>
+              <a:gd name="connsiteY11" fmla="*/ 261610 h 261610"/>
+              <a:gd name="connsiteX12" fmla="*/ 0 w 3239855"/>
+              <a:gd name="connsiteY12" fmla="*/ 0 h 261610"/>
+            </a:gdLst>
+            <a:ahLst/>
+            <a:cxnLst>
+              <a:cxn ang="0">
+                <a:pos x="connsiteX0" y="connsiteY0"/>
+              </a:cxn>
+              <a:cxn ang="0">
+                <a:pos x="connsiteX1" y="connsiteY1"/>
+              </a:cxn>
+              <a:cxn ang="0">
+                <a:pos x="connsiteX2" y="connsiteY2"/>
+              </a:cxn>
+              <a:cxn ang="0">
+                <a:pos x="connsiteX3" y="connsiteY3"/>
+              </a:cxn>
+              <a:cxn ang="0">
+                <a:pos x="connsiteX4" y="connsiteY4"/>
+              </a:cxn>
+              <a:cxn ang="0">
+                <a:pos x="connsiteX5" y="connsiteY5"/>
+              </a:cxn>
+              <a:cxn ang="0">
+                <a:pos x="connsiteX6" y="connsiteY6"/>
+              </a:cxn>
+              <a:cxn ang="0">
+                <a:pos x="connsiteX7" y="connsiteY7"/>
+              </a:cxn>
+              <a:cxn ang="0">
+                <a:pos x="connsiteX8" y="connsiteY8"/>
+              </a:cxn>
+              <a:cxn ang="0">
+                <a:pos x="connsiteX9" y="connsiteY9"/>
+              </a:cxn>
+              <a:cxn ang="0">
+                <a:pos x="connsiteX10" y="connsiteY10"/>
+              </a:cxn>
+              <a:cxn ang="0">
+                <a:pos x="connsiteX11" y="connsiteY11"/>
+              </a:cxn>
+              <a:cxn ang="0">
+                <a:pos x="connsiteX12" y="connsiteY12"/>
+              </a:cxn>
+            </a:cxnLst>
+            <a:rect l="l" t="t" r="r" b="b"/>
+            <a:pathLst>
+              <a:path w="3239855" h="261610" fill="none" extrusionOk="0">
+                <a:moveTo>
+                  <a:pt x="0" y="0"/>
+                </a:moveTo>
+                <a:cubicBezTo>
+                  <a:pt x="287332" y="8206"/>
+                  <a:pt x="435913" y="28828"/>
+                  <a:pt x="615572" y="0"/>
+                </a:cubicBezTo>
+                <a:cubicBezTo>
+                  <a:pt x="795231" y="-28828"/>
+                  <a:pt x="1118311" y="27238"/>
+                  <a:pt x="1328341" y="0"/>
+                </a:cubicBezTo>
+                <a:cubicBezTo>
+                  <a:pt x="1538371" y="-27238"/>
+                  <a:pt x="1734489" y="17446"/>
+                  <a:pt x="1911514" y="0"/>
+                </a:cubicBezTo>
+                <a:cubicBezTo>
+                  <a:pt x="2088539" y="-17446"/>
+                  <a:pt x="2421275" y="17303"/>
+                  <a:pt x="2559485" y="0"/>
+                </a:cubicBezTo>
+                <a:cubicBezTo>
+                  <a:pt x="2697695" y="-17303"/>
+                  <a:pt x="3003800" y="30984"/>
+                  <a:pt x="3239855" y="0"/>
+                </a:cubicBezTo>
+                <a:cubicBezTo>
+                  <a:pt x="3230700" y="127853"/>
+                  <a:pt x="3246081" y="193855"/>
+                  <a:pt x="3239855" y="261610"/>
+                </a:cubicBezTo>
+                <a:cubicBezTo>
+                  <a:pt x="3073789" y="231282"/>
+                  <a:pt x="2802449" y="272160"/>
+                  <a:pt x="2624283" y="261610"/>
+                </a:cubicBezTo>
+                <a:cubicBezTo>
+                  <a:pt x="2446117" y="251060"/>
+                  <a:pt x="2210687" y="263931"/>
+                  <a:pt x="2041109" y="261610"/>
+                </a:cubicBezTo>
+                <a:cubicBezTo>
+                  <a:pt x="1871531" y="259289"/>
+                  <a:pt x="1484168" y="236569"/>
+                  <a:pt x="1328341" y="261610"/>
+                </a:cubicBezTo>
+                <a:cubicBezTo>
+                  <a:pt x="1172514" y="286651"/>
+                  <a:pt x="877633" y="242757"/>
+                  <a:pt x="712768" y="261610"/>
+                </a:cubicBezTo>
+                <a:cubicBezTo>
+                  <a:pt x="547903" y="280463"/>
+                  <a:pt x="325260" y="295924"/>
+                  <a:pt x="0" y="261610"/>
+                </a:cubicBezTo>
+                <a:cubicBezTo>
+                  <a:pt x="1817" y="153783"/>
+                  <a:pt x="-12542" y="91169"/>
+                  <a:pt x="0" y="0"/>
+                </a:cubicBezTo>
+                <a:close/>
+              </a:path>
+              <a:path w="3239855" h="261610" stroke="0" extrusionOk="0">
+                <a:moveTo>
+                  <a:pt x="0" y="0"/>
+                </a:moveTo>
+                <a:cubicBezTo>
+                  <a:pt x="239323" y="-12465"/>
+                  <a:pt x="515563" y="9232"/>
+                  <a:pt x="680370" y="0"/>
+                </a:cubicBezTo>
+                <a:cubicBezTo>
+                  <a:pt x="845177" y="-9232"/>
+                  <a:pt x="1196537" y="23580"/>
+                  <a:pt x="1360739" y="0"/>
+                </a:cubicBezTo>
+                <a:cubicBezTo>
+                  <a:pt x="1524941" y="-23580"/>
+                  <a:pt x="1720692" y="11077"/>
+                  <a:pt x="2008710" y="0"/>
+                </a:cubicBezTo>
+                <a:cubicBezTo>
+                  <a:pt x="2296728" y="-11077"/>
+                  <a:pt x="2678530" y="-58537"/>
+                  <a:pt x="3239855" y="0"/>
+                </a:cubicBezTo>
+                <a:cubicBezTo>
+                  <a:pt x="3242224" y="110679"/>
+                  <a:pt x="3248822" y="185380"/>
+                  <a:pt x="3239855" y="261610"/>
+                </a:cubicBezTo>
+                <a:cubicBezTo>
+                  <a:pt x="2921535" y="277243"/>
+                  <a:pt x="2877575" y="277730"/>
+                  <a:pt x="2559485" y="261610"/>
+                </a:cubicBezTo>
+                <a:cubicBezTo>
+                  <a:pt x="2241395" y="245491"/>
+                  <a:pt x="2057710" y="284216"/>
+                  <a:pt x="1846717" y="261610"/>
+                </a:cubicBezTo>
+                <a:cubicBezTo>
+                  <a:pt x="1635724" y="239004"/>
+                  <a:pt x="1380614" y="241237"/>
+                  <a:pt x="1133949" y="261610"/>
+                </a:cubicBezTo>
+                <a:cubicBezTo>
+                  <a:pt x="887284" y="281983"/>
+                  <a:pt x="397280" y="229057"/>
+                  <a:pt x="0" y="261610"/>
+                </a:cubicBezTo>
+                <a:cubicBezTo>
+                  <a:pt x="11542" y="151688"/>
+                  <a:pt x="-3624" y="125428"/>
+                  <a:pt x="0" y="0"/>
+                </a:cubicBezTo>
+                <a:close/>
+              </a:path>
+            </a:pathLst>
+          </a:custGeom>
+          <a:ln>
+            <a:extLst>
+              <a:ext uri="{C807C97D-BFC1-408E-A445-0C87EB9F89A2}">
+                <ask:lineSketchStyleProps xmlns:ask="http://schemas.microsoft.com/office/drawing/2018/sketchyshapes" sd="604385693">
+                  <a:prstGeom prst="rect">
+                    <a:avLst/>
+                  </a:prstGeom>
+                  <ask:type>
+                    <ask:lineSketchFreehand/>
+                  </ask:type>
+                </ask:lineSketchStyleProps>
+              </a:ext>
+            </a:extLst>
+          </a:ln>
+        </p:spPr>
+        <p:style>
+          <a:lnRef idx="1">
+            <a:schemeClr val="accent1"/>
+          </a:lnRef>
+          <a:fillRef idx="2">
+            <a:schemeClr val="accent1"/>
+          </a:fillRef>
+          <a:effectRef idx="1">
+            <a:schemeClr val="accent1"/>
+          </a:effectRef>
+          <a:fontRef idx="minor">
+            <a:schemeClr val="dk1"/>
+          </a:fontRef>
+        </p:style>
+        <p:txBody>
+          <a:bodyPr wrap="square" rtlCol="0">
+            <a:spAutoFit/>
+          </a:bodyPr>
+          <a:lstStyle/>
+          <a:p>
+            <a:r>
+              <a:rPr lang="en-GB" sz="1100" dirty="0">
+                <a:latin typeface="Consolas" panose="020B0609020204030204" pitchFamily="49" charset="0"/>
+                <a:cs typeface="Arial" panose="020B0604020202020204" pitchFamily="34" charset="0"/>
+              </a:rPr>
+              <a:t>for nutrient_relation in flag:</a:t>
+            </a:r>
+          </a:p>
+        </p:txBody>
+      </p:sp>
+      <p:sp>
+        <p:nvSpPr>
+          <p:cNvPr id="105" name="TextBox 104">
+            <a:extLst>
+              <a:ext uri="{FF2B5EF4-FFF2-40B4-BE49-F238E27FC236}">
+                <a16:creationId xmlns:a16="http://schemas.microsoft.com/office/drawing/2014/main" id="{45D5445C-83CE-4425-99DD-1CCA33C64332}"/>
+              </a:ext>
+            </a:extLst>
+          </p:cNvPr>
+          <p:cNvSpPr txBox="1"/>
+          <p:nvPr/>
+        </p:nvSpPr>
+        <p:spPr>
+          <a:xfrm>
+            <a:off x="2024430" y="4283039"/>
+            <a:ext cx="2492990" cy="261610"/>
+          </a:xfrm>
+          <a:custGeom>
+            <a:avLst/>
+            <a:gdLst>
+              <a:gd name="connsiteX0" fmla="*/ 0 w 2492990"/>
+              <a:gd name="connsiteY0" fmla="*/ 0 h 261610"/>
+              <a:gd name="connsiteX1" fmla="*/ 673107 w 2492990"/>
+              <a:gd name="connsiteY1" fmla="*/ 0 h 261610"/>
+              <a:gd name="connsiteX2" fmla="*/ 1346215 w 2492990"/>
+              <a:gd name="connsiteY2" fmla="*/ 0 h 261610"/>
+              <a:gd name="connsiteX3" fmla="*/ 2492990 w 2492990"/>
+              <a:gd name="connsiteY3" fmla="*/ 0 h 261610"/>
+              <a:gd name="connsiteX4" fmla="*/ 2492990 w 2492990"/>
+              <a:gd name="connsiteY4" fmla="*/ 261610 h 261610"/>
+              <a:gd name="connsiteX5" fmla="*/ 1919602 w 2492990"/>
+              <a:gd name="connsiteY5" fmla="*/ 261610 h 261610"/>
+              <a:gd name="connsiteX6" fmla="*/ 1246495 w 2492990"/>
+              <a:gd name="connsiteY6" fmla="*/ 261610 h 261610"/>
+              <a:gd name="connsiteX7" fmla="*/ 623248 w 2492990"/>
+              <a:gd name="connsiteY7" fmla="*/ 261610 h 261610"/>
+              <a:gd name="connsiteX8" fmla="*/ 0 w 2492990"/>
+              <a:gd name="connsiteY8" fmla="*/ 261610 h 261610"/>
+              <a:gd name="connsiteX9" fmla="*/ 0 w 2492990"/>
+              <a:gd name="connsiteY9" fmla="*/ 0 h 261610"/>
+            </a:gdLst>
+            <a:ahLst/>
+            <a:cxnLst>
+              <a:cxn ang="0">
+                <a:pos x="connsiteX0" y="connsiteY0"/>
+              </a:cxn>
+              <a:cxn ang="0">
+                <a:pos x="connsiteX1" y="connsiteY1"/>
+              </a:cxn>
+              <a:cxn ang="0">
+                <a:pos x="connsiteX2" y="connsiteY2"/>
+              </a:cxn>
+              <a:cxn ang="0">
+                <a:pos x="connsiteX3" y="connsiteY3"/>
+              </a:cxn>
+              <a:cxn ang="0">
+                <a:pos x="connsiteX4" y="connsiteY4"/>
+              </a:cxn>
+              <a:cxn ang="0">
+                <a:pos x="connsiteX5" y="connsiteY5"/>
+              </a:cxn>
+              <a:cxn ang="0">
+                <a:pos x="connsiteX6" y="connsiteY6"/>
+              </a:cxn>
+              <a:cxn ang="0">
+                <a:pos x="connsiteX7" y="connsiteY7"/>
+              </a:cxn>
+              <a:cxn ang="0">
+                <a:pos x="connsiteX8" y="connsiteY8"/>
+              </a:cxn>
+              <a:cxn ang="0">
+                <a:pos x="connsiteX9" y="connsiteY9"/>
+              </a:cxn>
+            </a:cxnLst>
+            <a:rect l="l" t="t" r="r" b="b"/>
+            <a:pathLst>
+              <a:path w="2492990" h="261610" fill="none" extrusionOk="0">
+                <a:moveTo>
+                  <a:pt x="0" y="0"/>
+                </a:moveTo>
+                <a:cubicBezTo>
+                  <a:pt x="183172" y="-26823"/>
+                  <a:pt x="453659" y="-5276"/>
+                  <a:pt x="673107" y="0"/>
+                </a:cubicBezTo>
+                <a:cubicBezTo>
+                  <a:pt x="892555" y="5276"/>
+                  <a:pt x="1088763" y="12891"/>
+                  <a:pt x="1346215" y="0"/>
+                </a:cubicBezTo>
+                <a:cubicBezTo>
+                  <a:pt x="1603667" y="-12891"/>
+                  <a:pt x="1982746" y="11886"/>
+                  <a:pt x="2492990" y="0"/>
+                </a:cubicBezTo>
+                <a:cubicBezTo>
+                  <a:pt x="2501604" y="57228"/>
+                  <a:pt x="2493964" y="206214"/>
+                  <a:pt x="2492990" y="261610"/>
+                </a:cubicBezTo>
+                <a:cubicBezTo>
+                  <a:pt x="2353977" y="263362"/>
+                  <a:pt x="2078183" y="280911"/>
+                  <a:pt x="1919602" y="261610"/>
+                </a:cubicBezTo>
+                <a:cubicBezTo>
+                  <a:pt x="1761021" y="242309"/>
+                  <a:pt x="1519328" y="262418"/>
+                  <a:pt x="1246495" y="261610"/>
+                </a:cubicBezTo>
+                <a:cubicBezTo>
+                  <a:pt x="973662" y="260802"/>
+                  <a:pt x="793836" y="249121"/>
+                  <a:pt x="623248" y="261610"/>
+                </a:cubicBezTo>
+                <a:cubicBezTo>
+                  <a:pt x="452660" y="274099"/>
+                  <a:pt x="203805" y="277740"/>
+                  <a:pt x="0" y="261610"/>
+                </a:cubicBezTo>
+                <a:cubicBezTo>
+                  <a:pt x="433" y="173317"/>
+                  <a:pt x="-8644" y="92882"/>
+                  <a:pt x="0" y="0"/>
+                </a:cubicBezTo>
+                <a:close/>
+              </a:path>
+              <a:path w="2492990" h="261610" stroke="0" extrusionOk="0">
+                <a:moveTo>
+                  <a:pt x="0" y="0"/>
+                </a:moveTo>
+                <a:cubicBezTo>
+                  <a:pt x="291872" y="31151"/>
+                  <a:pt x="497785" y="-16410"/>
+                  <a:pt x="648177" y="0"/>
+                </a:cubicBezTo>
+                <a:cubicBezTo>
+                  <a:pt x="798569" y="16410"/>
+                  <a:pt x="994675" y="4792"/>
+                  <a:pt x="1296355" y="0"/>
+                </a:cubicBezTo>
+                <a:cubicBezTo>
+                  <a:pt x="1598035" y="-4792"/>
+                  <a:pt x="1687309" y="24336"/>
+                  <a:pt x="1919602" y="0"/>
+                </a:cubicBezTo>
+                <a:cubicBezTo>
+                  <a:pt x="2151895" y="-24336"/>
+                  <a:pt x="2255836" y="27338"/>
+                  <a:pt x="2492990" y="0"/>
+                </a:cubicBezTo>
+                <a:cubicBezTo>
+                  <a:pt x="2495359" y="110679"/>
+                  <a:pt x="2501957" y="185380"/>
+                  <a:pt x="2492990" y="261610"/>
+                </a:cubicBezTo>
+                <a:cubicBezTo>
+                  <a:pt x="2331755" y="246691"/>
+                  <a:pt x="2010473" y="249366"/>
+                  <a:pt x="1844813" y="261610"/>
+                </a:cubicBezTo>
+                <a:cubicBezTo>
+                  <a:pt x="1679153" y="273854"/>
+                  <a:pt x="1445141" y="248459"/>
+                  <a:pt x="1171705" y="261610"/>
+                </a:cubicBezTo>
+                <a:cubicBezTo>
+                  <a:pt x="898269" y="274761"/>
+                  <a:pt x="345138" y="257436"/>
+                  <a:pt x="0" y="261610"/>
+                </a:cubicBezTo>
+                <a:cubicBezTo>
+                  <a:pt x="-5465" y="164330"/>
+                  <a:pt x="-9830" y="57557"/>
+                  <a:pt x="0" y="0"/>
+                </a:cubicBezTo>
+                <a:close/>
+              </a:path>
+            </a:pathLst>
+          </a:custGeom>
+          <a:ln>
+            <a:extLst>
+              <a:ext uri="{C807C97D-BFC1-408E-A445-0C87EB9F89A2}">
+                <ask:lineSketchStyleProps xmlns:ask="http://schemas.microsoft.com/office/drawing/2018/sketchyshapes" sd="604385693">
+                  <a:prstGeom prst="rect">
+                    <a:avLst/>
+                  </a:prstGeom>
+                  <ask:type>
+                    <ask:lineSketchFreehand/>
+                  </ask:type>
+                </ask:lineSketchStyleProps>
+              </a:ext>
+            </a:extLst>
+          </a:ln>
+        </p:spPr>
+        <p:style>
+          <a:lnRef idx="1">
+            <a:schemeClr val="dk1"/>
+          </a:lnRef>
+          <a:fillRef idx="2">
+            <a:schemeClr val="dk1"/>
+          </a:fillRef>
+          <a:effectRef idx="1">
+            <a:schemeClr val="dk1"/>
+          </a:effectRef>
+          <a:fontRef idx="minor">
+            <a:schemeClr val="dk1"/>
+          </a:fontRef>
+        </p:style>
+        <p:txBody>
+          <a:bodyPr wrap="none" rtlCol="0">
+            <a:spAutoFit/>
+          </a:bodyPr>
+          <a:lstStyle/>
+          <a:p>
+            <a:r>
+              <a:rPr lang="en-GB" sz="1100" dirty="0">
+                <a:latin typeface="Consolas" panose="020B0609020204030204" pitchFamily="49" charset="0"/>
+                <a:cs typeface="Arial" panose="020B0604020202020204" pitchFamily="34" charset="0"/>
+              </a:rPr>
+              <a:t># nutrient matches implication</a:t>
+            </a:r>
+          </a:p>
+        </p:txBody>
+      </p:sp>
+      <p:sp>
+        <p:nvSpPr>
+          <p:cNvPr id="106" name="TextBox 105">
+            <a:extLst>
+              <a:ext uri="{FF2B5EF4-FFF2-40B4-BE49-F238E27FC236}">
+                <a16:creationId xmlns:a16="http://schemas.microsoft.com/office/drawing/2014/main" id="{CCE5F6D8-52C4-45AD-BE28-8795032D308E}"/>
+              </a:ext>
+            </a:extLst>
+          </p:cNvPr>
+          <p:cNvSpPr txBox="1"/>
+          <p:nvPr/>
+        </p:nvSpPr>
+        <p:spPr>
+          <a:xfrm>
+            <a:off x="2024430" y="4565505"/>
+            <a:ext cx="2646878" cy="261610"/>
+          </a:xfrm>
+          <a:custGeom>
+            <a:avLst/>
+            <a:gdLst>
+              <a:gd name="connsiteX0" fmla="*/ 0 w 2646878"/>
+              <a:gd name="connsiteY0" fmla="*/ 0 h 261610"/>
+              <a:gd name="connsiteX1" fmla="*/ 714657 w 2646878"/>
+              <a:gd name="connsiteY1" fmla="*/ 0 h 261610"/>
+              <a:gd name="connsiteX2" fmla="*/ 1429314 w 2646878"/>
+              <a:gd name="connsiteY2" fmla="*/ 0 h 261610"/>
+              <a:gd name="connsiteX3" fmla="*/ 2646878 w 2646878"/>
+              <a:gd name="connsiteY3" fmla="*/ 0 h 261610"/>
+              <a:gd name="connsiteX4" fmla="*/ 2646878 w 2646878"/>
+              <a:gd name="connsiteY4" fmla="*/ 261610 h 261610"/>
+              <a:gd name="connsiteX5" fmla="*/ 2038096 w 2646878"/>
+              <a:gd name="connsiteY5" fmla="*/ 261610 h 261610"/>
+              <a:gd name="connsiteX6" fmla="*/ 1323439 w 2646878"/>
+              <a:gd name="connsiteY6" fmla="*/ 261610 h 261610"/>
+              <a:gd name="connsiteX7" fmla="*/ 661720 w 2646878"/>
+              <a:gd name="connsiteY7" fmla="*/ 261610 h 261610"/>
+              <a:gd name="connsiteX8" fmla="*/ 0 w 2646878"/>
+              <a:gd name="connsiteY8" fmla="*/ 261610 h 261610"/>
+              <a:gd name="connsiteX9" fmla="*/ 0 w 2646878"/>
+              <a:gd name="connsiteY9" fmla="*/ 0 h 261610"/>
+            </a:gdLst>
+            <a:ahLst/>
+            <a:cxnLst>
+              <a:cxn ang="0">
+                <a:pos x="connsiteX0" y="connsiteY0"/>
+              </a:cxn>
+              <a:cxn ang="0">
+                <a:pos x="connsiteX1" y="connsiteY1"/>
+              </a:cxn>
+              <a:cxn ang="0">
+                <a:pos x="connsiteX2" y="connsiteY2"/>
+              </a:cxn>
+              <a:cxn ang="0">
+                <a:pos x="connsiteX3" y="connsiteY3"/>
+              </a:cxn>
+              <a:cxn ang="0">
+                <a:pos x="connsiteX4" y="connsiteY4"/>
+              </a:cxn>
+              <a:cxn ang="0">
+                <a:pos x="connsiteX5" y="connsiteY5"/>
+              </a:cxn>
+              <a:cxn ang="0">
+                <a:pos x="connsiteX6" y="connsiteY6"/>
+              </a:cxn>
+              <a:cxn ang="0">
+                <a:pos x="connsiteX7" y="connsiteY7"/>
+              </a:cxn>
+              <a:cxn ang="0">
+                <a:pos x="connsiteX8" y="connsiteY8"/>
+              </a:cxn>
+              <a:cxn ang="0">
+                <a:pos x="connsiteX9" y="connsiteY9"/>
+              </a:cxn>
+            </a:cxnLst>
+            <a:rect l="l" t="t" r="r" b="b"/>
+            <a:pathLst>
+              <a:path w="2646878" h="261610" fill="none" extrusionOk="0">
+                <a:moveTo>
+                  <a:pt x="0" y="0"/>
+                </a:moveTo>
+                <a:cubicBezTo>
+                  <a:pt x="276354" y="11601"/>
+                  <a:pt x="544243" y="-27943"/>
+                  <a:pt x="714657" y="0"/>
+                </a:cubicBezTo>
+                <a:cubicBezTo>
+                  <a:pt x="885071" y="27943"/>
+                  <a:pt x="1234764" y="10789"/>
+                  <a:pt x="1429314" y="0"/>
+                </a:cubicBezTo>
+                <a:cubicBezTo>
+                  <a:pt x="1623864" y="-10789"/>
+                  <a:pt x="2126400" y="3013"/>
+                  <a:pt x="2646878" y="0"/>
+                </a:cubicBezTo>
+                <a:cubicBezTo>
+                  <a:pt x="2655492" y="57228"/>
+                  <a:pt x="2647852" y="206214"/>
+                  <a:pt x="2646878" y="261610"/>
+                </a:cubicBezTo>
+                <a:cubicBezTo>
+                  <a:pt x="2384768" y="265723"/>
+                  <a:pt x="2287243" y="290421"/>
+                  <a:pt x="2038096" y="261610"/>
+                </a:cubicBezTo>
+                <a:cubicBezTo>
+                  <a:pt x="1788949" y="232799"/>
+                  <a:pt x="1512233" y="242062"/>
+                  <a:pt x="1323439" y="261610"/>
+                </a:cubicBezTo>
+                <a:cubicBezTo>
+                  <a:pt x="1134645" y="281158"/>
+                  <a:pt x="968792" y="287015"/>
+                  <a:pt x="661720" y="261610"/>
+                </a:cubicBezTo>
+                <a:cubicBezTo>
+                  <a:pt x="354648" y="236205"/>
+                  <a:pt x="260598" y="294075"/>
+                  <a:pt x="0" y="261610"/>
+                </a:cubicBezTo>
+                <a:cubicBezTo>
+                  <a:pt x="433" y="173317"/>
+                  <a:pt x="-8644" y="92882"/>
+                  <a:pt x="0" y="0"/>
+                </a:cubicBezTo>
+                <a:close/>
+              </a:path>
+              <a:path w="2646878" h="261610" stroke="0" extrusionOk="0">
+                <a:moveTo>
+                  <a:pt x="0" y="0"/>
+                </a:moveTo>
+                <a:cubicBezTo>
+                  <a:pt x="336089" y="31948"/>
+                  <a:pt x="479779" y="18763"/>
+                  <a:pt x="688188" y="0"/>
+                </a:cubicBezTo>
+                <a:cubicBezTo>
+                  <a:pt x="896597" y="-18763"/>
+                  <a:pt x="1048690" y="-14853"/>
+                  <a:pt x="1376377" y="0"/>
+                </a:cubicBezTo>
+                <a:cubicBezTo>
+                  <a:pt x="1704064" y="14853"/>
+                  <a:pt x="1861592" y="-31234"/>
+                  <a:pt x="2038096" y="0"/>
+                </a:cubicBezTo>
+                <a:cubicBezTo>
+                  <a:pt x="2214600" y="31234"/>
+                  <a:pt x="2506714" y="27236"/>
+                  <a:pt x="2646878" y="0"/>
+                </a:cubicBezTo>
+                <a:cubicBezTo>
+                  <a:pt x="2649247" y="110679"/>
+                  <a:pt x="2655845" y="185380"/>
+                  <a:pt x="2646878" y="261610"/>
+                </a:cubicBezTo>
+                <a:cubicBezTo>
+                  <a:pt x="2494085" y="252010"/>
+                  <a:pt x="2271333" y="268188"/>
+                  <a:pt x="1958690" y="261610"/>
+                </a:cubicBezTo>
+                <a:cubicBezTo>
+                  <a:pt x="1646047" y="255032"/>
+                  <a:pt x="1576347" y="287645"/>
+                  <a:pt x="1244033" y="261610"/>
+                </a:cubicBezTo>
+                <a:cubicBezTo>
+                  <a:pt x="911719" y="235575"/>
+                  <a:pt x="408262" y="310391"/>
+                  <a:pt x="0" y="261610"/>
+                </a:cubicBezTo>
+                <a:cubicBezTo>
+                  <a:pt x="-5465" y="164330"/>
+                  <a:pt x="-9830" y="57557"/>
+                  <a:pt x="0" y="0"/>
+                </a:cubicBezTo>
+                <a:close/>
+              </a:path>
+            </a:pathLst>
+          </a:custGeom>
+          <a:ln>
+            <a:extLst>
+              <a:ext uri="{C807C97D-BFC1-408E-A445-0C87EB9F89A2}">
+                <ask:lineSketchStyleProps xmlns:ask="http://schemas.microsoft.com/office/drawing/2018/sketchyshapes" sd="604385693">
+                  <a:prstGeom prst="rect">
+                    <a:avLst/>
+                  </a:prstGeom>
+                  <ask:type>
+                    <ask:lineSketchFreehand/>
+                  </ask:type>
+                </ask:lineSketchStyleProps>
+              </a:ext>
+            </a:extLst>
+          </a:ln>
+        </p:spPr>
+        <p:style>
+          <a:lnRef idx="1">
+            <a:schemeClr val="dk1"/>
+          </a:lnRef>
+          <a:fillRef idx="2">
+            <a:schemeClr val="dk1"/>
+          </a:fillRef>
+          <a:effectRef idx="1">
+            <a:schemeClr val="dk1"/>
+          </a:effectRef>
+          <a:fontRef idx="minor">
+            <a:schemeClr val="dk1"/>
+          </a:fontRef>
+        </p:style>
+        <p:txBody>
+          <a:bodyPr wrap="none" rtlCol="0">
+            <a:spAutoFit/>
+          </a:bodyPr>
+          <a:lstStyle/>
+          <a:p>
+            <a:r>
+              <a:rPr lang="en-GB" sz="1100" dirty="0">
+                <a:latin typeface="Consolas" panose="020B0609020204030204" pitchFamily="49" charset="0"/>
+                <a:cs typeface="Arial" panose="020B0604020202020204" pitchFamily="34" charset="0"/>
+              </a:rPr>
+              <a:t># nutrient violates implication</a:t>
+            </a:r>
+          </a:p>
+        </p:txBody>
+      </p:sp>
+      <p:sp>
+        <p:nvSpPr>
+          <p:cNvPr id="107" name="TextBox 106">
+            <a:extLst>
+              <a:ext uri="{FF2B5EF4-FFF2-40B4-BE49-F238E27FC236}">
+                <a16:creationId xmlns:a16="http://schemas.microsoft.com/office/drawing/2014/main" id="{0D69F79C-6C42-4F1C-869F-81ED3BFF21FA}"/>
+              </a:ext>
+            </a:extLst>
+          </p:cNvPr>
+          <p:cNvSpPr txBox="1"/>
+          <p:nvPr/>
+        </p:nvSpPr>
+        <p:spPr>
+          <a:xfrm>
+            <a:off x="2024430" y="4847971"/>
+            <a:ext cx="2800767" cy="261610"/>
+          </a:xfrm>
+          <a:custGeom>
+            <a:avLst/>
+            <a:gdLst>
+              <a:gd name="connsiteX0" fmla="*/ 0 w 2800767"/>
+              <a:gd name="connsiteY0" fmla="*/ 0 h 261610"/>
+              <a:gd name="connsiteX1" fmla="*/ 532146 w 2800767"/>
+              <a:gd name="connsiteY1" fmla="*/ 0 h 261610"/>
+              <a:gd name="connsiteX2" fmla="*/ 1148314 w 2800767"/>
+              <a:gd name="connsiteY2" fmla="*/ 0 h 261610"/>
+              <a:gd name="connsiteX3" fmla="*/ 1652453 w 2800767"/>
+              <a:gd name="connsiteY3" fmla="*/ 0 h 261610"/>
+              <a:gd name="connsiteX4" fmla="*/ 2212606 w 2800767"/>
+              <a:gd name="connsiteY4" fmla="*/ 0 h 261610"/>
+              <a:gd name="connsiteX5" fmla="*/ 2800767 w 2800767"/>
+              <a:gd name="connsiteY5" fmla="*/ 0 h 261610"/>
+              <a:gd name="connsiteX6" fmla="*/ 2800767 w 2800767"/>
+              <a:gd name="connsiteY6" fmla="*/ 261610 h 261610"/>
+              <a:gd name="connsiteX7" fmla="*/ 2268621 w 2800767"/>
+              <a:gd name="connsiteY7" fmla="*/ 261610 h 261610"/>
+              <a:gd name="connsiteX8" fmla="*/ 1764483 w 2800767"/>
+              <a:gd name="connsiteY8" fmla="*/ 261610 h 261610"/>
+              <a:gd name="connsiteX9" fmla="*/ 1148314 w 2800767"/>
+              <a:gd name="connsiteY9" fmla="*/ 261610 h 261610"/>
+              <a:gd name="connsiteX10" fmla="*/ 616169 w 2800767"/>
+              <a:gd name="connsiteY10" fmla="*/ 261610 h 261610"/>
+              <a:gd name="connsiteX11" fmla="*/ 0 w 2800767"/>
+              <a:gd name="connsiteY11" fmla="*/ 261610 h 261610"/>
+              <a:gd name="connsiteX12" fmla="*/ 0 w 2800767"/>
+              <a:gd name="connsiteY12" fmla="*/ 0 h 261610"/>
+            </a:gdLst>
+            <a:ahLst/>
+            <a:cxnLst>
+              <a:cxn ang="0">
+                <a:pos x="connsiteX0" y="connsiteY0"/>
+              </a:cxn>
+              <a:cxn ang="0">
+                <a:pos x="connsiteX1" y="connsiteY1"/>
+              </a:cxn>
+              <a:cxn ang="0">
+                <a:pos x="connsiteX2" y="connsiteY2"/>
+              </a:cxn>
+              <a:cxn ang="0">
+                <a:pos x="connsiteX3" y="connsiteY3"/>
+              </a:cxn>
+              <a:cxn ang="0">
+                <a:pos x="connsiteX4" y="connsiteY4"/>
+              </a:cxn>
+              <a:cxn ang="0">
+                <a:pos x="connsiteX5" y="connsiteY5"/>
+              </a:cxn>
+              <a:cxn ang="0">
+                <a:pos x="connsiteX6" y="connsiteY6"/>
+              </a:cxn>
+              <a:cxn ang="0">
+                <a:pos x="connsiteX7" y="connsiteY7"/>
+              </a:cxn>
+              <a:cxn ang="0">
+                <a:pos x="connsiteX8" y="connsiteY8"/>
+              </a:cxn>
+              <a:cxn ang="0">
+                <a:pos x="connsiteX9" y="connsiteY9"/>
+              </a:cxn>
+              <a:cxn ang="0">
+                <a:pos x="connsiteX10" y="connsiteY10"/>
+              </a:cxn>
+              <a:cxn ang="0">
+                <a:pos x="connsiteX11" y="connsiteY11"/>
+              </a:cxn>
+              <a:cxn ang="0">
+                <a:pos x="connsiteX12" y="connsiteY12"/>
+              </a:cxn>
+            </a:cxnLst>
+            <a:rect l="l" t="t" r="r" b="b"/>
+            <a:pathLst>
+              <a:path w="2800767" h="261610" fill="none" extrusionOk="0">
+                <a:moveTo>
+                  <a:pt x="0" y="0"/>
+                </a:moveTo>
+                <a:cubicBezTo>
+                  <a:pt x="146805" y="5945"/>
+                  <a:pt x="338777" y="-3065"/>
+                  <a:pt x="532146" y="0"/>
+                </a:cubicBezTo>
+                <a:cubicBezTo>
+                  <a:pt x="725515" y="3065"/>
+                  <a:pt x="968547" y="17380"/>
+                  <a:pt x="1148314" y="0"/>
+                </a:cubicBezTo>
+                <a:cubicBezTo>
+                  <a:pt x="1328081" y="-17380"/>
+                  <a:pt x="1421429" y="9032"/>
+                  <a:pt x="1652453" y="0"/>
+                </a:cubicBezTo>
+                <a:cubicBezTo>
+                  <a:pt x="1883477" y="-9032"/>
+                  <a:pt x="2061344" y="-6909"/>
+                  <a:pt x="2212606" y="0"/>
+                </a:cubicBezTo>
+                <a:cubicBezTo>
+                  <a:pt x="2363868" y="6909"/>
+                  <a:pt x="2545477" y="-25390"/>
+                  <a:pt x="2800767" y="0"/>
+                </a:cubicBezTo>
+                <a:cubicBezTo>
+                  <a:pt x="2791612" y="127853"/>
+                  <a:pt x="2806993" y="193855"/>
+                  <a:pt x="2800767" y="261610"/>
+                </a:cubicBezTo>
+                <a:cubicBezTo>
+                  <a:pt x="2569391" y="236304"/>
+                  <a:pt x="2505088" y="242932"/>
+                  <a:pt x="2268621" y="261610"/>
+                </a:cubicBezTo>
+                <a:cubicBezTo>
+                  <a:pt x="2032154" y="280288"/>
+                  <a:pt x="1969067" y="286231"/>
+                  <a:pt x="1764483" y="261610"/>
+                </a:cubicBezTo>
+                <a:cubicBezTo>
+                  <a:pt x="1559899" y="236989"/>
+                  <a:pt x="1444422" y="250717"/>
+                  <a:pt x="1148314" y="261610"/>
+                </a:cubicBezTo>
+                <a:cubicBezTo>
+                  <a:pt x="852206" y="272503"/>
+                  <a:pt x="749279" y="241883"/>
+                  <a:pt x="616169" y="261610"/>
+                </a:cubicBezTo>
+                <a:cubicBezTo>
+                  <a:pt x="483060" y="281337"/>
+                  <a:pt x="261702" y="251959"/>
+                  <a:pt x="0" y="261610"/>
+                </a:cubicBezTo>
+                <a:cubicBezTo>
+                  <a:pt x="1817" y="153783"/>
+                  <a:pt x="-12542" y="91169"/>
+                  <a:pt x="0" y="0"/>
+                </a:cubicBezTo>
+                <a:close/>
+              </a:path>
+              <a:path w="2800767" h="261610" stroke="0" extrusionOk="0">
+                <a:moveTo>
+                  <a:pt x="0" y="0"/>
+                </a:moveTo>
+                <a:cubicBezTo>
+                  <a:pt x="159767" y="4071"/>
+                  <a:pt x="378877" y="-8891"/>
+                  <a:pt x="588161" y="0"/>
+                </a:cubicBezTo>
+                <a:cubicBezTo>
+                  <a:pt x="797445" y="8891"/>
+                  <a:pt x="963791" y="-7082"/>
+                  <a:pt x="1176322" y="0"/>
+                </a:cubicBezTo>
+                <a:cubicBezTo>
+                  <a:pt x="1388853" y="7082"/>
+                  <a:pt x="1488619" y="-20920"/>
+                  <a:pt x="1736476" y="0"/>
+                </a:cubicBezTo>
+                <a:cubicBezTo>
+                  <a:pt x="1984333" y="20920"/>
+                  <a:pt x="2397233" y="-9153"/>
+                  <a:pt x="2800767" y="0"/>
+                </a:cubicBezTo>
+                <a:cubicBezTo>
+                  <a:pt x="2803136" y="110679"/>
+                  <a:pt x="2809734" y="185380"/>
+                  <a:pt x="2800767" y="261610"/>
+                </a:cubicBezTo>
+                <a:cubicBezTo>
+                  <a:pt x="2606956" y="254016"/>
+                  <a:pt x="2414673" y="236868"/>
+                  <a:pt x="2212606" y="261610"/>
+                </a:cubicBezTo>
+                <a:cubicBezTo>
+                  <a:pt x="2010539" y="286352"/>
+                  <a:pt x="1821832" y="283792"/>
+                  <a:pt x="1596437" y="261610"/>
+                </a:cubicBezTo>
+                <a:cubicBezTo>
+                  <a:pt x="1371042" y="239428"/>
+                  <a:pt x="1159939" y="292384"/>
+                  <a:pt x="980268" y="261610"/>
+                </a:cubicBezTo>
+                <a:cubicBezTo>
+                  <a:pt x="800597" y="230836"/>
+                  <a:pt x="409767" y="237310"/>
+                  <a:pt x="0" y="261610"/>
+                </a:cubicBezTo>
+                <a:cubicBezTo>
+                  <a:pt x="11542" y="151688"/>
+                  <a:pt x="-3624" y="125428"/>
+                  <a:pt x="0" y="0"/>
+                </a:cubicBezTo>
+                <a:close/>
+              </a:path>
+            </a:pathLst>
+          </a:custGeom>
+          <a:ln>
+            <a:extLst>
+              <a:ext uri="{C807C97D-BFC1-408E-A445-0C87EB9F89A2}">
+                <ask:lineSketchStyleProps xmlns:ask="http://schemas.microsoft.com/office/drawing/2018/sketchyshapes" sd="604385693">
+                  <a:prstGeom prst="rect">
+                    <a:avLst/>
+                  </a:prstGeom>
+                  <ask:type>
+                    <ask:lineSketchFreehand/>
+                  </ask:type>
+                </ask:lineSketchStyleProps>
+              </a:ext>
+            </a:extLst>
+          </a:ln>
+        </p:spPr>
+        <p:style>
+          <a:lnRef idx="1">
+            <a:schemeClr val="dk1"/>
+          </a:lnRef>
+          <a:fillRef idx="2">
+            <a:schemeClr val="dk1"/>
+          </a:fillRef>
+          <a:effectRef idx="1">
+            <a:schemeClr val="dk1"/>
+          </a:effectRef>
+          <a:fontRef idx="minor">
+            <a:schemeClr val="dk1"/>
+          </a:fontRef>
+        </p:style>
+        <p:txBody>
+          <a:bodyPr wrap="none" rtlCol="0">
+            <a:spAutoFit/>
+          </a:bodyPr>
+          <a:lstStyle/>
+          <a:p>
+            <a:r>
+              <a:rPr lang="en-GB" sz="1100" dirty="0">
+                <a:latin typeface="Consolas" panose="020B0609020204030204" pitchFamily="49" charset="0"/>
+                <a:cs typeface="Arial" panose="020B0604020202020204" pitchFamily="34" charset="0"/>
+              </a:rPr>
+              <a:t># nutrient insufficiently defined</a:t>
+            </a:r>
+          </a:p>
+        </p:txBody>
+      </p:sp>
+      <p:sp>
+        <p:nvSpPr>
+          <p:cNvPr id="108" name="TextBox 107">
+            <a:extLst>
+              <a:ext uri="{FF2B5EF4-FFF2-40B4-BE49-F238E27FC236}">
+                <a16:creationId xmlns:a16="http://schemas.microsoft.com/office/drawing/2014/main" id="{9202837A-5F16-4481-BE26-FAEBF7B90EF4}"/>
+              </a:ext>
+            </a:extLst>
+          </p:cNvPr>
+          <p:cNvSpPr txBox="1"/>
+          <p:nvPr/>
+        </p:nvSpPr>
+        <p:spPr>
+          <a:xfrm>
+            <a:off x="5583366" y="4571632"/>
+            <a:ext cx="1107996" cy="261610"/>
+          </a:xfrm>
+          <a:custGeom>
+            <a:avLst/>
+            <a:gdLst>
+              <a:gd name="connsiteX0" fmla="*/ 0 w 1107996"/>
+              <a:gd name="connsiteY0" fmla="*/ 0 h 261610"/>
+              <a:gd name="connsiteX1" fmla="*/ 565078 w 1107996"/>
+              <a:gd name="connsiteY1" fmla="*/ 0 h 261610"/>
+              <a:gd name="connsiteX2" fmla="*/ 1107996 w 1107996"/>
+              <a:gd name="connsiteY2" fmla="*/ 0 h 261610"/>
+              <a:gd name="connsiteX3" fmla="*/ 1107996 w 1107996"/>
+              <a:gd name="connsiteY3" fmla="*/ 261610 h 261610"/>
+              <a:gd name="connsiteX4" fmla="*/ 531838 w 1107996"/>
+              <a:gd name="connsiteY4" fmla="*/ 261610 h 261610"/>
+              <a:gd name="connsiteX5" fmla="*/ 0 w 1107996"/>
+              <a:gd name="connsiteY5" fmla="*/ 261610 h 261610"/>
+              <a:gd name="connsiteX6" fmla="*/ 0 w 1107996"/>
+              <a:gd name="connsiteY6" fmla="*/ 0 h 261610"/>
+            </a:gdLst>
+            <a:ahLst/>
+            <a:cxnLst>
+              <a:cxn ang="0">
+                <a:pos x="connsiteX0" y="connsiteY0"/>
+              </a:cxn>
+              <a:cxn ang="0">
+                <a:pos x="connsiteX1" y="connsiteY1"/>
+              </a:cxn>
+              <a:cxn ang="0">
+                <a:pos x="connsiteX2" y="connsiteY2"/>
+              </a:cxn>
+              <a:cxn ang="0">
+                <a:pos x="connsiteX3" y="connsiteY3"/>
+              </a:cxn>
+              <a:cxn ang="0">
+                <a:pos x="connsiteX4" y="connsiteY4"/>
+              </a:cxn>
+              <a:cxn ang="0">
+                <a:pos x="connsiteX5" y="connsiteY5"/>
+              </a:cxn>
+              <a:cxn ang="0">
+                <a:pos x="connsiteX6" y="connsiteY6"/>
+              </a:cxn>
+            </a:cxnLst>
+            <a:rect l="l" t="t" r="r" b="b"/>
+            <a:pathLst>
+              <a:path w="1107996" h="261610" fill="none" extrusionOk="0">
+                <a:moveTo>
+                  <a:pt x="0" y="0"/>
+                </a:moveTo>
+                <a:cubicBezTo>
+                  <a:pt x="173584" y="-4433"/>
+                  <a:pt x="422652" y="11212"/>
+                  <a:pt x="565078" y="0"/>
+                </a:cubicBezTo>
+                <a:cubicBezTo>
+                  <a:pt x="707504" y="-11212"/>
+                  <a:pt x="990477" y="5831"/>
+                  <a:pt x="1107996" y="0"/>
+                </a:cubicBezTo>
+                <a:cubicBezTo>
+                  <a:pt x="1118961" y="62573"/>
+                  <a:pt x="1096442" y="181913"/>
+                  <a:pt x="1107996" y="261610"/>
+                </a:cubicBezTo>
+                <a:cubicBezTo>
+                  <a:pt x="841024" y="236052"/>
+                  <a:pt x="700017" y="251118"/>
+                  <a:pt x="531838" y="261610"/>
+                </a:cubicBezTo>
+                <a:cubicBezTo>
+                  <a:pt x="363659" y="272102"/>
+                  <a:pt x="163480" y="280265"/>
+                  <a:pt x="0" y="261610"/>
+                </a:cubicBezTo>
+                <a:cubicBezTo>
+                  <a:pt x="-6848" y="141698"/>
+                  <a:pt x="-11298" y="119125"/>
+                  <a:pt x="0" y="0"/>
+                </a:cubicBezTo>
+                <a:close/>
+              </a:path>
+              <a:path w="1107996" h="261610" stroke="0" extrusionOk="0">
+                <a:moveTo>
+                  <a:pt x="0" y="0"/>
+                </a:moveTo>
+                <a:cubicBezTo>
+                  <a:pt x="268293" y="4641"/>
+                  <a:pt x="422467" y="24874"/>
+                  <a:pt x="565078" y="0"/>
+                </a:cubicBezTo>
+                <a:cubicBezTo>
+                  <a:pt x="707689" y="-24874"/>
+                  <a:pt x="942005" y="3608"/>
+                  <a:pt x="1107996" y="0"/>
+                </a:cubicBezTo>
+                <a:cubicBezTo>
+                  <a:pt x="1107754" y="78825"/>
+                  <a:pt x="1114191" y="177794"/>
+                  <a:pt x="1107996" y="261610"/>
+                </a:cubicBezTo>
+                <a:cubicBezTo>
+                  <a:pt x="973532" y="275709"/>
+                  <a:pt x="779713" y="238448"/>
+                  <a:pt x="542918" y="261610"/>
+                </a:cubicBezTo>
+                <a:cubicBezTo>
+                  <a:pt x="306123" y="284772"/>
+                  <a:pt x="110339" y="243156"/>
+                  <a:pt x="0" y="261610"/>
+                </a:cubicBezTo>
+                <a:cubicBezTo>
+                  <a:pt x="6459" y="163173"/>
+                  <a:pt x="-4981" y="77674"/>
+                  <a:pt x="0" y="0"/>
+                </a:cubicBezTo>
+                <a:close/>
+              </a:path>
+            </a:pathLst>
+          </a:custGeom>
+          <a:ln>
+            <a:extLst>
+              <a:ext uri="{C807C97D-BFC1-408E-A445-0C87EB9F89A2}">
+                <ask:lineSketchStyleProps xmlns:ask="http://schemas.microsoft.com/office/drawing/2018/sketchyshapes" sd="604385693">
+                  <a:prstGeom prst="rect">
+                    <a:avLst/>
+                  </a:prstGeom>
+                  <ask:type>
+                    <ask:lineSketchFreehand/>
+                  </ask:type>
+                </ask:lineSketchStyleProps>
+              </a:ext>
+            </a:extLst>
+          </a:ln>
+        </p:spPr>
+        <p:style>
+          <a:lnRef idx="1">
+            <a:schemeClr val="accent2"/>
+          </a:lnRef>
+          <a:fillRef idx="2">
+            <a:schemeClr val="accent2"/>
+          </a:fillRef>
+          <a:effectRef idx="1">
+            <a:schemeClr val="accent2"/>
+          </a:effectRef>
+          <a:fontRef idx="minor">
+            <a:schemeClr val="dk1"/>
+          </a:fontRef>
+        </p:style>
+        <p:txBody>
+          <a:bodyPr wrap="none" rtlCol="0">
+            <a:spAutoFit/>
+          </a:bodyPr>
+          <a:lstStyle/>
+          <a:p>
+            <a:r>
+              <a:rPr lang="en-GB" sz="1100" dirty="0">
+                <a:latin typeface="Consolas" panose="020B0609020204030204" pitchFamily="49" charset="0"/>
+                <a:cs typeface="Arial" panose="020B0604020202020204" pitchFamily="34" charset="0"/>
+              </a:rPr>
+              <a:t>return False</a:t>
+            </a:r>
+          </a:p>
+        </p:txBody>
+      </p:sp>
+      <p:cxnSp>
+        <p:nvCxnSpPr>
+          <p:cNvPr id="117" name="Connector: Elbow 116">
+            <a:extLst>
+              <a:ext uri="{FF2B5EF4-FFF2-40B4-BE49-F238E27FC236}">
+                <a16:creationId xmlns:a16="http://schemas.microsoft.com/office/drawing/2014/main" id="{49FC55A2-2BA2-4DBA-9442-E31E5FDE8691}"/>
+              </a:ext>
+            </a:extLst>
+          </p:cNvPr>
+          <p:cNvCxnSpPr>
+            <a:cxnSpLocks/>
+            <a:stCxn id="55" idx="3"/>
+            <a:endCxn id="104" idx="0"/>
+          </p:cNvCxnSpPr>
+          <p:nvPr/>
+        </p:nvCxnSpPr>
+        <p:spPr>
+          <a:xfrm flipH="1">
+            <a:off x="3205270" y="2987063"/>
+            <a:ext cx="936323" cy="1023938"/>
+          </a:xfrm>
+          <a:prstGeom prst="bentConnector4">
+            <a:avLst>
+              <a:gd name="adj1" fmla="val -24415"/>
+              <a:gd name="adj2" fmla="val 56387"/>
+            </a:avLst>
+          </a:prstGeom>
+          <a:ln>
+            <a:solidFill>
+              <a:schemeClr val="tx1"/>
+            </a:solidFill>
+            <a:tailEnd type="triangle"/>
+          </a:ln>
+        </p:spPr>
+        <p:style>
+          <a:lnRef idx="1">
+            <a:schemeClr val="accent1"/>
+          </a:lnRef>
+          <a:fillRef idx="0">
+            <a:schemeClr val="accent1"/>
+          </a:fillRef>
+          <a:effectRef idx="0">
+            <a:schemeClr val="accent1"/>
+          </a:effectRef>
+          <a:fontRef idx="minor">
+            <a:schemeClr val="tx1"/>
+          </a:fontRef>
+        </p:style>
+      </p:cxnSp>
+      <p:sp>
+        <p:nvSpPr>
+          <p:cNvPr id="154" name="TextBox 153">
+            <a:extLst>
+              <a:ext uri="{FF2B5EF4-FFF2-40B4-BE49-F238E27FC236}">
+                <a16:creationId xmlns:a16="http://schemas.microsoft.com/office/drawing/2014/main" id="{8451786A-5A98-49D2-9E70-9EE131603173}"/>
+              </a:ext>
+            </a:extLst>
+          </p:cNvPr>
+          <p:cNvSpPr txBox="1"/>
+          <p:nvPr/>
+        </p:nvSpPr>
+        <p:spPr>
+          <a:xfrm>
+            <a:off x="5583366" y="4000573"/>
+            <a:ext cx="2877711" cy="261610"/>
+          </a:xfrm>
+          <a:custGeom>
+            <a:avLst/>
+            <a:gdLst>
+              <a:gd name="connsiteX0" fmla="*/ 0 w 2877711"/>
+              <a:gd name="connsiteY0" fmla="*/ 0 h 261610"/>
+              <a:gd name="connsiteX1" fmla="*/ 546765 w 2877711"/>
+              <a:gd name="connsiteY1" fmla="*/ 0 h 261610"/>
+              <a:gd name="connsiteX2" fmla="*/ 1179862 w 2877711"/>
+              <a:gd name="connsiteY2" fmla="*/ 0 h 261610"/>
+              <a:gd name="connsiteX3" fmla="*/ 1697849 w 2877711"/>
+              <a:gd name="connsiteY3" fmla="*/ 0 h 261610"/>
+              <a:gd name="connsiteX4" fmla="*/ 2273392 w 2877711"/>
+              <a:gd name="connsiteY4" fmla="*/ 0 h 261610"/>
+              <a:gd name="connsiteX5" fmla="*/ 2877711 w 2877711"/>
+              <a:gd name="connsiteY5" fmla="*/ 0 h 261610"/>
+              <a:gd name="connsiteX6" fmla="*/ 2877711 w 2877711"/>
+              <a:gd name="connsiteY6" fmla="*/ 261610 h 261610"/>
+              <a:gd name="connsiteX7" fmla="*/ 2330946 w 2877711"/>
+              <a:gd name="connsiteY7" fmla="*/ 261610 h 261610"/>
+              <a:gd name="connsiteX8" fmla="*/ 1812958 w 2877711"/>
+              <a:gd name="connsiteY8" fmla="*/ 261610 h 261610"/>
+              <a:gd name="connsiteX9" fmla="*/ 1179862 w 2877711"/>
+              <a:gd name="connsiteY9" fmla="*/ 261610 h 261610"/>
+              <a:gd name="connsiteX10" fmla="*/ 633096 w 2877711"/>
+              <a:gd name="connsiteY10" fmla="*/ 261610 h 261610"/>
+              <a:gd name="connsiteX11" fmla="*/ 0 w 2877711"/>
+              <a:gd name="connsiteY11" fmla="*/ 261610 h 261610"/>
+              <a:gd name="connsiteX12" fmla="*/ 0 w 2877711"/>
+              <a:gd name="connsiteY12" fmla="*/ 0 h 261610"/>
+            </a:gdLst>
+            <a:ahLst/>
+            <a:cxnLst>
+              <a:cxn ang="0">
+                <a:pos x="connsiteX0" y="connsiteY0"/>
+              </a:cxn>
+              <a:cxn ang="0">
+                <a:pos x="connsiteX1" y="connsiteY1"/>
+              </a:cxn>
+              <a:cxn ang="0">
+                <a:pos x="connsiteX2" y="connsiteY2"/>
+              </a:cxn>
+              <a:cxn ang="0">
+                <a:pos x="connsiteX3" y="connsiteY3"/>
+              </a:cxn>
+              <a:cxn ang="0">
+                <a:pos x="connsiteX4" y="connsiteY4"/>
+              </a:cxn>
+              <a:cxn ang="0">
+                <a:pos x="connsiteX5" y="connsiteY5"/>
+              </a:cxn>
+              <a:cxn ang="0">
+                <a:pos x="connsiteX6" y="connsiteY6"/>
+              </a:cxn>
+              <a:cxn ang="0">
+                <a:pos x="connsiteX7" y="connsiteY7"/>
+              </a:cxn>
+              <a:cxn ang="0">
+                <a:pos x="connsiteX8" y="connsiteY8"/>
+              </a:cxn>
+              <a:cxn ang="0">
+                <a:pos x="connsiteX9" y="connsiteY9"/>
+              </a:cxn>
+              <a:cxn ang="0">
+                <a:pos x="connsiteX10" y="connsiteY10"/>
+              </a:cxn>
+              <a:cxn ang="0">
+                <a:pos x="connsiteX11" y="connsiteY11"/>
+              </a:cxn>
+              <a:cxn ang="0">
+                <a:pos x="connsiteX12" y="connsiteY12"/>
+              </a:cxn>
+            </a:cxnLst>
+            <a:rect l="l" t="t" r="r" b="b"/>
+            <a:pathLst>
+              <a:path w="2877711" h="261610" fill="none" extrusionOk="0">
+                <a:moveTo>
+                  <a:pt x="0" y="0"/>
+                </a:moveTo>
+                <a:cubicBezTo>
+                  <a:pt x="129142" y="-3764"/>
+                  <a:pt x="279963" y="22814"/>
+                  <a:pt x="546765" y="0"/>
+                </a:cubicBezTo>
+                <a:cubicBezTo>
+                  <a:pt x="813568" y="-22814"/>
+                  <a:pt x="964736" y="13074"/>
+                  <a:pt x="1179862" y="0"/>
+                </a:cubicBezTo>
+                <a:cubicBezTo>
+                  <a:pt x="1394988" y="-13074"/>
+                  <a:pt x="1484191" y="-7013"/>
+                  <a:pt x="1697849" y="0"/>
+                </a:cubicBezTo>
+                <a:cubicBezTo>
+                  <a:pt x="1911507" y="7013"/>
+                  <a:pt x="1987486" y="-26444"/>
+                  <a:pt x="2273392" y="0"/>
+                </a:cubicBezTo>
+                <a:cubicBezTo>
+                  <a:pt x="2559298" y="26444"/>
+                  <a:pt x="2709485" y="18505"/>
+                  <a:pt x="2877711" y="0"/>
+                </a:cubicBezTo>
+                <a:cubicBezTo>
+                  <a:pt x="2868556" y="127853"/>
+                  <a:pt x="2883937" y="193855"/>
+                  <a:pt x="2877711" y="261610"/>
+                </a:cubicBezTo>
+                <a:cubicBezTo>
+                  <a:pt x="2762259" y="272338"/>
+                  <a:pt x="2583742" y="234759"/>
+                  <a:pt x="2330946" y="261610"/>
+                </a:cubicBezTo>
+                <a:cubicBezTo>
+                  <a:pt x="2078151" y="288461"/>
+                  <a:pt x="1981871" y="249024"/>
+                  <a:pt x="1812958" y="261610"/>
+                </a:cubicBezTo>
+                <a:cubicBezTo>
+                  <a:pt x="1644045" y="274196"/>
+                  <a:pt x="1453548" y="284499"/>
+                  <a:pt x="1179862" y="261610"/>
+                </a:cubicBezTo>
+                <a:cubicBezTo>
+                  <a:pt x="906176" y="238721"/>
+                  <a:pt x="901672" y="264668"/>
+                  <a:pt x="633096" y="261610"/>
+                </a:cubicBezTo>
+                <a:cubicBezTo>
+                  <a:pt x="364520" y="258552"/>
+                  <a:pt x="176500" y="263361"/>
+                  <a:pt x="0" y="261610"/>
+                </a:cubicBezTo>
+                <a:cubicBezTo>
+                  <a:pt x="1817" y="153783"/>
+                  <a:pt x="-12542" y="91169"/>
+                  <a:pt x="0" y="0"/>
+                </a:cubicBezTo>
+                <a:close/>
+              </a:path>
+              <a:path w="2877711" h="261610" stroke="0" extrusionOk="0">
+                <a:moveTo>
+                  <a:pt x="0" y="0"/>
+                </a:moveTo>
+                <a:cubicBezTo>
+                  <a:pt x="143278" y="13009"/>
+                  <a:pt x="322276" y="18609"/>
+                  <a:pt x="604319" y="0"/>
+                </a:cubicBezTo>
+                <a:cubicBezTo>
+                  <a:pt x="886362" y="-18609"/>
+                  <a:pt x="943761" y="-12153"/>
+                  <a:pt x="1208639" y="0"/>
+                </a:cubicBezTo>
+                <a:cubicBezTo>
+                  <a:pt x="1473517" y="12153"/>
+                  <a:pt x="1654730" y="5475"/>
+                  <a:pt x="1784181" y="0"/>
+                </a:cubicBezTo>
+                <a:cubicBezTo>
+                  <a:pt x="1913632" y="-5475"/>
+                  <a:pt x="2515695" y="-52528"/>
+                  <a:pt x="2877711" y="0"/>
+                </a:cubicBezTo>
+                <a:cubicBezTo>
+                  <a:pt x="2880080" y="110679"/>
+                  <a:pt x="2886678" y="185380"/>
+                  <a:pt x="2877711" y="261610"/>
+                </a:cubicBezTo>
+                <a:cubicBezTo>
+                  <a:pt x="2747409" y="267586"/>
+                  <a:pt x="2494368" y="243745"/>
+                  <a:pt x="2273392" y="261610"/>
+                </a:cubicBezTo>
+                <a:cubicBezTo>
+                  <a:pt x="2052416" y="279475"/>
+                  <a:pt x="1950680" y="252463"/>
+                  <a:pt x="1640295" y="261610"/>
+                </a:cubicBezTo>
+                <a:cubicBezTo>
+                  <a:pt x="1329910" y="270757"/>
+                  <a:pt x="1153228" y="271486"/>
+                  <a:pt x="1007199" y="261610"/>
+                </a:cubicBezTo>
+                <a:cubicBezTo>
+                  <a:pt x="861170" y="251734"/>
+                  <a:pt x="393667" y="236194"/>
+                  <a:pt x="0" y="261610"/>
+                </a:cubicBezTo>
+                <a:cubicBezTo>
+                  <a:pt x="11542" y="151688"/>
+                  <a:pt x="-3624" y="125428"/>
+                  <a:pt x="0" y="0"/>
+                </a:cubicBezTo>
+                <a:close/>
+              </a:path>
+            </a:pathLst>
+          </a:custGeom>
+          <a:ln>
+            <a:extLst>
+              <a:ext uri="{C807C97D-BFC1-408E-A445-0C87EB9F89A2}">
+                <ask:lineSketchStyleProps xmlns:ask="http://schemas.microsoft.com/office/drawing/2018/sketchyshapes" sd="604385693">
+                  <a:prstGeom prst="rect">
+                    <a:avLst/>
+                  </a:prstGeom>
+                  <ask:type>
+                    <ask:lineSketchFreehand/>
+                  </ask:type>
+                </ask:lineSketchStyleProps>
+              </a:ext>
+            </a:extLst>
+          </a:ln>
+        </p:spPr>
+        <p:style>
+          <a:lnRef idx="1">
+            <a:schemeClr val="accent2"/>
+          </a:lnRef>
+          <a:fillRef idx="2">
+            <a:schemeClr val="accent2"/>
+          </a:fillRef>
+          <a:effectRef idx="1">
+            <a:schemeClr val="accent2"/>
+          </a:effectRef>
+          <a:fontRef idx="minor">
+            <a:schemeClr val="dk1"/>
+          </a:fontRef>
+        </p:style>
+        <p:txBody>
+          <a:bodyPr wrap="none" rtlCol="0">
+            <a:spAutoFit/>
+          </a:bodyPr>
+          <a:lstStyle/>
+          <a:p>
+            <a:r>
+              <a:rPr lang="en-GB" sz="1100" dirty="0">
+                <a:latin typeface="Consolas" panose="020B0609020204030204" pitchFamily="49" charset="0"/>
+                <a:cs typeface="Arial" panose="020B0604020202020204" pitchFamily="34" charset="0"/>
+              </a:rPr>
+              <a:t>return </a:t>
+            </a:r>
+            <a:r>
+              <a:rPr lang="en-GB" sz="1100" dirty="0" err="1">
+                <a:latin typeface="Consolas" panose="020B0609020204030204" pitchFamily="49" charset="0"/>
+                <a:cs typeface="Arial" panose="020B0604020202020204" pitchFamily="34" charset="0"/>
+              </a:rPr>
+              <a:t>flag._dof</a:t>
+            </a:r>
+            <a:r>
+              <a:rPr lang="en-GB" sz="1100" dirty="0">
+                <a:latin typeface="Consolas" panose="020B0609020204030204" pitchFamily="49" charset="0"/>
+                <a:cs typeface="Arial" panose="020B0604020202020204" pitchFamily="34" charset="0"/>
+                <a:sym typeface="Wingdings" panose="05000000000000000000" pitchFamily="2" charset="2"/>
+              </a:rPr>
+              <a:t>: (True/False/None)</a:t>
+            </a:r>
+            <a:endParaRPr lang="en-GB" sz="1100" dirty="0">
+              <a:latin typeface="Consolas" panose="020B0609020204030204" pitchFamily="49" charset="0"/>
+              <a:cs typeface="Arial" panose="020B0604020202020204" pitchFamily="34" charset="0"/>
+            </a:endParaRPr>
+          </a:p>
+        </p:txBody>
+      </p:sp>
+      <p:cxnSp>
+        <p:nvCxnSpPr>
+          <p:cNvPr id="173" name="Connector: Curved 172">
+            <a:extLst>
+              <a:ext uri="{FF2B5EF4-FFF2-40B4-BE49-F238E27FC236}">
+                <a16:creationId xmlns:a16="http://schemas.microsoft.com/office/drawing/2014/main" id="{5D2D90D7-65C6-4824-9ED9-3B9670769041}"/>
+              </a:ext>
+            </a:extLst>
+          </p:cNvPr>
+          <p:cNvCxnSpPr>
+            <a:cxnSpLocks/>
+            <a:stCxn id="105" idx="1"/>
+            <a:endCxn id="104" idx="1"/>
+          </p:cNvCxnSpPr>
+          <p:nvPr/>
+        </p:nvCxnSpPr>
+        <p:spPr>
+          <a:xfrm rot="10800000">
+            <a:off x="1585342" y="4141806"/>
+            <a:ext cx="439088" cy="272038"/>
+          </a:xfrm>
+          <a:prstGeom prst="curvedConnector3">
+            <a:avLst>
+              <a:gd name="adj1" fmla="val 155562"/>
+            </a:avLst>
+          </a:prstGeom>
+          <a:ln>
+            <a:solidFill>
+              <a:schemeClr val="tx1"/>
+            </a:solidFill>
+            <a:prstDash val="solid"/>
+            <a:tailEnd type="triangle"/>
+          </a:ln>
+        </p:spPr>
+        <p:style>
+          <a:lnRef idx="1">
+            <a:schemeClr val="accent1"/>
+          </a:lnRef>
+          <a:fillRef idx="0">
+            <a:schemeClr val="accent1"/>
+          </a:fillRef>
+          <a:effectRef idx="0">
+            <a:schemeClr val="accent1"/>
+          </a:effectRef>
+          <a:fontRef idx="minor">
+            <a:schemeClr val="tx1"/>
+          </a:fontRef>
+        </p:style>
+      </p:cxnSp>
+      <p:cxnSp>
+        <p:nvCxnSpPr>
+          <p:cNvPr id="201" name="Connector: Curved 200">
+            <a:extLst>
+              <a:ext uri="{FF2B5EF4-FFF2-40B4-BE49-F238E27FC236}">
+                <a16:creationId xmlns:a16="http://schemas.microsoft.com/office/drawing/2014/main" id="{06A4BCB7-09E6-4FAE-8BDF-3C5D06AA79B4}"/>
+              </a:ext>
+            </a:extLst>
+          </p:cNvPr>
+          <p:cNvCxnSpPr>
+            <a:cxnSpLocks/>
+            <a:stCxn id="104" idx="3"/>
+            <a:endCxn id="154" idx="1"/>
+          </p:cNvCxnSpPr>
+          <p:nvPr/>
+        </p:nvCxnSpPr>
+        <p:spPr>
+          <a:xfrm flipV="1">
+            <a:off x="4825197" y="4131378"/>
+            <a:ext cx="758169" cy="10428"/>
+          </a:xfrm>
+          <a:prstGeom prst="curvedConnector3">
+            <a:avLst>
+              <a:gd name="adj1" fmla="val 50000"/>
+            </a:avLst>
+          </a:prstGeom>
+          <a:ln>
+            <a:solidFill>
+              <a:schemeClr val="tx1"/>
+            </a:solidFill>
+            <a:prstDash val="solid"/>
+            <a:tailEnd type="triangle"/>
+          </a:ln>
+        </p:spPr>
+        <p:style>
+          <a:lnRef idx="1">
+            <a:schemeClr val="accent1"/>
+          </a:lnRef>
+          <a:fillRef idx="0">
+            <a:schemeClr val="accent1"/>
+          </a:fillRef>
+          <a:effectRef idx="0">
+            <a:schemeClr val="accent1"/>
+          </a:effectRef>
+          <a:fontRef idx="minor">
+            <a:schemeClr val="tx1"/>
+          </a:fontRef>
+        </p:style>
+      </p:cxnSp>
+      <p:cxnSp>
+        <p:nvCxnSpPr>
+          <p:cNvPr id="204" name="Connector: Curved 203">
+            <a:extLst>
+              <a:ext uri="{FF2B5EF4-FFF2-40B4-BE49-F238E27FC236}">
+                <a16:creationId xmlns:a16="http://schemas.microsoft.com/office/drawing/2014/main" id="{A10E07F1-6B70-4320-AD1E-34C869D279CF}"/>
+              </a:ext>
+            </a:extLst>
+          </p:cNvPr>
+          <p:cNvCxnSpPr>
+            <a:cxnSpLocks/>
+            <a:stCxn id="106" idx="3"/>
+            <a:endCxn id="108" idx="1"/>
+          </p:cNvCxnSpPr>
+          <p:nvPr/>
+        </p:nvCxnSpPr>
+        <p:spPr>
+          <a:xfrm>
+            <a:off x="4671308" y="4696310"/>
+            <a:ext cx="912058" cy="6127"/>
+          </a:xfrm>
+          <a:prstGeom prst="curvedConnector3">
+            <a:avLst>
+              <a:gd name="adj1" fmla="val 50000"/>
+            </a:avLst>
+          </a:prstGeom>
+          <a:ln>
+            <a:solidFill>
+              <a:schemeClr val="tx1"/>
+            </a:solidFill>
+            <a:prstDash val="solid"/>
+            <a:tailEnd type="triangle"/>
+          </a:ln>
+        </p:spPr>
+        <p:style>
+          <a:lnRef idx="1">
+            <a:schemeClr val="accent1"/>
+          </a:lnRef>
+          <a:fillRef idx="0">
+            <a:schemeClr val="accent1"/>
+          </a:fillRef>
+          <a:effectRef idx="0">
+            <a:schemeClr val="accent1"/>
+          </a:effectRef>
+          <a:fontRef idx="minor">
+            <a:schemeClr val="tx1"/>
+          </a:fontRef>
+        </p:style>
+      </p:cxnSp>
+      <p:cxnSp>
+        <p:nvCxnSpPr>
+          <p:cNvPr id="214" name="Connector: Curved 213">
+            <a:extLst>
+              <a:ext uri="{FF2B5EF4-FFF2-40B4-BE49-F238E27FC236}">
+                <a16:creationId xmlns:a16="http://schemas.microsoft.com/office/drawing/2014/main" id="{BCDD4F34-B85B-4942-8483-6A76FD897E4D}"/>
+              </a:ext>
+            </a:extLst>
+          </p:cNvPr>
+          <p:cNvCxnSpPr>
+            <a:cxnSpLocks/>
+            <a:stCxn id="107" idx="3"/>
+            <a:endCxn id="154" idx="1"/>
+          </p:cNvCxnSpPr>
+          <p:nvPr/>
+        </p:nvCxnSpPr>
+        <p:spPr>
+          <a:xfrm flipV="1">
+            <a:off x="4825197" y="4131378"/>
+            <a:ext cx="758169" cy="847398"/>
+          </a:xfrm>
+          <a:prstGeom prst="curvedConnector3">
+            <a:avLst>
+              <a:gd name="adj1" fmla="val 50000"/>
+            </a:avLst>
+          </a:prstGeom>
+          <a:ln>
+            <a:solidFill>
+              <a:schemeClr val="tx1"/>
+            </a:solidFill>
+            <a:prstDash val="solid"/>
+            <a:tailEnd type="triangle"/>
+          </a:ln>
+        </p:spPr>
+        <p:style>
+          <a:lnRef idx="1">
+            <a:schemeClr val="accent1"/>
+          </a:lnRef>
+          <a:fillRef idx="0">
+            <a:schemeClr val="accent1"/>
+          </a:fillRef>
+          <a:effectRef idx="0">
+            <a:schemeClr val="accent1"/>
+          </a:effectRef>
+          <a:fontRef idx="minor">
+            <a:schemeClr val="tx1"/>
+          </a:fontRef>
+        </p:style>
+      </p:cxnSp>
+      <p:sp>
+        <p:nvSpPr>
+          <p:cNvPr id="219" name="TextBox 218">
+            <a:extLst>
+              <a:ext uri="{FF2B5EF4-FFF2-40B4-BE49-F238E27FC236}">
+                <a16:creationId xmlns:a16="http://schemas.microsoft.com/office/drawing/2014/main" id="{338EEA11-BDC1-4C37-92D2-21EDABA837D7}"/>
+              </a:ext>
+            </a:extLst>
+          </p:cNvPr>
+          <p:cNvSpPr txBox="1"/>
+          <p:nvPr/>
+        </p:nvSpPr>
+        <p:spPr>
+          <a:xfrm>
+            <a:off x="152892" y="151518"/>
+            <a:ext cx="1432450" cy="261610"/>
+          </a:xfrm>
+          <a:custGeom>
+            <a:avLst/>
+            <a:gdLst>
+              <a:gd name="connsiteX0" fmla="*/ 0 w 1432450"/>
+              <a:gd name="connsiteY0" fmla="*/ 0 h 261610"/>
+              <a:gd name="connsiteX1" fmla="*/ 491808 w 1432450"/>
+              <a:gd name="connsiteY1" fmla="*/ 0 h 261610"/>
+              <a:gd name="connsiteX2" fmla="*/ 983616 w 1432450"/>
+              <a:gd name="connsiteY2" fmla="*/ 0 h 261610"/>
+              <a:gd name="connsiteX3" fmla="*/ 1432450 w 1432450"/>
+              <a:gd name="connsiteY3" fmla="*/ 0 h 261610"/>
+              <a:gd name="connsiteX4" fmla="*/ 1432450 w 1432450"/>
+              <a:gd name="connsiteY4" fmla="*/ 261610 h 261610"/>
+              <a:gd name="connsiteX5" fmla="*/ 940642 w 1432450"/>
+              <a:gd name="connsiteY5" fmla="*/ 261610 h 261610"/>
+              <a:gd name="connsiteX6" fmla="*/ 477483 w 1432450"/>
+              <a:gd name="connsiteY6" fmla="*/ 261610 h 261610"/>
+              <a:gd name="connsiteX7" fmla="*/ 0 w 1432450"/>
+              <a:gd name="connsiteY7" fmla="*/ 261610 h 261610"/>
+              <a:gd name="connsiteX8" fmla="*/ 0 w 1432450"/>
+              <a:gd name="connsiteY8" fmla="*/ 0 h 261610"/>
+            </a:gdLst>
+            <a:ahLst/>
+            <a:cxnLst>
+              <a:cxn ang="0">
+                <a:pos x="connsiteX0" y="connsiteY0"/>
+              </a:cxn>
+              <a:cxn ang="0">
+                <a:pos x="connsiteX1" y="connsiteY1"/>
+              </a:cxn>
+              <a:cxn ang="0">
+                <a:pos x="connsiteX2" y="connsiteY2"/>
+              </a:cxn>
+              <a:cxn ang="0">
+                <a:pos x="connsiteX3" y="connsiteY3"/>
+              </a:cxn>
+              <a:cxn ang="0">
+                <a:pos x="connsiteX4" y="connsiteY4"/>
+              </a:cxn>
+              <a:cxn ang="0">
+                <a:pos x="connsiteX5" y="connsiteY5"/>
+              </a:cxn>
+              <a:cxn ang="0">
+                <a:pos x="connsiteX6" y="connsiteY6"/>
+              </a:cxn>
+              <a:cxn ang="0">
+                <a:pos x="connsiteX7" y="connsiteY7"/>
+              </a:cxn>
+              <a:cxn ang="0">
+                <a:pos x="connsiteX8" y="connsiteY8"/>
+              </a:cxn>
+            </a:cxnLst>
+            <a:rect l="l" t="t" r="r" b="b"/>
+            <a:pathLst>
+              <a:path w="1432450" h="261610" extrusionOk="0">
+                <a:moveTo>
+                  <a:pt x="0" y="0"/>
+                </a:moveTo>
+                <a:cubicBezTo>
+                  <a:pt x="115409" y="-22958"/>
+                  <a:pt x="339708" y="-9085"/>
+                  <a:pt x="491808" y="0"/>
+                </a:cubicBezTo>
+                <a:cubicBezTo>
+                  <a:pt x="643908" y="9085"/>
+                  <a:pt x="864674" y="-11423"/>
+                  <a:pt x="983616" y="0"/>
+                </a:cubicBezTo>
+                <a:cubicBezTo>
+                  <a:pt x="1102558" y="11423"/>
+                  <a:pt x="1277568" y="-8087"/>
+                  <a:pt x="1432450" y="0"/>
+                </a:cubicBezTo>
+                <a:cubicBezTo>
+                  <a:pt x="1421597" y="111403"/>
+                  <a:pt x="1426035" y="158519"/>
+                  <a:pt x="1432450" y="261610"/>
+                </a:cubicBezTo>
+                <a:cubicBezTo>
+                  <a:pt x="1262600" y="247433"/>
+                  <a:pt x="1163245" y="247017"/>
+                  <a:pt x="940642" y="261610"/>
+                </a:cubicBezTo>
+                <a:cubicBezTo>
+                  <a:pt x="718039" y="276203"/>
+                  <a:pt x="646792" y="282522"/>
+                  <a:pt x="477483" y="261610"/>
+                </a:cubicBezTo>
+                <a:cubicBezTo>
+                  <a:pt x="308174" y="240698"/>
+                  <a:pt x="150449" y="257102"/>
+                  <a:pt x="0" y="261610"/>
+                </a:cubicBezTo>
+                <a:cubicBezTo>
+                  <a:pt x="-4498" y="140062"/>
+                  <a:pt x="10653" y="116420"/>
+                  <a:pt x="0" y="0"/>
+                </a:cubicBezTo>
+                <a:close/>
+              </a:path>
+            </a:pathLst>
+          </a:custGeom>
+          <a:noFill/>
+          <a:ln>
+            <a:noFill/>
+            <a:extLst>
+              <a:ext uri="{C807C97D-BFC1-408E-A445-0C87EB9F89A2}">
+                <ask:lineSketchStyleProps xmlns:ask="http://schemas.microsoft.com/office/drawing/2018/sketchyshapes" sd="604385693">
+                  <a:prstGeom prst="rect">
+                    <a:avLst/>
+                  </a:prstGeom>
+                  <ask:type>
+                    <ask:lineSketchFreehand/>
+                  </ask:type>
+                </ask:lineSketchStyleProps>
+              </a:ext>
+            </a:extLst>
+          </a:ln>
+        </p:spPr>
+        <p:style>
+          <a:lnRef idx="1">
+            <a:schemeClr val="accent1"/>
+          </a:lnRef>
+          <a:fillRef idx="2">
+            <a:schemeClr val="accent1"/>
+          </a:fillRef>
+          <a:effectRef idx="1">
+            <a:schemeClr val="accent1"/>
+          </a:effectRef>
+          <a:fontRef idx="minor">
+            <a:schemeClr val="dk1"/>
+          </a:fontRef>
+        </p:style>
+        <p:txBody>
+          <a:bodyPr wrap="square" rtlCol="0">
+            <a:spAutoFit/>
+          </a:bodyPr>
+          <a:lstStyle/>
+          <a:p>
+            <a:r>
+              <a:rPr lang="en-GB" sz="1100" b="1" dirty="0" err="1">
+                <a:latin typeface="Consolas" panose="020B0609020204030204" pitchFamily="49" charset="0"/>
+                <a:cs typeface="Arial" panose="020B0604020202020204" pitchFamily="34" charset="0"/>
+              </a:rPr>
+              <a:t>flag.value</a:t>
+            </a:r>
+            <a:r>
+              <a:rPr lang="en-GB" sz="1100" b="1" dirty="0">
+                <a:latin typeface="Consolas" panose="020B0609020204030204" pitchFamily="49" charset="0"/>
+                <a:cs typeface="Arial" panose="020B0604020202020204" pitchFamily="34" charset="0"/>
+              </a:rPr>
+              <a:t> logic</a:t>
+            </a:r>
+          </a:p>
+        </p:txBody>
+      </p:sp>
+    </p:spTree>
+    <p:extLst>
+      <p:ext uri="{BB962C8B-B14F-4D97-AF65-F5344CB8AC3E}">
+        <p14:creationId xmlns:p14="http://schemas.microsoft.com/office/powerpoint/2010/main" val="1492404506"/>
+      </p:ext>
+    </p:extLst>
+  </p:cSld>
+  <p:clrMapOvr>
+    <a:masterClrMapping/>
+  </p:clrMapOvr>
+</p:sld>
+</file>
+
 <file path=ppt/theme/theme1.xml><?xml version="1.0" encoding="utf-8"?>
 <a:theme xmlns:a="http://schemas.openxmlformats.org/drawingml/2006/main" name="Office Theme">
   <a:themeElements>
